--- a/pseudocodePresentation.pptx
+++ b/pseudocodePresentation.pptx
@@ -1,11 +1,11 @@
 
 <file path=ppt/presentation.xml><?xml version="1.0" encoding="utf-8"?>
-<p:presentation xmlns:a="http://schemas.openxmlformats.org/drawingml/2006/main" xmlns:r="http://schemas.openxmlformats.org/officeDocument/2006/relationships" xmlns:p="http://schemas.openxmlformats.org/presentationml/2006/main" saveSubsetFonts="1">
+<p:presentation xmlns:a="http://schemas.openxmlformats.org/drawingml/2006/main" xmlns:r="http://schemas.openxmlformats.org/officeDocument/2006/relationships" xmlns:mc="http://schemas.openxmlformats.org/markup-compatibility/2006" xmlns:mv="urn:schemas-microsoft-com:mac:vml" xmlns:p="http://schemas.openxmlformats.org/presentationml/2006/main" mc:Ignorable="mv" mc:PreserveAttributes="mv:*" saveSubsetFonts="1">
   <p:sldMasterIdLst>
     <p:sldMasterId id="2147483648" r:id="rId1"/>
   </p:sldMasterIdLst>
   <p:notesMasterIdLst>
-    <p:notesMasterId r:id="rId66"/>
+    <p:notesMasterId r:id="rId60"/>
   </p:notesMasterIdLst>
   <p:sldIdLst>
     <p:sldId id="256" r:id="rId2"/>
@@ -64,14 +64,8 @@
     <p:sldId id="312" r:id="rId55"/>
     <p:sldId id="313" r:id="rId56"/>
     <p:sldId id="314" r:id="rId57"/>
-    <p:sldId id="315" r:id="rId58"/>
-    <p:sldId id="316" r:id="rId59"/>
-    <p:sldId id="317" r:id="rId60"/>
-    <p:sldId id="318" r:id="rId61"/>
-    <p:sldId id="319" r:id="rId62"/>
-    <p:sldId id="320" r:id="rId63"/>
-    <p:sldId id="321" r:id="rId64"/>
-    <p:sldId id="322" r:id="rId65"/>
+    <p:sldId id="316" r:id="rId58"/>
+    <p:sldId id="315" r:id="rId59"/>
   </p:sldIdLst>
   <p:sldSz cx="9144000" cy="6858000" type="screen4x3"/>
   <p:notesSz cx="6858000" cy="9144000"/>
@@ -174,7 +168,7 @@
 </file>
 
 <file path=ppt/notesMasters/notesMaster1.xml><?xml version="1.0" encoding="utf-8"?>
-<p:notesMaster xmlns:a="http://schemas.openxmlformats.org/drawingml/2006/main" xmlns:r="http://schemas.openxmlformats.org/officeDocument/2006/relationships" xmlns:p="http://schemas.openxmlformats.org/presentationml/2006/main">
+<p:notesMaster xmlns:a="http://schemas.openxmlformats.org/drawingml/2006/main" xmlns:r="http://schemas.openxmlformats.org/officeDocument/2006/relationships" xmlns:mc="http://schemas.openxmlformats.org/markup-compatibility/2006" xmlns:mv="urn:schemas-microsoft-com:mac:vml" xmlns:p="http://schemas.openxmlformats.org/presentationml/2006/main" mc:Ignorable="mv" mc:PreserveAttributes="mv:*">
   <p:cSld>
     <p:bg>
       <p:bgRef idx="1001">
@@ -255,7 +249,8 @@
           <a:p>
             <a:fld id="{C2ABD7CF-CE8D-43B1-B884-D59884E078C3}" type="datetimeFigureOut">
               <a:rPr lang="en-IE" smtClean="0"/>
-              <a:t>27/02/2014</a:t>
+              <a:pPr/>
+              <a:t>9/21/16</a:t>
             </a:fld>
             <a:endParaRPr lang="en-IE"/>
           </a:p>
@@ -416,6 +411,7 @@
           <a:p>
             <a:fld id="{38BC2457-0B7C-48B9-BDD1-92A4A044B45F}" type="slidenum">
               <a:rPr lang="en-IE" smtClean="0"/>
+              <a:pPr/>
               <a:t>‹#›</a:t>
             </a:fld>
             <a:endParaRPr lang="en-IE"/>
@@ -521,7 +517,7 @@
 </file>
 
 <file path=ppt/notesSlides/notesSlide1.xml><?xml version="1.0" encoding="utf-8"?>
-<p:notes xmlns:a="http://schemas.openxmlformats.org/drawingml/2006/main" xmlns:r="http://schemas.openxmlformats.org/officeDocument/2006/relationships" xmlns:p="http://schemas.openxmlformats.org/presentationml/2006/main">
+<p:notes xmlns:a="http://schemas.openxmlformats.org/drawingml/2006/main" xmlns:r="http://schemas.openxmlformats.org/officeDocument/2006/relationships" xmlns:mc="http://schemas.openxmlformats.org/markup-compatibility/2006" xmlns:mv="urn:schemas-microsoft-com:mac:vml" xmlns:p="http://schemas.openxmlformats.org/presentationml/2006/main" mc:Ignorable="mv" mc:PreserveAttributes="mv:*">
   <p:cSld>
     <p:spTree>
       <p:nvGrpSpPr>
@@ -587,6 +583,7 @@
           <a:p>
             <a:fld id="{38BC2457-0B7C-48B9-BDD1-92A4A044B45F}" type="slidenum">
               <a:rPr lang="en-IE" smtClean="0"/>
+              <a:pPr/>
               <a:t>1</a:t>
             </a:fld>
             <a:endParaRPr lang="en-IE"/>
@@ -602,7 +599,7 @@
 </file>
 
 <file path=ppt/notesSlides/notesSlide10.xml><?xml version="1.0" encoding="utf-8"?>
-<p:notes xmlns:a="http://schemas.openxmlformats.org/drawingml/2006/main" xmlns:r="http://schemas.openxmlformats.org/officeDocument/2006/relationships" xmlns:p="http://schemas.openxmlformats.org/presentationml/2006/main">
+<p:notes xmlns:a="http://schemas.openxmlformats.org/drawingml/2006/main" xmlns:r="http://schemas.openxmlformats.org/officeDocument/2006/relationships" xmlns:mc="http://schemas.openxmlformats.org/markup-compatibility/2006" xmlns:mv="urn:schemas-microsoft-com:mac:vml" xmlns:p="http://schemas.openxmlformats.org/presentationml/2006/main" mc:Ignorable="mv" mc:PreserveAttributes="mv:*">
   <p:cSld>
     <p:spTree>
       <p:nvGrpSpPr>
@@ -668,6 +665,7 @@
           <a:p>
             <a:fld id="{38BC2457-0B7C-48B9-BDD1-92A4A044B45F}" type="slidenum">
               <a:rPr lang="en-IE" smtClean="0"/>
+              <a:pPr/>
               <a:t>10</a:t>
             </a:fld>
             <a:endParaRPr lang="en-IE"/>
@@ -683,7 +681,7 @@
 </file>
 
 <file path=ppt/notesSlides/notesSlide11.xml><?xml version="1.0" encoding="utf-8"?>
-<p:notes xmlns:a="http://schemas.openxmlformats.org/drawingml/2006/main" xmlns:r="http://schemas.openxmlformats.org/officeDocument/2006/relationships" xmlns:p="http://schemas.openxmlformats.org/presentationml/2006/main">
+<p:notes xmlns:a="http://schemas.openxmlformats.org/drawingml/2006/main" xmlns:r="http://schemas.openxmlformats.org/officeDocument/2006/relationships" xmlns:mc="http://schemas.openxmlformats.org/markup-compatibility/2006" xmlns:mv="urn:schemas-microsoft-com:mac:vml" xmlns:p="http://schemas.openxmlformats.org/presentationml/2006/main" mc:Ignorable="mv" mc:PreserveAttributes="mv:*">
   <p:cSld>
     <p:spTree>
       <p:nvGrpSpPr>
@@ -749,6 +747,7 @@
           <a:p>
             <a:fld id="{38BC2457-0B7C-48B9-BDD1-92A4A044B45F}" type="slidenum">
               <a:rPr lang="en-IE" smtClean="0"/>
+              <a:pPr/>
               <a:t>11</a:t>
             </a:fld>
             <a:endParaRPr lang="en-IE"/>
@@ -764,7 +763,7 @@
 </file>
 
 <file path=ppt/notesSlides/notesSlide12.xml><?xml version="1.0" encoding="utf-8"?>
-<p:notes xmlns:a="http://schemas.openxmlformats.org/drawingml/2006/main" xmlns:r="http://schemas.openxmlformats.org/officeDocument/2006/relationships" xmlns:p="http://schemas.openxmlformats.org/presentationml/2006/main">
+<p:notes xmlns:a="http://schemas.openxmlformats.org/drawingml/2006/main" xmlns:r="http://schemas.openxmlformats.org/officeDocument/2006/relationships" xmlns:mc="http://schemas.openxmlformats.org/markup-compatibility/2006" xmlns:mv="urn:schemas-microsoft-com:mac:vml" xmlns:p="http://schemas.openxmlformats.org/presentationml/2006/main" mc:Ignorable="mv" mc:PreserveAttributes="mv:*">
   <p:cSld>
     <p:spTree>
       <p:nvGrpSpPr>
@@ -830,6 +829,7 @@
           <a:p>
             <a:fld id="{38BC2457-0B7C-48B9-BDD1-92A4A044B45F}" type="slidenum">
               <a:rPr lang="en-IE" smtClean="0"/>
+              <a:pPr/>
               <a:t>12</a:t>
             </a:fld>
             <a:endParaRPr lang="en-IE"/>
@@ -845,7 +845,7 @@
 </file>
 
 <file path=ppt/notesSlides/notesSlide13.xml><?xml version="1.0" encoding="utf-8"?>
-<p:notes xmlns:a="http://schemas.openxmlformats.org/drawingml/2006/main" xmlns:r="http://schemas.openxmlformats.org/officeDocument/2006/relationships" xmlns:p="http://schemas.openxmlformats.org/presentationml/2006/main">
+<p:notes xmlns:a="http://schemas.openxmlformats.org/drawingml/2006/main" xmlns:r="http://schemas.openxmlformats.org/officeDocument/2006/relationships" xmlns:mc="http://schemas.openxmlformats.org/markup-compatibility/2006" xmlns:mv="urn:schemas-microsoft-com:mac:vml" xmlns:p="http://schemas.openxmlformats.org/presentationml/2006/main" mc:Ignorable="mv" mc:PreserveAttributes="mv:*">
   <p:cSld>
     <p:spTree>
       <p:nvGrpSpPr>
@@ -911,6 +911,7 @@
           <a:p>
             <a:fld id="{38BC2457-0B7C-48B9-BDD1-92A4A044B45F}" type="slidenum">
               <a:rPr lang="en-IE" smtClean="0"/>
+              <a:pPr/>
               <a:t>13</a:t>
             </a:fld>
             <a:endParaRPr lang="en-IE"/>
@@ -926,7 +927,7 @@
 </file>
 
 <file path=ppt/notesSlides/notesSlide14.xml><?xml version="1.0" encoding="utf-8"?>
-<p:notes xmlns:a="http://schemas.openxmlformats.org/drawingml/2006/main" xmlns:r="http://schemas.openxmlformats.org/officeDocument/2006/relationships" xmlns:p="http://schemas.openxmlformats.org/presentationml/2006/main">
+<p:notes xmlns:a="http://schemas.openxmlformats.org/drawingml/2006/main" xmlns:r="http://schemas.openxmlformats.org/officeDocument/2006/relationships" xmlns:mc="http://schemas.openxmlformats.org/markup-compatibility/2006" xmlns:mv="urn:schemas-microsoft-com:mac:vml" xmlns:p="http://schemas.openxmlformats.org/presentationml/2006/main" mc:Ignorable="mv" mc:PreserveAttributes="mv:*">
   <p:cSld>
     <p:spTree>
       <p:nvGrpSpPr>
@@ -992,6 +993,7 @@
           <a:p>
             <a:fld id="{38BC2457-0B7C-48B9-BDD1-92A4A044B45F}" type="slidenum">
               <a:rPr lang="en-IE" smtClean="0"/>
+              <a:pPr/>
               <a:t>14</a:t>
             </a:fld>
             <a:endParaRPr lang="en-IE"/>
@@ -1007,7 +1009,7 @@
 </file>
 
 <file path=ppt/notesSlides/notesSlide15.xml><?xml version="1.0" encoding="utf-8"?>
-<p:notes xmlns:a="http://schemas.openxmlformats.org/drawingml/2006/main" xmlns:r="http://schemas.openxmlformats.org/officeDocument/2006/relationships" xmlns:p="http://schemas.openxmlformats.org/presentationml/2006/main">
+<p:notes xmlns:a="http://schemas.openxmlformats.org/drawingml/2006/main" xmlns:r="http://schemas.openxmlformats.org/officeDocument/2006/relationships" xmlns:mc="http://schemas.openxmlformats.org/markup-compatibility/2006" xmlns:mv="urn:schemas-microsoft-com:mac:vml" xmlns:p="http://schemas.openxmlformats.org/presentationml/2006/main" mc:Ignorable="mv" mc:PreserveAttributes="mv:*">
   <p:cSld>
     <p:spTree>
       <p:nvGrpSpPr>
@@ -1073,6 +1075,7 @@
           <a:p>
             <a:fld id="{38BC2457-0B7C-48B9-BDD1-92A4A044B45F}" type="slidenum">
               <a:rPr lang="en-IE" smtClean="0"/>
+              <a:pPr/>
               <a:t>15</a:t>
             </a:fld>
             <a:endParaRPr lang="en-IE"/>
@@ -1088,7 +1091,7 @@
 </file>
 
 <file path=ppt/notesSlides/notesSlide16.xml><?xml version="1.0" encoding="utf-8"?>
-<p:notes xmlns:a="http://schemas.openxmlformats.org/drawingml/2006/main" xmlns:r="http://schemas.openxmlformats.org/officeDocument/2006/relationships" xmlns:p="http://schemas.openxmlformats.org/presentationml/2006/main">
+<p:notes xmlns:a="http://schemas.openxmlformats.org/drawingml/2006/main" xmlns:r="http://schemas.openxmlformats.org/officeDocument/2006/relationships" xmlns:mc="http://schemas.openxmlformats.org/markup-compatibility/2006" xmlns:mv="urn:schemas-microsoft-com:mac:vml" xmlns:p="http://schemas.openxmlformats.org/presentationml/2006/main" mc:Ignorable="mv" mc:PreserveAttributes="mv:*">
   <p:cSld>
     <p:spTree>
       <p:nvGrpSpPr>
@@ -1154,6 +1157,7 @@
           <a:p>
             <a:fld id="{38BC2457-0B7C-48B9-BDD1-92A4A044B45F}" type="slidenum">
               <a:rPr lang="en-IE" smtClean="0"/>
+              <a:pPr/>
               <a:t>16</a:t>
             </a:fld>
             <a:endParaRPr lang="en-IE"/>
@@ -1169,7 +1173,7 @@
 </file>
 
 <file path=ppt/notesSlides/notesSlide17.xml><?xml version="1.0" encoding="utf-8"?>
-<p:notes xmlns:a="http://schemas.openxmlformats.org/drawingml/2006/main" xmlns:r="http://schemas.openxmlformats.org/officeDocument/2006/relationships" xmlns:p="http://schemas.openxmlformats.org/presentationml/2006/main">
+<p:notes xmlns:a="http://schemas.openxmlformats.org/drawingml/2006/main" xmlns:r="http://schemas.openxmlformats.org/officeDocument/2006/relationships" xmlns:mc="http://schemas.openxmlformats.org/markup-compatibility/2006" xmlns:mv="urn:schemas-microsoft-com:mac:vml" xmlns:p="http://schemas.openxmlformats.org/presentationml/2006/main" mc:Ignorable="mv" mc:PreserveAttributes="mv:*">
   <p:cSld>
     <p:spTree>
       <p:nvGrpSpPr>
@@ -1235,6 +1239,7 @@
           <a:p>
             <a:fld id="{38BC2457-0B7C-48B9-BDD1-92A4A044B45F}" type="slidenum">
               <a:rPr lang="en-IE" smtClean="0"/>
+              <a:pPr/>
               <a:t>17</a:t>
             </a:fld>
             <a:endParaRPr lang="en-IE"/>
@@ -1250,7 +1255,7 @@
 </file>
 
 <file path=ppt/notesSlides/notesSlide18.xml><?xml version="1.0" encoding="utf-8"?>
-<p:notes xmlns:a="http://schemas.openxmlformats.org/drawingml/2006/main" xmlns:r="http://schemas.openxmlformats.org/officeDocument/2006/relationships" xmlns:p="http://schemas.openxmlformats.org/presentationml/2006/main">
+<p:notes xmlns:a="http://schemas.openxmlformats.org/drawingml/2006/main" xmlns:r="http://schemas.openxmlformats.org/officeDocument/2006/relationships" xmlns:mc="http://schemas.openxmlformats.org/markup-compatibility/2006" xmlns:mv="urn:schemas-microsoft-com:mac:vml" xmlns:p="http://schemas.openxmlformats.org/presentationml/2006/main" mc:Ignorable="mv" mc:PreserveAttributes="mv:*">
   <p:cSld>
     <p:spTree>
       <p:nvGrpSpPr>
@@ -1316,6 +1321,7 @@
           <a:p>
             <a:fld id="{38BC2457-0B7C-48B9-BDD1-92A4A044B45F}" type="slidenum">
               <a:rPr lang="en-IE" smtClean="0"/>
+              <a:pPr/>
               <a:t>18</a:t>
             </a:fld>
             <a:endParaRPr lang="en-IE"/>
@@ -1331,7 +1337,7 @@
 </file>
 
 <file path=ppt/notesSlides/notesSlide19.xml><?xml version="1.0" encoding="utf-8"?>
-<p:notes xmlns:a="http://schemas.openxmlformats.org/drawingml/2006/main" xmlns:r="http://schemas.openxmlformats.org/officeDocument/2006/relationships" xmlns:p="http://schemas.openxmlformats.org/presentationml/2006/main">
+<p:notes xmlns:a="http://schemas.openxmlformats.org/drawingml/2006/main" xmlns:r="http://schemas.openxmlformats.org/officeDocument/2006/relationships" xmlns:mc="http://schemas.openxmlformats.org/markup-compatibility/2006" xmlns:mv="urn:schemas-microsoft-com:mac:vml" xmlns:p="http://schemas.openxmlformats.org/presentationml/2006/main" mc:Ignorable="mv" mc:PreserveAttributes="mv:*">
   <p:cSld>
     <p:spTree>
       <p:nvGrpSpPr>
@@ -1397,6 +1403,7 @@
           <a:p>
             <a:fld id="{38BC2457-0B7C-48B9-BDD1-92A4A044B45F}" type="slidenum">
               <a:rPr lang="en-IE" smtClean="0"/>
+              <a:pPr/>
               <a:t>19</a:t>
             </a:fld>
             <a:endParaRPr lang="en-IE"/>
@@ -1412,7 +1419,7 @@
 </file>
 
 <file path=ppt/notesSlides/notesSlide2.xml><?xml version="1.0" encoding="utf-8"?>
-<p:notes xmlns:a="http://schemas.openxmlformats.org/drawingml/2006/main" xmlns:r="http://schemas.openxmlformats.org/officeDocument/2006/relationships" xmlns:p="http://schemas.openxmlformats.org/presentationml/2006/main">
+<p:notes xmlns:a="http://schemas.openxmlformats.org/drawingml/2006/main" xmlns:r="http://schemas.openxmlformats.org/officeDocument/2006/relationships" xmlns:mc="http://schemas.openxmlformats.org/markup-compatibility/2006" xmlns:mv="urn:schemas-microsoft-com:mac:vml" xmlns:p="http://schemas.openxmlformats.org/presentationml/2006/main" mc:Ignorable="mv" mc:PreserveAttributes="mv:*">
   <p:cSld>
     <p:spTree>
       <p:nvGrpSpPr>
@@ -1478,6 +1485,7 @@
           <a:p>
             <a:fld id="{38BC2457-0B7C-48B9-BDD1-92A4A044B45F}" type="slidenum">
               <a:rPr lang="en-IE" smtClean="0"/>
+              <a:pPr/>
               <a:t>2</a:t>
             </a:fld>
             <a:endParaRPr lang="en-IE"/>
@@ -1493,7 +1501,7 @@
 </file>
 
 <file path=ppt/notesSlides/notesSlide20.xml><?xml version="1.0" encoding="utf-8"?>
-<p:notes xmlns:a="http://schemas.openxmlformats.org/drawingml/2006/main" xmlns:r="http://schemas.openxmlformats.org/officeDocument/2006/relationships" xmlns:p="http://schemas.openxmlformats.org/presentationml/2006/main">
+<p:notes xmlns:a="http://schemas.openxmlformats.org/drawingml/2006/main" xmlns:r="http://schemas.openxmlformats.org/officeDocument/2006/relationships" xmlns:mc="http://schemas.openxmlformats.org/markup-compatibility/2006" xmlns:mv="urn:schemas-microsoft-com:mac:vml" xmlns:p="http://schemas.openxmlformats.org/presentationml/2006/main" mc:Ignorable="mv" mc:PreserveAttributes="mv:*">
   <p:cSld>
     <p:spTree>
       <p:nvGrpSpPr>
@@ -1559,6 +1567,7 @@
           <a:p>
             <a:fld id="{38BC2457-0B7C-48B9-BDD1-92A4A044B45F}" type="slidenum">
               <a:rPr lang="en-IE" smtClean="0"/>
+              <a:pPr/>
               <a:t>20</a:t>
             </a:fld>
             <a:endParaRPr lang="en-IE"/>
@@ -1574,7 +1583,7 @@
 </file>
 
 <file path=ppt/notesSlides/notesSlide21.xml><?xml version="1.0" encoding="utf-8"?>
-<p:notes xmlns:a="http://schemas.openxmlformats.org/drawingml/2006/main" xmlns:r="http://schemas.openxmlformats.org/officeDocument/2006/relationships" xmlns:p="http://schemas.openxmlformats.org/presentationml/2006/main">
+<p:notes xmlns:a="http://schemas.openxmlformats.org/drawingml/2006/main" xmlns:r="http://schemas.openxmlformats.org/officeDocument/2006/relationships" xmlns:mc="http://schemas.openxmlformats.org/markup-compatibility/2006" xmlns:mv="urn:schemas-microsoft-com:mac:vml" xmlns:p="http://schemas.openxmlformats.org/presentationml/2006/main" mc:Ignorable="mv" mc:PreserveAttributes="mv:*">
   <p:cSld>
     <p:spTree>
       <p:nvGrpSpPr>
@@ -1640,6 +1649,7 @@
           <a:p>
             <a:fld id="{38BC2457-0B7C-48B9-BDD1-92A4A044B45F}" type="slidenum">
               <a:rPr lang="en-IE" smtClean="0"/>
+              <a:pPr/>
               <a:t>21</a:t>
             </a:fld>
             <a:endParaRPr lang="en-IE"/>
@@ -1655,7 +1665,7 @@
 </file>
 
 <file path=ppt/notesSlides/notesSlide22.xml><?xml version="1.0" encoding="utf-8"?>
-<p:notes xmlns:a="http://schemas.openxmlformats.org/drawingml/2006/main" xmlns:r="http://schemas.openxmlformats.org/officeDocument/2006/relationships" xmlns:p="http://schemas.openxmlformats.org/presentationml/2006/main">
+<p:notes xmlns:a="http://schemas.openxmlformats.org/drawingml/2006/main" xmlns:r="http://schemas.openxmlformats.org/officeDocument/2006/relationships" xmlns:mc="http://schemas.openxmlformats.org/markup-compatibility/2006" xmlns:mv="urn:schemas-microsoft-com:mac:vml" xmlns:p="http://schemas.openxmlformats.org/presentationml/2006/main" mc:Ignorable="mv" mc:PreserveAttributes="mv:*">
   <p:cSld>
     <p:spTree>
       <p:nvGrpSpPr>
@@ -1721,6 +1731,7 @@
           <a:p>
             <a:fld id="{38BC2457-0B7C-48B9-BDD1-92A4A044B45F}" type="slidenum">
               <a:rPr lang="en-IE" smtClean="0"/>
+              <a:pPr/>
               <a:t>22</a:t>
             </a:fld>
             <a:endParaRPr lang="en-IE"/>
@@ -1736,7 +1747,7 @@
 </file>
 
 <file path=ppt/notesSlides/notesSlide23.xml><?xml version="1.0" encoding="utf-8"?>
-<p:notes xmlns:a="http://schemas.openxmlformats.org/drawingml/2006/main" xmlns:r="http://schemas.openxmlformats.org/officeDocument/2006/relationships" xmlns:p="http://schemas.openxmlformats.org/presentationml/2006/main">
+<p:notes xmlns:a="http://schemas.openxmlformats.org/drawingml/2006/main" xmlns:r="http://schemas.openxmlformats.org/officeDocument/2006/relationships" xmlns:mc="http://schemas.openxmlformats.org/markup-compatibility/2006" xmlns:mv="urn:schemas-microsoft-com:mac:vml" xmlns:p="http://schemas.openxmlformats.org/presentationml/2006/main" mc:Ignorable="mv" mc:PreserveAttributes="mv:*">
   <p:cSld>
     <p:spTree>
       <p:nvGrpSpPr>
@@ -1802,6 +1813,7 @@
           <a:p>
             <a:fld id="{38BC2457-0B7C-48B9-BDD1-92A4A044B45F}" type="slidenum">
               <a:rPr lang="en-IE" smtClean="0"/>
+              <a:pPr/>
               <a:t>23</a:t>
             </a:fld>
             <a:endParaRPr lang="en-IE"/>
@@ -1817,7 +1829,7 @@
 </file>
 
 <file path=ppt/notesSlides/notesSlide24.xml><?xml version="1.0" encoding="utf-8"?>
-<p:notes xmlns:a="http://schemas.openxmlformats.org/drawingml/2006/main" xmlns:r="http://schemas.openxmlformats.org/officeDocument/2006/relationships" xmlns:p="http://schemas.openxmlformats.org/presentationml/2006/main">
+<p:notes xmlns:a="http://schemas.openxmlformats.org/drawingml/2006/main" xmlns:r="http://schemas.openxmlformats.org/officeDocument/2006/relationships" xmlns:mc="http://schemas.openxmlformats.org/markup-compatibility/2006" xmlns:mv="urn:schemas-microsoft-com:mac:vml" xmlns:p="http://schemas.openxmlformats.org/presentationml/2006/main" mc:Ignorable="mv" mc:PreserveAttributes="mv:*">
   <p:cSld>
     <p:spTree>
       <p:nvGrpSpPr>
@@ -1883,6 +1895,7 @@
           <a:p>
             <a:fld id="{38BC2457-0B7C-48B9-BDD1-92A4A044B45F}" type="slidenum">
               <a:rPr lang="en-IE" smtClean="0"/>
+              <a:pPr/>
               <a:t>24</a:t>
             </a:fld>
             <a:endParaRPr lang="en-IE"/>
@@ -1898,7 +1911,7 @@
 </file>
 
 <file path=ppt/notesSlides/notesSlide25.xml><?xml version="1.0" encoding="utf-8"?>
-<p:notes xmlns:a="http://schemas.openxmlformats.org/drawingml/2006/main" xmlns:r="http://schemas.openxmlformats.org/officeDocument/2006/relationships" xmlns:p="http://schemas.openxmlformats.org/presentationml/2006/main">
+<p:notes xmlns:a="http://schemas.openxmlformats.org/drawingml/2006/main" xmlns:r="http://schemas.openxmlformats.org/officeDocument/2006/relationships" xmlns:mc="http://schemas.openxmlformats.org/markup-compatibility/2006" xmlns:mv="urn:schemas-microsoft-com:mac:vml" xmlns:p="http://schemas.openxmlformats.org/presentationml/2006/main" mc:Ignorable="mv" mc:PreserveAttributes="mv:*">
   <p:cSld>
     <p:spTree>
       <p:nvGrpSpPr>
@@ -1964,6 +1977,7 @@
           <a:p>
             <a:fld id="{38BC2457-0B7C-48B9-BDD1-92A4A044B45F}" type="slidenum">
               <a:rPr lang="en-IE" smtClean="0"/>
+              <a:pPr/>
               <a:t>25</a:t>
             </a:fld>
             <a:endParaRPr lang="en-IE"/>
@@ -1979,7 +1993,7 @@
 </file>
 
 <file path=ppt/notesSlides/notesSlide26.xml><?xml version="1.0" encoding="utf-8"?>
-<p:notes xmlns:a="http://schemas.openxmlformats.org/drawingml/2006/main" xmlns:r="http://schemas.openxmlformats.org/officeDocument/2006/relationships" xmlns:p="http://schemas.openxmlformats.org/presentationml/2006/main">
+<p:notes xmlns:a="http://schemas.openxmlformats.org/drawingml/2006/main" xmlns:r="http://schemas.openxmlformats.org/officeDocument/2006/relationships" xmlns:mc="http://schemas.openxmlformats.org/markup-compatibility/2006" xmlns:mv="urn:schemas-microsoft-com:mac:vml" xmlns:p="http://schemas.openxmlformats.org/presentationml/2006/main" mc:Ignorable="mv" mc:PreserveAttributes="mv:*">
   <p:cSld>
     <p:spTree>
       <p:nvGrpSpPr>
@@ -2045,6 +2059,7 @@
           <a:p>
             <a:fld id="{38BC2457-0B7C-48B9-BDD1-92A4A044B45F}" type="slidenum">
               <a:rPr lang="en-IE" smtClean="0"/>
+              <a:pPr/>
               <a:t>26</a:t>
             </a:fld>
             <a:endParaRPr lang="en-IE"/>
@@ -2060,7 +2075,7 @@
 </file>
 
 <file path=ppt/notesSlides/notesSlide27.xml><?xml version="1.0" encoding="utf-8"?>
-<p:notes xmlns:a="http://schemas.openxmlformats.org/drawingml/2006/main" xmlns:r="http://schemas.openxmlformats.org/officeDocument/2006/relationships" xmlns:p="http://schemas.openxmlformats.org/presentationml/2006/main">
+<p:notes xmlns:a="http://schemas.openxmlformats.org/drawingml/2006/main" xmlns:r="http://schemas.openxmlformats.org/officeDocument/2006/relationships" xmlns:mc="http://schemas.openxmlformats.org/markup-compatibility/2006" xmlns:mv="urn:schemas-microsoft-com:mac:vml" xmlns:p="http://schemas.openxmlformats.org/presentationml/2006/main" mc:Ignorable="mv" mc:PreserveAttributes="mv:*">
   <p:cSld>
     <p:spTree>
       <p:nvGrpSpPr>
@@ -2126,6 +2141,7 @@
           <a:p>
             <a:fld id="{38BC2457-0B7C-48B9-BDD1-92A4A044B45F}" type="slidenum">
               <a:rPr lang="en-IE" smtClean="0"/>
+              <a:pPr/>
               <a:t>27</a:t>
             </a:fld>
             <a:endParaRPr lang="en-IE"/>
@@ -2141,7 +2157,7 @@
 </file>
 
 <file path=ppt/notesSlides/notesSlide28.xml><?xml version="1.0" encoding="utf-8"?>
-<p:notes xmlns:a="http://schemas.openxmlformats.org/drawingml/2006/main" xmlns:r="http://schemas.openxmlformats.org/officeDocument/2006/relationships" xmlns:p="http://schemas.openxmlformats.org/presentationml/2006/main">
+<p:notes xmlns:a="http://schemas.openxmlformats.org/drawingml/2006/main" xmlns:r="http://schemas.openxmlformats.org/officeDocument/2006/relationships" xmlns:mc="http://schemas.openxmlformats.org/markup-compatibility/2006" xmlns:mv="urn:schemas-microsoft-com:mac:vml" xmlns:p="http://schemas.openxmlformats.org/presentationml/2006/main" mc:Ignorable="mv" mc:PreserveAttributes="mv:*">
   <p:cSld>
     <p:spTree>
       <p:nvGrpSpPr>
@@ -2207,6 +2223,7 @@
           <a:p>
             <a:fld id="{38BC2457-0B7C-48B9-BDD1-92A4A044B45F}" type="slidenum">
               <a:rPr lang="en-IE" smtClean="0"/>
+              <a:pPr/>
               <a:t>28</a:t>
             </a:fld>
             <a:endParaRPr lang="en-IE"/>
@@ -2222,7 +2239,7 @@
 </file>
 
 <file path=ppt/notesSlides/notesSlide29.xml><?xml version="1.0" encoding="utf-8"?>
-<p:notes xmlns:a="http://schemas.openxmlformats.org/drawingml/2006/main" xmlns:r="http://schemas.openxmlformats.org/officeDocument/2006/relationships" xmlns:p="http://schemas.openxmlformats.org/presentationml/2006/main">
+<p:notes xmlns:a="http://schemas.openxmlformats.org/drawingml/2006/main" xmlns:r="http://schemas.openxmlformats.org/officeDocument/2006/relationships" xmlns:mc="http://schemas.openxmlformats.org/markup-compatibility/2006" xmlns:mv="urn:schemas-microsoft-com:mac:vml" xmlns:p="http://schemas.openxmlformats.org/presentationml/2006/main" mc:Ignorable="mv" mc:PreserveAttributes="mv:*">
   <p:cSld>
     <p:spTree>
       <p:nvGrpSpPr>
@@ -2288,6 +2305,7 @@
           <a:p>
             <a:fld id="{38BC2457-0B7C-48B9-BDD1-92A4A044B45F}" type="slidenum">
               <a:rPr lang="en-IE" smtClean="0"/>
+              <a:pPr/>
               <a:t>29</a:t>
             </a:fld>
             <a:endParaRPr lang="en-IE"/>
@@ -2303,7 +2321,7 @@
 </file>
 
 <file path=ppt/notesSlides/notesSlide3.xml><?xml version="1.0" encoding="utf-8"?>
-<p:notes xmlns:a="http://schemas.openxmlformats.org/drawingml/2006/main" xmlns:r="http://schemas.openxmlformats.org/officeDocument/2006/relationships" xmlns:p="http://schemas.openxmlformats.org/presentationml/2006/main">
+<p:notes xmlns:a="http://schemas.openxmlformats.org/drawingml/2006/main" xmlns:r="http://schemas.openxmlformats.org/officeDocument/2006/relationships" xmlns:mc="http://schemas.openxmlformats.org/markup-compatibility/2006" xmlns:mv="urn:schemas-microsoft-com:mac:vml" xmlns:p="http://schemas.openxmlformats.org/presentationml/2006/main" mc:Ignorable="mv" mc:PreserveAttributes="mv:*">
   <p:cSld>
     <p:spTree>
       <p:nvGrpSpPr>
@@ -2369,6 +2387,7 @@
           <a:p>
             <a:fld id="{38BC2457-0B7C-48B9-BDD1-92A4A044B45F}" type="slidenum">
               <a:rPr lang="en-IE" smtClean="0"/>
+              <a:pPr/>
               <a:t>3</a:t>
             </a:fld>
             <a:endParaRPr lang="en-IE"/>
@@ -2384,7 +2403,7 @@
 </file>
 
 <file path=ppt/notesSlides/notesSlide30.xml><?xml version="1.0" encoding="utf-8"?>
-<p:notes xmlns:a="http://schemas.openxmlformats.org/drawingml/2006/main" xmlns:r="http://schemas.openxmlformats.org/officeDocument/2006/relationships" xmlns:p="http://schemas.openxmlformats.org/presentationml/2006/main">
+<p:notes xmlns:a="http://schemas.openxmlformats.org/drawingml/2006/main" xmlns:r="http://schemas.openxmlformats.org/officeDocument/2006/relationships" xmlns:mc="http://schemas.openxmlformats.org/markup-compatibility/2006" xmlns:mv="urn:schemas-microsoft-com:mac:vml" xmlns:p="http://schemas.openxmlformats.org/presentationml/2006/main" mc:Ignorable="mv" mc:PreserveAttributes="mv:*">
   <p:cSld>
     <p:spTree>
       <p:nvGrpSpPr>
@@ -2450,6 +2469,7 @@
           <a:p>
             <a:fld id="{38BC2457-0B7C-48B9-BDD1-92A4A044B45F}" type="slidenum">
               <a:rPr lang="en-IE" smtClean="0"/>
+              <a:pPr/>
               <a:t>30</a:t>
             </a:fld>
             <a:endParaRPr lang="en-IE"/>
@@ -2465,7 +2485,7 @@
 </file>
 
 <file path=ppt/notesSlides/notesSlide31.xml><?xml version="1.0" encoding="utf-8"?>
-<p:notes xmlns:a="http://schemas.openxmlformats.org/drawingml/2006/main" xmlns:r="http://schemas.openxmlformats.org/officeDocument/2006/relationships" xmlns:p="http://schemas.openxmlformats.org/presentationml/2006/main">
+<p:notes xmlns:a="http://schemas.openxmlformats.org/drawingml/2006/main" xmlns:r="http://schemas.openxmlformats.org/officeDocument/2006/relationships" xmlns:mc="http://schemas.openxmlformats.org/markup-compatibility/2006" xmlns:mv="urn:schemas-microsoft-com:mac:vml" xmlns:p="http://schemas.openxmlformats.org/presentationml/2006/main" mc:Ignorable="mv" mc:PreserveAttributes="mv:*">
   <p:cSld>
     <p:spTree>
       <p:nvGrpSpPr>
@@ -2531,6 +2551,7 @@
           <a:p>
             <a:fld id="{38BC2457-0B7C-48B9-BDD1-92A4A044B45F}" type="slidenum">
               <a:rPr lang="en-IE" smtClean="0"/>
+              <a:pPr/>
               <a:t>31</a:t>
             </a:fld>
             <a:endParaRPr lang="en-IE"/>
@@ -2546,7 +2567,7 @@
 </file>
 
 <file path=ppt/notesSlides/notesSlide32.xml><?xml version="1.0" encoding="utf-8"?>
-<p:notes xmlns:a="http://schemas.openxmlformats.org/drawingml/2006/main" xmlns:r="http://schemas.openxmlformats.org/officeDocument/2006/relationships" xmlns:p="http://schemas.openxmlformats.org/presentationml/2006/main">
+<p:notes xmlns:a="http://schemas.openxmlformats.org/drawingml/2006/main" xmlns:r="http://schemas.openxmlformats.org/officeDocument/2006/relationships" xmlns:mc="http://schemas.openxmlformats.org/markup-compatibility/2006" xmlns:mv="urn:schemas-microsoft-com:mac:vml" xmlns:p="http://schemas.openxmlformats.org/presentationml/2006/main" mc:Ignorable="mv" mc:PreserveAttributes="mv:*">
   <p:cSld>
     <p:spTree>
       <p:nvGrpSpPr>
@@ -2612,6 +2633,7 @@
           <a:p>
             <a:fld id="{38BC2457-0B7C-48B9-BDD1-92A4A044B45F}" type="slidenum">
               <a:rPr lang="en-IE" smtClean="0"/>
+              <a:pPr/>
               <a:t>32</a:t>
             </a:fld>
             <a:endParaRPr lang="en-IE"/>
@@ -2627,7 +2649,7 @@
 </file>
 
 <file path=ppt/notesSlides/notesSlide33.xml><?xml version="1.0" encoding="utf-8"?>
-<p:notes xmlns:a="http://schemas.openxmlformats.org/drawingml/2006/main" xmlns:r="http://schemas.openxmlformats.org/officeDocument/2006/relationships" xmlns:p="http://schemas.openxmlformats.org/presentationml/2006/main">
+<p:notes xmlns:a="http://schemas.openxmlformats.org/drawingml/2006/main" xmlns:r="http://schemas.openxmlformats.org/officeDocument/2006/relationships" xmlns:mc="http://schemas.openxmlformats.org/markup-compatibility/2006" xmlns:mv="urn:schemas-microsoft-com:mac:vml" xmlns:p="http://schemas.openxmlformats.org/presentationml/2006/main" mc:Ignorable="mv" mc:PreserveAttributes="mv:*">
   <p:cSld>
     <p:spTree>
       <p:nvGrpSpPr>
@@ -2693,6 +2715,7 @@
           <a:p>
             <a:fld id="{38BC2457-0B7C-48B9-BDD1-92A4A044B45F}" type="slidenum">
               <a:rPr lang="en-IE" smtClean="0"/>
+              <a:pPr/>
               <a:t>33</a:t>
             </a:fld>
             <a:endParaRPr lang="en-IE"/>
@@ -2708,7 +2731,7 @@
 </file>
 
 <file path=ppt/notesSlides/notesSlide34.xml><?xml version="1.0" encoding="utf-8"?>
-<p:notes xmlns:a="http://schemas.openxmlformats.org/drawingml/2006/main" xmlns:r="http://schemas.openxmlformats.org/officeDocument/2006/relationships" xmlns:p="http://schemas.openxmlformats.org/presentationml/2006/main">
+<p:notes xmlns:a="http://schemas.openxmlformats.org/drawingml/2006/main" xmlns:r="http://schemas.openxmlformats.org/officeDocument/2006/relationships" xmlns:mc="http://schemas.openxmlformats.org/markup-compatibility/2006" xmlns:mv="urn:schemas-microsoft-com:mac:vml" xmlns:p="http://schemas.openxmlformats.org/presentationml/2006/main" mc:Ignorable="mv" mc:PreserveAttributes="mv:*">
   <p:cSld>
     <p:spTree>
       <p:nvGrpSpPr>
@@ -2774,6 +2797,7 @@
           <a:p>
             <a:fld id="{38BC2457-0B7C-48B9-BDD1-92A4A044B45F}" type="slidenum">
               <a:rPr lang="en-IE" smtClean="0"/>
+              <a:pPr/>
               <a:t>34</a:t>
             </a:fld>
             <a:endParaRPr lang="en-IE"/>
@@ -2789,7 +2813,7 @@
 </file>
 
 <file path=ppt/notesSlides/notesSlide35.xml><?xml version="1.0" encoding="utf-8"?>
-<p:notes xmlns:a="http://schemas.openxmlformats.org/drawingml/2006/main" xmlns:r="http://schemas.openxmlformats.org/officeDocument/2006/relationships" xmlns:p="http://schemas.openxmlformats.org/presentationml/2006/main">
+<p:notes xmlns:a="http://schemas.openxmlformats.org/drawingml/2006/main" xmlns:r="http://schemas.openxmlformats.org/officeDocument/2006/relationships" xmlns:mc="http://schemas.openxmlformats.org/markup-compatibility/2006" xmlns:mv="urn:schemas-microsoft-com:mac:vml" xmlns:p="http://schemas.openxmlformats.org/presentationml/2006/main" mc:Ignorable="mv" mc:PreserveAttributes="mv:*">
   <p:cSld>
     <p:spTree>
       <p:nvGrpSpPr>
@@ -2855,6 +2879,7 @@
           <a:p>
             <a:fld id="{38BC2457-0B7C-48B9-BDD1-92A4A044B45F}" type="slidenum">
               <a:rPr lang="en-IE" smtClean="0"/>
+              <a:pPr/>
               <a:t>35</a:t>
             </a:fld>
             <a:endParaRPr lang="en-IE"/>
@@ -2870,7 +2895,7 @@
 </file>
 
 <file path=ppt/notesSlides/notesSlide36.xml><?xml version="1.0" encoding="utf-8"?>
-<p:notes xmlns:a="http://schemas.openxmlformats.org/drawingml/2006/main" xmlns:r="http://schemas.openxmlformats.org/officeDocument/2006/relationships" xmlns:p="http://schemas.openxmlformats.org/presentationml/2006/main">
+<p:notes xmlns:a="http://schemas.openxmlformats.org/drawingml/2006/main" xmlns:r="http://schemas.openxmlformats.org/officeDocument/2006/relationships" xmlns:mc="http://schemas.openxmlformats.org/markup-compatibility/2006" xmlns:mv="urn:schemas-microsoft-com:mac:vml" xmlns:p="http://schemas.openxmlformats.org/presentationml/2006/main" mc:Ignorable="mv" mc:PreserveAttributes="mv:*">
   <p:cSld>
     <p:spTree>
       <p:nvGrpSpPr>
@@ -2936,6 +2961,7 @@
           <a:p>
             <a:fld id="{38BC2457-0B7C-48B9-BDD1-92A4A044B45F}" type="slidenum">
               <a:rPr lang="en-IE" smtClean="0"/>
+              <a:pPr/>
               <a:t>36</a:t>
             </a:fld>
             <a:endParaRPr lang="en-IE"/>
@@ -2951,7 +2977,7 @@
 </file>
 
 <file path=ppt/notesSlides/notesSlide37.xml><?xml version="1.0" encoding="utf-8"?>
-<p:notes xmlns:a="http://schemas.openxmlformats.org/drawingml/2006/main" xmlns:r="http://schemas.openxmlformats.org/officeDocument/2006/relationships" xmlns:p="http://schemas.openxmlformats.org/presentationml/2006/main">
+<p:notes xmlns:a="http://schemas.openxmlformats.org/drawingml/2006/main" xmlns:r="http://schemas.openxmlformats.org/officeDocument/2006/relationships" xmlns:mc="http://schemas.openxmlformats.org/markup-compatibility/2006" xmlns:mv="urn:schemas-microsoft-com:mac:vml" xmlns:p="http://schemas.openxmlformats.org/presentationml/2006/main" mc:Ignorable="mv" mc:PreserveAttributes="mv:*">
   <p:cSld>
     <p:spTree>
       <p:nvGrpSpPr>
@@ -3017,6 +3043,7 @@
           <a:p>
             <a:fld id="{38BC2457-0B7C-48B9-BDD1-92A4A044B45F}" type="slidenum">
               <a:rPr lang="en-IE" smtClean="0"/>
+              <a:pPr/>
               <a:t>37</a:t>
             </a:fld>
             <a:endParaRPr lang="en-IE"/>
@@ -3032,7 +3059,7 @@
 </file>
 
 <file path=ppt/notesSlides/notesSlide38.xml><?xml version="1.0" encoding="utf-8"?>
-<p:notes xmlns:a="http://schemas.openxmlformats.org/drawingml/2006/main" xmlns:r="http://schemas.openxmlformats.org/officeDocument/2006/relationships" xmlns:p="http://schemas.openxmlformats.org/presentationml/2006/main">
+<p:notes xmlns:a="http://schemas.openxmlformats.org/drawingml/2006/main" xmlns:r="http://schemas.openxmlformats.org/officeDocument/2006/relationships" xmlns:mc="http://schemas.openxmlformats.org/markup-compatibility/2006" xmlns:mv="urn:schemas-microsoft-com:mac:vml" xmlns:p="http://schemas.openxmlformats.org/presentationml/2006/main" mc:Ignorable="mv" mc:PreserveAttributes="mv:*">
   <p:cSld>
     <p:spTree>
       <p:nvGrpSpPr>
@@ -3098,6 +3125,7 @@
           <a:p>
             <a:fld id="{38BC2457-0B7C-48B9-BDD1-92A4A044B45F}" type="slidenum">
               <a:rPr lang="en-IE" smtClean="0"/>
+              <a:pPr/>
               <a:t>38</a:t>
             </a:fld>
             <a:endParaRPr lang="en-IE"/>
@@ -3113,7 +3141,7 @@
 </file>
 
 <file path=ppt/notesSlides/notesSlide39.xml><?xml version="1.0" encoding="utf-8"?>
-<p:notes xmlns:a="http://schemas.openxmlformats.org/drawingml/2006/main" xmlns:r="http://schemas.openxmlformats.org/officeDocument/2006/relationships" xmlns:p="http://schemas.openxmlformats.org/presentationml/2006/main">
+<p:notes xmlns:a="http://schemas.openxmlformats.org/drawingml/2006/main" xmlns:r="http://schemas.openxmlformats.org/officeDocument/2006/relationships" xmlns:mc="http://schemas.openxmlformats.org/markup-compatibility/2006" xmlns:mv="urn:schemas-microsoft-com:mac:vml" xmlns:p="http://schemas.openxmlformats.org/presentationml/2006/main" mc:Ignorable="mv" mc:PreserveAttributes="mv:*">
   <p:cSld>
     <p:spTree>
       <p:nvGrpSpPr>
@@ -3179,6 +3207,7 @@
           <a:p>
             <a:fld id="{38BC2457-0B7C-48B9-BDD1-92A4A044B45F}" type="slidenum">
               <a:rPr lang="en-IE" smtClean="0"/>
+              <a:pPr/>
               <a:t>39</a:t>
             </a:fld>
             <a:endParaRPr lang="en-IE"/>
@@ -3194,7 +3223,7 @@
 </file>
 
 <file path=ppt/notesSlides/notesSlide4.xml><?xml version="1.0" encoding="utf-8"?>
-<p:notes xmlns:a="http://schemas.openxmlformats.org/drawingml/2006/main" xmlns:r="http://schemas.openxmlformats.org/officeDocument/2006/relationships" xmlns:p="http://schemas.openxmlformats.org/presentationml/2006/main">
+<p:notes xmlns:a="http://schemas.openxmlformats.org/drawingml/2006/main" xmlns:r="http://schemas.openxmlformats.org/officeDocument/2006/relationships" xmlns:mc="http://schemas.openxmlformats.org/markup-compatibility/2006" xmlns:mv="urn:schemas-microsoft-com:mac:vml" xmlns:p="http://schemas.openxmlformats.org/presentationml/2006/main" mc:Ignorable="mv" mc:PreserveAttributes="mv:*">
   <p:cSld>
     <p:spTree>
       <p:nvGrpSpPr>
@@ -3260,6 +3289,7 @@
           <a:p>
             <a:fld id="{38BC2457-0B7C-48B9-BDD1-92A4A044B45F}" type="slidenum">
               <a:rPr lang="en-IE" smtClean="0"/>
+              <a:pPr/>
               <a:t>4</a:t>
             </a:fld>
             <a:endParaRPr lang="en-IE"/>
@@ -3275,7 +3305,7 @@
 </file>
 
 <file path=ppt/notesSlides/notesSlide40.xml><?xml version="1.0" encoding="utf-8"?>
-<p:notes xmlns:a="http://schemas.openxmlformats.org/drawingml/2006/main" xmlns:r="http://schemas.openxmlformats.org/officeDocument/2006/relationships" xmlns:p="http://schemas.openxmlformats.org/presentationml/2006/main">
+<p:notes xmlns:a="http://schemas.openxmlformats.org/drawingml/2006/main" xmlns:r="http://schemas.openxmlformats.org/officeDocument/2006/relationships" xmlns:mc="http://schemas.openxmlformats.org/markup-compatibility/2006" xmlns:mv="urn:schemas-microsoft-com:mac:vml" xmlns:p="http://schemas.openxmlformats.org/presentationml/2006/main" mc:Ignorable="mv" mc:PreserveAttributes="mv:*">
   <p:cSld>
     <p:spTree>
       <p:nvGrpSpPr>
@@ -3341,6 +3371,7 @@
           <a:p>
             <a:fld id="{38BC2457-0B7C-48B9-BDD1-92A4A044B45F}" type="slidenum">
               <a:rPr lang="en-IE" smtClean="0"/>
+              <a:pPr/>
               <a:t>40</a:t>
             </a:fld>
             <a:endParaRPr lang="en-IE"/>
@@ -3356,7 +3387,7 @@
 </file>
 
 <file path=ppt/notesSlides/notesSlide41.xml><?xml version="1.0" encoding="utf-8"?>
-<p:notes xmlns:a="http://schemas.openxmlformats.org/drawingml/2006/main" xmlns:r="http://schemas.openxmlformats.org/officeDocument/2006/relationships" xmlns:p="http://schemas.openxmlformats.org/presentationml/2006/main">
+<p:notes xmlns:a="http://schemas.openxmlformats.org/drawingml/2006/main" xmlns:r="http://schemas.openxmlformats.org/officeDocument/2006/relationships" xmlns:mc="http://schemas.openxmlformats.org/markup-compatibility/2006" xmlns:mv="urn:schemas-microsoft-com:mac:vml" xmlns:p="http://schemas.openxmlformats.org/presentationml/2006/main" mc:Ignorable="mv" mc:PreserveAttributes="mv:*">
   <p:cSld>
     <p:spTree>
       <p:nvGrpSpPr>
@@ -3422,6 +3453,7 @@
           <a:p>
             <a:fld id="{38BC2457-0B7C-48B9-BDD1-92A4A044B45F}" type="slidenum">
               <a:rPr lang="en-IE" smtClean="0"/>
+              <a:pPr/>
               <a:t>41</a:t>
             </a:fld>
             <a:endParaRPr lang="en-IE"/>
@@ -3437,7 +3469,7 @@
 </file>
 
 <file path=ppt/notesSlides/notesSlide42.xml><?xml version="1.0" encoding="utf-8"?>
-<p:notes xmlns:a="http://schemas.openxmlformats.org/drawingml/2006/main" xmlns:r="http://schemas.openxmlformats.org/officeDocument/2006/relationships" xmlns:p="http://schemas.openxmlformats.org/presentationml/2006/main">
+<p:notes xmlns:a="http://schemas.openxmlformats.org/drawingml/2006/main" xmlns:r="http://schemas.openxmlformats.org/officeDocument/2006/relationships" xmlns:mc="http://schemas.openxmlformats.org/markup-compatibility/2006" xmlns:mv="urn:schemas-microsoft-com:mac:vml" xmlns:p="http://schemas.openxmlformats.org/presentationml/2006/main" mc:Ignorable="mv" mc:PreserveAttributes="mv:*">
   <p:cSld>
     <p:spTree>
       <p:nvGrpSpPr>
@@ -3503,6 +3535,7 @@
           <a:p>
             <a:fld id="{38BC2457-0B7C-48B9-BDD1-92A4A044B45F}" type="slidenum">
               <a:rPr lang="en-IE" smtClean="0"/>
+              <a:pPr/>
               <a:t>42</a:t>
             </a:fld>
             <a:endParaRPr lang="en-IE"/>
@@ -3518,7 +3551,7 @@
 </file>
 
 <file path=ppt/notesSlides/notesSlide43.xml><?xml version="1.0" encoding="utf-8"?>
-<p:notes xmlns:a="http://schemas.openxmlformats.org/drawingml/2006/main" xmlns:r="http://schemas.openxmlformats.org/officeDocument/2006/relationships" xmlns:p="http://schemas.openxmlformats.org/presentationml/2006/main">
+<p:notes xmlns:a="http://schemas.openxmlformats.org/drawingml/2006/main" xmlns:r="http://schemas.openxmlformats.org/officeDocument/2006/relationships" xmlns:mc="http://schemas.openxmlformats.org/markup-compatibility/2006" xmlns:mv="urn:schemas-microsoft-com:mac:vml" xmlns:p="http://schemas.openxmlformats.org/presentationml/2006/main" mc:Ignorable="mv" mc:PreserveAttributes="mv:*">
   <p:cSld>
     <p:spTree>
       <p:nvGrpSpPr>
@@ -3584,6 +3617,7 @@
           <a:p>
             <a:fld id="{38BC2457-0B7C-48B9-BDD1-92A4A044B45F}" type="slidenum">
               <a:rPr lang="en-IE" smtClean="0"/>
+              <a:pPr/>
               <a:t>43</a:t>
             </a:fld>
             <a:endParaRPr lang="en-IE"/>
@@ -3599,7 +3633,7 @@
 </file>
 
 <file path=ppt/notesSlides/notesSlide44.xml><?xml version="1.0" encoding="utf-8"?>
-<p:notes xmlns:a="http://schemas.openxmlformats.org/drawingml/2006/main" xmlns:r="http://schemas.openxmlformats.org/officeDocument/2006/relationships" xmlns:p="http://schemas.openxmlformats.org/presentationml/2006/main">
+<p:notes xmlns:a="http://schemas.openxmlformats.org/drawingml/2006/main" xmlns:r="http://schemas.openxmlformats.org/officeDocument/2006/relationships" xmlns:mc="http://schemas.openxmlformats.org/markup-compatibility/2006" xmlns:mv="urn:schemas-microsoft-com:mac:vml" xmlns:p="http://schemas.openxmlformats.org/presentationml/2006/main" mc:Ignorable="mv" mc:PreserveAttributes="mv:*">
   <p:cSld>
     <p:spTree>
       <p:nvGrpSpPr>
@@ -3665,6 +3699,7 @@
           <a:p>
             <a:fld id="{38BC2457-0B7C-48B9-BDD1-92A4A044B45F}" type="slidenum">
               <a:rPr lang="en-IE" smtClean="0"/>
+              <a:pPr/>
               <a:t>44</a:t>
             </a:fld>
             <a:endParaRPr lang="en-IE"/>
@@ -3680,7 +3715,7 @@
 </file>
 
 <file path=ppt/notesSlides/notesSlide45.xml><?xml version="1.0" encoding="utf-8"?>
-<p:notes xmlns:a="http://schemas.openxmlformats.org/drawingml/2006/main" xmlns:r="http://schemas.openxmlformats.org/officeDocument/2006/relationships" xmlns:p="http://schemas.openxmlformats.org/presentationml/2006/main">
+<p:notes xmlns:a="http://schemas.openxmlformats.org/drawingml/2006/main" xmlns:r="http://schemas.openxmlformats.org/officeDocument/2006/relationships" xmlns:mc="http://schemas.openxmlformats.org/markup-compatibility/2006" xmlns:mv="urn:schemas-microsoft-com:mac:vml" xmlns:p="http://schemas.openxmlformats.org/presentationml/2006/main" mc:Ignorable="mv" mc:PreserveAttributes="mv:*">
   <p:cSld>
     <p:spTree>
       <p:nvGrpSpPr>
@@ -3746,6 +3781,7 @@
           <a:p>
             <a:fld id="{38BC2457-0B7C-48B9-BDD1-92A4A044B45F}" type="slidenum">
               <a:rPr lang="en-IE" smtClean="0"/>
+              <a:pPr/>
               <a:t>45</a:t>
             </a:fld>
             <a:endParaRPr lang="en-IE"/>
@@ -3761,7 +3797,7 @@
 </file>
 
 <file path=ppt/notesSlides/notesSlide46.xml><?xml version="1.0" encoding="utf-8"?>
-<p:notes xmlns:a="http://schemas.openxmlformats.org/drawingml/2006/main" xmlns:r="http://schemas.openxmlformats.org/officeDocument/2006/relationships" xmlns:p="http://schemas.openxmlformats.org/presentationml/2006/main">
+<p:notes xmlns:a="http://schemas.openxmlformats.org/drawingml/2006/main" xmlns:r="http://schemas.openxmlformats.org/officeDocument/2006/relationships" xmlns:mc="http://schemas.openxmlformats.org/markup-compatibility/2006" xmlns:mv="urn:schemas-microsoft-com:mac:vml" xmlns:p="http://schemas.openxmlformats.org/presentationml/2006/main" mc:Ignorable="mv" mc:PreserveAttributes="mv:*">
   <p:cSld>
     <p:spTree>
       <p:nvGrpSpPr>
@@ -3827,6 +3863,7 @@
           <a:p>
             <a:fld id="{38BC2457-0B7C-48B9-BDD1-92A4A044B45F}" type="slidenum">
               <a:rPr lang="en-IE" smtClean="0"/>
+              <a:pPr/>
               <a:t>46</a:t>
             </a:fld>
             <a:endParaRPr lang="en-IE"/>
@@ -3842,7 +3879,7 @@
 </file>
 
 <file path=ppt/notesSlides/notesSlide47.xml><?xml version="1.0" encoding="utf-8"?>
-<p:notes xmlns:a="http://schemas.openxmlformats.org/drawingml/2006/main" xmlns:r="http://schemas.openxmlformats.org/officeDocument/2006/relationships" xmlns:p="http://schemas.openxmlformats.org/presentationml/2006/main">
+<p:notes xmlns:a="http://schemas.openxmlformats.org/drawingml/2006/main" xmlns:r="http://schemas.openxmlformats.org/officeDocument/2006/relationships" xmlns:mc="http://schemas.openxmlformats.org/markup-compatibility/2006" xmlns:mv="urn:schemas-microsoft-com:mac:vml" xmlns:p="http://schemas.openxmlformats.org/presentationml/2006/main" mc:Ignorable="mv" mc:PreserveAttributes="mv:*">
   <p:cSld>
     <p:spTree>
       <p:nvGrpSpPr>
@@ -3908,6 +3945,7 @@
           <a:p>
             <a:fld id="{38BC2457-0B7C-48B9-BDD1-92A4A044B45F}" type="slidenum">
               <a:rPr lang="en-IE" smtClean="0"/>
+              <a:pPr/>
               <a:t>47</a:t>
             </a:fld>
             <a:endParaRPr lang="en-IE"/>
@@ -3923,7 +3961,7 @@
 </file>
 
 <file path=ppt/notesSlides/notesSlide48.xml><?xml version="1.0" encoding="utf-8"?>
-<p:notes xmlns:a="http://schemas.openxmlformats.org/drawingml/2006/main" xmlns:r="http://schemas.openxmlformats.org/officeDocument/2006/relationships" xmlns:p="http://schemas.openxmlformats.org/presentationml/2006/main">
+<p:notes xmlns:a="http://schemas.openxmlformats.org/drawingml/2006/main" xmlns:r="http://schemas.openxmlformats.org/officeDocument/2006/relationships" xmlns:mc="http://schemas.openxmlformats.org/markup-compatibility/2006" xmlns:mv="urn:schemas-microsoft-com:mac:vml" xmlns:p="http://schemas.openxmlformats.org/presentationml/2006/main" mc:Ignorable="mv" mc:PreserveAttributes="mv:*">
   <p:cSld>
     <p:spTree>
       <p:nvGrpSpPr>
@@ -3989,6 +4027,7 @@
           <a:p>
             <a:fld id="{38BC2457-0B7C-48B9-BDD1-92A4A044B45F}" type="slidenum">
               <a:rPr lang="en-IE" smtClean="0"/>
+              <a:pPr/>
               <a:t>48</a:t>
             </a:fld>
             <a:endParaRPr lang="en-IE"/>
@@ -4004,7 +4043,7 @@
 </file>
 
 <file path=ppt/notesSlides/notesSlide49.xml><?xml version="1.0" encoding="utf-8"?>
-<p:notes xmlns:a="http://schemas.openxmlformats.org/drawingml/2006/main" xmlns:r="http://schemas.openxmlformats.org/officeDocument/2006/relationships" xmlns:p="http://schemas.openxmlformats.org/presentationml/2006/main">
+<p:notes xmlns:a="http://schemas.openxmlformats.org/drawingml/2006/main" xmlns:r="http://schemas.openxmlformats.org/officeDocument/2006/relationships" xmlns:mc="http://schemas.openxmlformats.org/markup-compatibility/2006" xmlns:mv="urn:schemas-microsoft-com:mac:vml" xmlns:p="http://schemas.openxmlformats.org/presentationml/2006/main" mc:Ignorable="mv" mc:PreserveAttributes="mv:*">
   <p:cSld>
     <p:spTree>
       <p:nvGrpSpPr>
@@ -4070,6 +4109,7 @@
           <a:p>
             <a:fld id="{38BC2457-0B7C-48B9-BDD1-92A4A044B45F}" type="slidenum">
               <a:rPr lang="en-IE" smtClean="0"/>
+              <a:pPr/>
               <a:t>49</a:t>
             </a:fld>
             <a:endParaRPr lang="en-IE"/>
@@ -4085,7 +4125,7 @@
 </file>
 
 <file path=ppt/notesSlides/notesSlide5.xml><?xml version="1.0" encoding="utf-8"?>
-<p:notes xmlns:a="http://schemas.openxmlformats.org/drawingml/2006/main" xmlns:r="http://schemas.openxmlformats.org/officeDocument/2006/relationships" xmlns:p="http://schemas.openxmlformats.org/presentationml/2006/main">
+<p:notes xmlns:a="http://schemas.openxmlformats.org/drawingml/2006/main" xmlns:r="http://schemas.openxmlformats.org/officeDocument/2006/relationships" xmlns:mc="http://schemas.openxmlformats.org/markup-compatibility/2006" xmlns:mv="urn:schemas-microsoft-com:mac:vml" xmlns:p="http://schemas.openxmlformats.org/presentationml/2006/main" mc:Ignorable="mv" mc:PreserveAttributes="mv:*">
   <p:cSld>
     <p:spTree>
       <p:nvGrpSpPr>
@@ -4151,6 +4191,7 @@
           <a:p>
             <a:fld id="{38BC2457-0B7C-48B9-BDD1-92A4A044B45F}" type="slidenum">
               <a:rPr lang="en-IE" smtClean="0"/>
+              <a:pPr/>
               <a:t>5</a:t>
             </a:fld>
             <a:endParaRPr lang="en-IE"/>
@@ -4166,7 +4207,7 @@
 </file>
 
 <file path=ppt/notesSlides/notesSlide50.xml><?xml version="1.0" encoding="utf-8"?>
-<p:notes xmlns:a="http://schemas.openxmlformats.org/drawingml/2006/main" xmlns:r="http://schemas.openxmlformats.org/officeDocument/2006/relationships" xmlns:p="http://schemas.openxmlformats.org/presentationml/2006/main">
+<p:notes xmlns:a="http://schemas.openxmlformats.org/drawingml/2006/main" xmlns:r="http://schemas.openxmlformats.org/officeDocument/2006/relationships" xmlns:mc="http://schemas.openxmlformats.org/markup-compatibility/2006" xmlns:mv="urn:schemas-microsoft-com:mac:vml" xmlns:p="http://schemas.openxmlformats.org/presentationml/2006/main" mc:Ignorable="mv" mc:PreserveAttributes="mv:*">
   <p:cSld>
     <p:spTree>
       <p:nvGrpSpPr>
@@ -4232,6 +4273,7 @@
           <a:p>
             <a:fld id="{38BC2457-0B7C-48B9-BDD1-92A4A044B45F}" type="slidenum">
               <a:rPr lang="en-IE" smtClean="0"/>
+              <a:pPr/>
               <a:t>50</a:t>
             </a:fld>
             <a:endParaRPr lang="en-IE"/>
@@ -4247,7 +4289,7 @@
 </file>
 
 <file path=ppt/notesSlides/notesSlide51.xml><?xml version="1.0" encoding="utf-8"?>
-<p:notes xmlns:a="http://schemas.openxmlformats.org/drawingml/2006/main" xmlns:r="http://schemas.openxmlformats.org/officeDocument/2006/relationships" xmlns:p="http://schemas.openxmlformats.org/presentationml/2006/main">
+<p:notes xmlns:a="http://schemas.openxmlformats.org/drawingml/2006/main" xmlns:r="http://schemas.openxmlformats.org/officeDocument/2006/relationships" xmlns:mc="http://schemas.openxmlformats.org/markup-compatibility/2006" xmlns:mv="urn:schemas-microsoft-com:mac:vml" xmlns:p="http://schemas.openxmlformats.org/presentationml/2006/main" mc:Ignorable="mv" mc:PreserveAttributes="mv:*">
   <p:cSld>
     <p:spTree>
       <p:nvGrpSpPr>
@@ -4313,6 +4355,7 @@
           <a:p>
             <a:fld id="{38BC2457-0B7C-48B9-BDD1-92A4A044B45F}" type="slidenum">
               <a:rPr lang="en-IE" smtClean="0"/>
+              <a:pPr/>
               <a:t>51</a:t>
             </a:fld>
             <a:endParaRPr lang="en-IE"/>
@@ -4328,7 +4371,7 @@
 </file>
 
 <file path=ppt/notesSlides/notesSlide52.xml><?xml version="1.0" encoding="utf-8"?>
-<p:notes xmlns:a="http://schemas.openxmlformats.org/drawingml/2006/main" xmlns:r="http://schemas.openxmlformats.org/officeDocument/2006/relationships" xmlns:p="http://schemas.openxmlformats.org/presentationml/2006/main">
+<p:notes xmlns:a="http://schemas.openxmlformats.org/drawingml/2006/main" xmlns:r="http://schemas.openxmlformats.org/officeDocument/2006/relationships" xmlns:mc="http://schemas.openxmlformats.org/markup-compatibility/2006" xmlns:mv="urn:schemas-microsoft-com:mac:vml" xmlns:p="http://schemas.openxmlformats.org/presentationml/2006/main" mc:Ignorable="mv" mc:PreserveAttributes="mv:*">
   <p:cSld>
     <p:spTree>
       <p:nvGrpSpPr>
@@ -4394,6 +4437,7 @@
           <a:p>
             <a:fld id="{38BC2457-0B7C-48B9-BDD1-92A4A044B45F}" type="slidenum">
               <a:rPr lang="en-IE" smtClean="0"/>
+              <a:pPr/>
               <a:t>52</a:t>
             </a:fld>
             <a:endParaRPr lang="en-IE"/>
@@ -4409,7 +4453,7 @@
 </file>
 
 <file path=ppt/notesSlides/notesSlide53.xml><?xml version="1.0" encoding="utf-8"?>
-<p:notes xmlns:a="http://schemas.openxmlformats.org/drawingml/2006/main" xmlns:r="http://schemas.openxmlformats.org/officeDocument/2006/relationships" xmlns:p="http://schemas.openxmlformats.org/presentationml/2006/main">
+<p:notes xmlns:a="http://schemas.openxmlformats.org/drawingml/2006/main" xmlns:r="http://schemas.openxmlformats.org/officeDocument/2006/relationships" xmlns:mc="http://schemas.openxmlformats.org/markup-compatibility/2006" xmlns:mv="urn:schemas-microsoft-com:mac:vml" xmlns:p="http://schemas.openxmlformats.org/presentationml/2006/main" mc:Ignorable="mv" mc:PreserveAttributes="mv:*">
   <p:cSld>
     <p:spTree>
       <p:nvGrpSpPr>
@@ -4475,6 +4519,7 @@
           <a:p>
             <a:fld id="{38BC2457-0B7C-48B9-BDD1-92A4A044B45F}" type="slidenum">
               <a:rPr lang="en-IE" smtClean="0"/>
+              <a:pPr/>
               <a:t>53</a:t>
             </a:fld>
             <a:endParaRPr lang="en-IE"/>
@@ -4490,7 +4535,7 @@
 </file>
 
 <file path=ppt/notesSlides/notesSlide54.xml><?xml version="1.0" encoding="utf-8"?>
-<p:notes xmlns:a="http://schemas.openxmlformats.org/drawingml/2006/main" xmlns:r="http://schemas.openxmlformats.org/officeDocument/2006/relationships" xmlns:p="http://schemas.openxmlformats.org/presentationml/2006/main">
+<p:notes xmlns:a="http://schemas.openxmlformats.org/drawingml/2006/main" xmlns:r="http://schemas.openxmlformats.org/officeDocument/2006/relationships" xmlns:mc="http://schemas.openxmlformats.org/markup-compatibility/2006" xmlns:mv="urn:schemas-microsoft-com:mac:vml" xmlns:p="http://schemas.openxmlformats.org/presentationml/2006/main" mc:Ignorable="mv" mc:PreserveAttributes="mv:*">
   <p:cSld>
     <p:spTree>
       <p:nvGrpSpPr>
@@ -4556,6 +4601,7 @@
           <a:p>
             <a:fld id="{38BC2457-0B7C-48B9-BDD1-92A4A044B45F}" type="slidenum">
               <a:rPr lang="en-IE" smtClean="0"/>
+              <a:pPr/>
               <a:t>54</a:t>
             </a:fld>
             <a:endParaRPr lang="en-IE"/>
@@ -4571,7 +4617,7 @@
 </file>
 
 <file path=ppt/notesSlides/notesSlide55.xml><?xml version="1.0" encoding="utf-8"?>
-<p:notes xmlns:a="http://schemas.openxmlformats.org/drawingml/2006/main" xmlns:r="http://schemas.openxmlformats.org/officeDocument/2006/relationships" xmlns:p="http://schemas.openxmlformats.org/presentationml/2006/main">
+<p:notes xmlns:a="http://schemas.openxmlformats.org/drawingml/2006/main" xmlns:r="http://schemas.openxmlformats.org/officeDocument/2006/relationships" xmlns:mc="http://schemas.openxmlformats.org/markup-compatibility/2006" xmlns:mv="urn:schemas-microsoft-com:mac:vml" xmlns:p="http://schemas.openxmlformats.org/presentationml/2006/main" mc:Ignorable="mv" mc:PreserveAttributes="mv:*">
   <p:cSld>
     <p:spTree>
       <p:nvGrpSpPr>
@@ -4637,6 +4683,7 @@
           <a:p>
             <a:fld id="{38BC2457-0B7C-48B9-BDD1-92A4A044B45F}" type="slidenum">
               <a:rPr lang="en-IE" smtClean="0"/>
+              <a:pPr/>
               <a:t>55</a:t>
             </a:fld>
             <a:endParaRPr lang="en-IE"/>
@@ -4652,7 +4699,7 @@
 </file>
 
 <file path=ppt/notesSlides/notesSlide56.xml><?xml version="1.0" encoding="utf-8"?>
-<p:notes xmlns:a="http://schemas.openxmlformats.org/drawingml/2006/main" xmlns:r="http://schemas.openxmlformats.org/officeDocument/2006/relationships" xmlns:p="http://schemas.openxmlformats.org/presentationml/2006/main">
+<p:notes xmlns:a="http://schemas.openxmlformats.org/drawingml/2006/main" xmlns:r="http://schemas.openxmlformats.org/officeDocument/2006/relationships" xmlns:mc="http://schemas.openxmlformats.org/markup-compatibility/2006" xmlns:mv="urn:schemas-microsoft-com:mac:vml" xmlns:p="http://schemas.openxmlformats.org/presentationml/2006/main" mc:Ignorable="mv" mc:PreserveAttributes="mv:*">
   <p:cSld>
     <p:spTree>
       <p:nvGrpSpPr>
@@ -4718,6 +4765,7 @@
           <a:p>
             <a:fld id="{38BC2457-0B7C-48B9-BDD1-92A4A044B45F}" type="slidenum">
               <a:rPr lang="en-IE" smtClean="0"/>
+              <a:pPr/>
               <a:t>56</a:t>
             </a:fld>
             <a:endParaRPr lang="en-IE"/>
@@ -4732,8 +4780,8 @@
 </p:notes>
 </file>
 
-<file path=ppt/notesSlides/notesSlide57.xml><?xml version="1.0" encoding="utf-8"?>
-<p:notes xmlns:a="http://schemas.openxmlformats.org/drawingml/2006/main" xmlns:r="http://schemas.openxmlformats.org/officeDocument/2006/relationships" xmlns:p="http://schemas.openxmlformats.org/presentationml/2006/main">
+<file path=ppt/notesSlides/notesSlide6.xml><?xml version="1.0" encoding="utf-8"?>
+<p:notes xmlns:a="http://schemas.openxmlformats.org/drawingml/2006/main" xmlns:r="http://schemas.openxmlformats.org/officeDocument/2006/relationships" xmlns:mc="http://schemas.openxmlformats.org/markup-compatibility/2006" xmlns:mv="urn:schemas-microsoft-com:mac:vml" xmlns:p="http://schemas.openxmlformats.org/presentationml/2006/main" mc:Ignorable="mv" mc:PreserveAttributes="mv:*">
   <p:cSld>
     <p:spTree>
       <p:nvGrpSpPr>
@@ -4799,7 +4847,8 @@
           <a:p>
             <a:fld id="{38BC2457-0B7C-48B9-BDD1-92A4A044B45F}" type="slidenum">
               <a:rPr lang="en-IE" smtClean="0"/>
-              <a:t>57</a:t>
+              <a:pPr/>
+              <a:t>6</a:t>
             </a:fld>
             <a:endParaRPr lang="en-IE"/>
           </a:p>
@@ -4813,8 +4862,8 @@
 </p:notes>
 </file>
 
-<file path=ppt/notesSlides/notesSlide58.xml><?xml version="1.0" encoding="utf-8"?>
-<p:notes xmlns:a="http://schemas.openxmlformats.org/drawingml/2006/main" xmlns:r="http://schemas.openxmlformats.org/officeDocument/2006/relationships" xmlns:p="http://schemas.openxmlformats.org/presentationml/2006/main">
+<file path=ppt/notesSlides/notesSlide7.xml><?xml version="1.0" encoding="utf-8"?>
+<p:notes xmlns:a="http://schemas.openxmlformats.org/drawingml/2006/main" xmlns:r="http://schemas.openxmlformats.org/officeDocument/2006/relationships" xmlns:mc="http://schemas.openxmlformats.org/markup-compatibility/2006" xmlns:mv="urn:schemas-microsoft-com:mac:vml" xmlns:p="http://schemas.openxmlformats.org/presentationml/2006/main" mc:Ignorable="mv" mc:PreserveAttributes="mv:*">
   <p:cSld>
     <p:spTree>
       <p:nvGrpSpPr>
@@ -4880,7 +4929,8 @@
           <a:p>
             <a:fld id="{38BC2457-0B7C-48B9-BDD1-92A4A044B45F}" type="slidenum">
               <a:rPr lang="en-IE" smtClean="0"/>
-              <a:t>58</a:t>
+              <a:pPr/>
+              <a:t>7</a:t>
             </a:fld>
             <a:endParaRPr lang="en-IE"/>
           </a:p>
@@ -4894,8 +4944,8 @@
 </p:notes>
 </file>
 
-<file path=ppt/notesSlides/notesSlide59.xml><?xml version="1.0" encoding="utf-8"?>
-<p:notes xmlns:a="http://schemas.openxmlformats.org/drawingml/2006/main" xmlns:r="http://schemas.openxmlformats.org/officeDocument/2006/relationships" xmlns:p="http://schemas.openxmlformats.org/presentationml/2006/main">
+<file path=ppt/notesSlides/notesSlide8.xml><?xml version="1.0" encoding="utf-8"?>
+<p:notes xmlns:a="http://schemas.openxmlformats.org/drawingml/2006/main" xmlns:r="http://schemas.openxmlformats.org/officeDocument/2006/relationships" xmlns:mc="http://schemas.openxmlformats.org/markup-compatibility/2006" xmlns:mv="urn:schemas-microsoft-com:mac:vml" xmlns:p="http://schemas.openxmlformats.org/presentationml/2006/main" mc:Ignorable="mv" mc:PreserveAttributes="mv:*">
   <p:cSld>
     <p:spTree>
       <p:nvGrpSpPr>
@@ -4961,7 +5011,8 @@
           <a:p>
             <a:fld id="{38BC2457-0B7C-48B9-BDD1-92A4A044B45F}" type="slidenum">
               <a:rPr lang="en-IE" smtClean="0"/>
-              <a:t>59</a:t>
+              <a:pPr/>
+              <a:t>8</a:t>
             </a:fld>
             <a:endParaRPr lang="en-IE"/>
           </a:p>
@@ -4975,8 +5026,8 @@
 </p:notes>
 </file>
 
-<file path=ppt/notesSlides/notesSlide6.xml><?xml version="1.0" encoding="utf-8"?>
-<p:notes xmlns:a="http://schemas.openxmlformats.org/drawingml/2006/main" xmlns:r="http://schemas.openxmlformats.org/officeDocument/2006/relationships" xmlns:p="http://schemas.openxmlformats.org/presentationml/2006/main">
+<file path=ppt/notesSlides/notesSlide9.xml><?xml version="1.0" encoding="utf-8"?>
+<p:notes xmlns:a="http://schemas.openxmlformats.org/drawingml/2006/main" xmlns:r="http://schemas.openxmlformats.org/officeDocument/2006/relationships" xmlns:mc="http://schemas.openxmlformats.org/markup-compatibility/2006" xmlns:mv="urn:schemas-microsoft-com:mac:vml" xmlns:p="http://schemas.openxmlformats.org/presentationml/2006/main" mc:Ignorable="mv" mc:PreserveAttributes="mv:*">
   <p:cSld>
     <p:spTree>
       <p:nvGrpSpPr>
@@ -5042,654 +5093,7 @@
           <a:p>
             <a:fld id="{38BC2457-0B7C-48B9-BDD1-92A4A044B45F}" type="slidenum">
               <a:rPr lang="en-IE" smtClean="0"/>
-              <a:t>6</a:t>
-            </a:fld>
-            <a:endParaRPr lang="en-IE"/>
-          </a:p>
-        </p:txBody>
-      </p:sp>
-    </p:spTree>
-  </p:cSld>
-  <p:clrMapOvr>
-    <a:masterClrMapping/>
-  </p:clrMapOvr>
-</p:notes>
-</file>
-
-<file path=ppt/notesSlides/notesSlide60.xml><?xml version="1.0" encoding="utf-8"?>
-<p:notes xmlns:a="http://schemas.openxmlformats.org/drawingml/2006/main" xmlns:r="http://schemas.openxmlformats.org/officeDocument/2006/relationships" xmlns:p="http://schemas.openxmlformats.org/presentationml/2006/main">
-  <p:cSld>
-    <p:spTree>
-      <p:nvGrpSpPr>
-        <p:cNvPr id="1" name=""/>
-        <p:cNvGrpSpPr/>
-        <p:nvPr/>
-      </p:nvGrpSpPr>
-      <p:grpSpPr>
-        <a:xfrm>
-          <a:off x="0" y="0"/>
-          <a:ext cx="0" cy="0"/>
-          <a:chOff x="0" y="0"/>
-          <a:chExt cx="0" cy="0"/>
-        </a:xfrm>
-      </p:grpSpPr>
-      <p:sp>
-        <p:nvSpPr>
-          <p:cNvPr id="2" name="Slide Image Placeholder 1"/>
-          <p:cNvSpPr>
-            <a:spLocks noGrp="1" noRot="1" noChangeAspect="1"/>
-          </p:cNvSpPr>
-          <p:nvPr>
-            <p:ph type="sldImg"/>
-          </p:nvPr>
-        </p:nvSpPr>
-        <p:spPr/>
-      </p:sp>
-      <p:sp>
-        <p:nvSpPr>
-          <p:cNvPr id="3" name="Notes Placeholder 2"/>
-          <p:cNvSpPr>
-            <a:spLocks noGrp="1"/>
-          </p:cNvSpPr>
-          <p:nvPr>
-            <p:ph type="body" idx="1"/>
-          </p:nvPr>
-        </p:nvSpPr>
-        <p:spPr/>
-        <p:txBody>
-          <a:bodyPr>
-            <a:normAutofit/>
-          </a:bodyPr>
-          <a:lstStyle/>
-          <a:p>
-            <a:endParaRPr lang="en-IE"/>
-          </a:p>
-        </p:txBody>
-      </p:sp>
-      <p:sp>
-        <p:nvSpPr>
-          <p:cNvPr id="4" name="Slide Number Placeholder 3"/>
-          <p:cNvSpPr>
-            <a:spLocks noGrp="1"/>
-          </p:cNvSpPr>
-          <p:nvPr>
-            <p:ph type="sldNum" sz="quarter" idx="10"/>
-          </p:nvPr>
-        </p:nvSpPr>
-        <p:spPr/>
-        <p:txBody>
-          <a:bodyPr/>
-          <a:lstStyle/>
-          <a:p>
-            <a:fld id="{38BC2457-0B7C-48B9-BDD1-92A4A044B45F}" type="slidenum">
-              <a:rPr lang="en-IE" smtClean="0"/>
-              <a:t>60</a:t>
-            </a:fld>
-            <a:endParaRPr lang="en-IE"/>
-          </a:p>
-        </p:txBody>
-      </p:sp>
-    </p:spTree>
-  </p:cSld>
-  <p:clrMapOvr>
-    <a:masterClrMapping/>
-  </p:clrMapOvr>
-</p:notes>
-</file>
-
-<file path=ppt/notesSlides/notesSlide61.xml><?xml version="1.0" encoding="utf-8"?>
-<p:notes xmlns:a="http://schemas.openxmlformats.org/drawingml/2006/main" xmlns:r="http://schemas.openxmlformats.org/officeDocument/2006/relationships" xmlns:p="http://schemas.openxmlformats.org/presentationml/2006/main">
-  <p:cSld>
-    <p:spTree>
-      <p:nvGrpSpPr>
-        <p:cNvPr id="1" name=""/>
-        <p:cNvGrpSpPr/>
-        <p:nvPr/>
-      </p:nvGrpSpPr>
-      <p:grpSpPr>
-        <a:xfrm>
-          <a:off x="0" y="0"/>
-          <a:ext cx="0" cy="0"/>
-          <a:chOff x="0" y="0"/>
-          <a:chExt cx="0" cy="0"/>
-        </a:xfrm>
-      </p:grpSpPr>
-      <p:sp>
-        <p:nvSpPr>
-          <p:cNvPr id="2" name="Slide Image Placeholder 1"/>
-          <p:cNvSpPr>
-            <a:spLocks noGrp="1" noRot="1" noChangeAspect="1"/>
-          </p:cNvSpPr>
-          <p:nvPr>
-            <p:ph type="sldImg"/>
-          </p:nvPr>
-        </p:nvSpPr>
-        <p:spPr/>
-      </p:sp>
-      <p:sp>
-        <p:nvSpPr>
-          <p:cNvPr id="3" name="Notes Placeholder 2"/>
-          <p:cNvSpPr>
-            <a:spLocks noGrp="1"/>
-          </p:cNvSpPr>
-          <p:nvPr>
-            <p:ph type="body" idx="1"/>
-          </p:nvPr>
-        </p:nvSpPr>
-        <p:spPr/>
-        <p:txBody>
-          <a:bodyPr>
-            <a:normAutofit/>
-          </a:bodyPr>
-          <a:lstStyle/>
-          <a:p>
-            <a:endParaRPr lang="en-IE"/>
-          </a:p>
-        </p:txBody>
-      </p:sp>
-      <p:sp>
-        <p:nvSpPr>
-          <p:cNvPr id="4" name="Slide Number Placeholder 3"/>
-          <p:cNvSpPr>
-            <a:spLocks noGrp="1"/>
-          </p:cNvSpPr>
-          <p:nvPr>
-            <p:ph type="sldNum" sz="quarter" idx="10"/>
-          </p:nvPr>
-        </p:nvSpPr>
-        <p:spPr/>
-        <p:txBody>
-          <a:bodyPr/>
-          <a:lstStyle/>
-          <a:p>
-            <a:fld id="{38BC2457-0B7C-48B9-BDD1-92A4A044B45F}" type="slidenum">
-              <a:rPr lang="en-IE" smtClean="0"/>
-              <a:t>61</a:t>
-            </a:fld>
-            <a:endParaRPr lang="en-IE"/>
-          </a:p>
-        </p:txBody>
-      </p:sp>
-    </p:spTree>
-  </p:cSld>
-  <p:clrMapOvr>
-    <a:masterClrMapping/>
-  </p:clrMapOvr>
-</p:notes>
-</file>
-
-<file path=ppt/notesSlides/notesSlide62.xml><?xml version="1.0" encoding="utf-8"?>
-<p:notes xmlns:a="http://schemas.openxmlformats.org/drawingml/2006/main" xmlns:r="http://schemas.openxmlformats.org/officeDocument/2006/relationships" xmlns:p="http://schemas.openxmlformats.org/presentationml/2006/main">
-  <p:cSld>
-    <p:spTree>
-      <p:nvGrpSpPr>
-        <p:cNvPr id="1" name=""/>
-        <p:cNvGrpSpPr/>
-        <p:nvPr/>
-      </p:nvGrpSpPr>
-      <p:grpSpPr>
-        <a:xfrm>
-          <a:off x="0" y="0"/>
-          <a:ext cx="0" cy="0"/>
-          <a:chOff x="0" y="0"/>
-          <a:chExt cx="0" cy="0"/>
-        </a:xfrm>
-      </p:grpSpPr>
-      <p:sp>
-        <p:nvSpPr>
-          <p:cNvPr id="2" name="Slide Image Placeholder 1"/>
-          <p:cNvSpPr>
-            <a:spLocks noGrp="1" noRot="1" noChangeAspect="1"/>
-          </p:cNvSpPr>
-          <p:nvPr>
-            <p:ph type="sldImg"/>
-          </p:nvPr>
-        </p:nvSpPr>
-        <p:spPr/>
-      </p:sp>
-      <p:sp>
-        <p:nvSpPr>
-          <p:cNvPr id="3" name="Notes Placeholder 2"/>
-          <p:cNvSpPr>
-            <a:spLocks noGrp="1"/>
-          </p:cNvSpPr>
-          <p:nvPr>
-            <p:ph type="body" idx="1"/>
-          </p:nvPr>
-        </p:nvSpPr>
-        <p:spPr/>
-        <p:txBody>
-          <a:bodyPr>
-            <a:normAutofit/>
-          </a:bodyPr>
-          <a:lstStyle/>
-          <a:p>
-            <a:endParaRPr lang="en-IE"/>
-          </a:p>
-        </p:txBody>
-      </p:sp>
-      <p:sp>
-        <p:nvSpPr>
-          <p:cNvPr id="4" name="Slide Number Placeholder 3"/>
-          <p:cNvSpPr>
-            <a:spLocks noGrp="1"/>
-          </p:cNvSpPr>
-          <p:nvPr>
-            <p:ph type="sldNum" sz="quarter" idx="10"/>
-          </p:nvPr>
-        </p:nvSpPr>
-        <p:spPr/>
-        <p:txBody>
-          <a:bodyPr/>
-          <a:lstStyle/>
-          <a:p>
-            <a:fld id="{38BC2457-0B7C-48B9-BDD1-92A4A044B45F}" type="slidenum">
-              <a:rPr lang="en-IE" smtClean="0"/>
-              <a:t>62</a:t>
-            </a:fld>
-            <a:endParaRPr lang="en-IE"/>
-          </a:p>
-        </p:txBody>
-      </p:sp>
-    </p:spTree>
-  </p:cSld>
-  <p:clrMapOvr>
-    <a:masterClrMapping/>
-  </p:clrMapOvr>
-</p:notes>
-</file>
-
-<file path=ppt/notesSlides/notesSlide63.xml><?xml version="1.0" encoding="utf-8"?>
-<p:notes xmlns:a="http://schemas.openxmlformats.org/drawingml/2006/main" xmlns:r="http://schemas.openxmlformats.org/officeDocument/2006/relationships" xmlns:p="http://schemas.openxmlformats.org/presentationml/2006/main">
-  <p:cSld>
-    <p:spTree>
-      <p:nvGrpSpPr>
-        <p:cNvPr id="1" name=""/>
-        <p:cNvGrpSpPr/>
-        <p:nvPr/>
-      </p:nvGrpSpPr>
-      <p:grpSpPr>
-        <a:xfrm>
-          <a:off x="0" y="0"/>
-          <a:ext cx="0" cy="0"/>
-          <a:chOff x="0" y="0"/>
-          <a:chExt cx="0" cy="0"/>
-        </a:xfrm>
-      </p:grpSpPr>
-      <p:sp>
-        <p:nvSpPr>
-          <p:cNvPr id="2" name="Slide Image Placeholder 1"/>
-          <p:cNvSpPr>
-            <a:spLocks noGrp="1" noRot="1" noChangeAspect="1"/>
-          </p:cNvSpPr>
-          <p:nvPr>
-            <p:ph type="sldImg"/>
-          </p:nvPr>
-        </p:nvSpPr>
-        <p:spPr/>
-      </p:sp>
-      <p:sp>
-        <p:nvSpPr>
-          <p:cNvPr id="3" name="Notes Placeholder 2"/>
-          <p:cNvSpPr>
-            <a:spLocks noGrp="1"/>
-          </p:cNvSpPr>
-          <p:nvPr>
-            <p:ph type="body" idx="1"/>
-          </p:nvPr>
-        </p:nvSpPr>
-        <p:spPr/>
-        <p:txBody>
-          <a:bodyPr>
-            <a:normAutofit/>
-          </a:bodyPr>
-          <a:lstStyle/>
-          <a:p>
-            <a:endParaRPr lang="en-IE"/>
-          </a:p>
-        </p:txBody>
-      </p:sp>
-      <p:sp>
-        <p:nvSpPr>
-          <p:cNvPr id="4" name="Slide Number Placeholder 3"/>
-          <p:cNvSpPr>
-            <a:spLocks noGrp="1"/>
-          </p:cNvSpPr>
-          <p:nvPr>
-            <p:ph type="sldNum" sz="quarter" idx="10"/>
-          </p:nvPr>
-        </p:nvSpPr>
-        <p:spPr/>
-        <p:txBody>
-          <a:bodyPr/>
-          <a:lstStyle/>
-          <a:p>
-            <a:fld id="{38BC2457-0B7C-48B9-BDD1-92A4A044B45F}" type="slidenum">
-              <a:rPr lang="en-IE" smtClean="0"/>
-              <a:t>63</a:t>
-            </a:fld>
-            <a:endParaRPr lang="en-IE"/>
-          </a:p>
-        </p:txBody>
-      </p:sp>
-    </p:spTree>
-  </p:cSld>
-  <p:clrMapOvr>
-    <a:masterClrMapping/>
-  </p:clrMapOvr>
-</p:notes>
-</file>
-
-<file path=ppt/notesSlides/notesSlide64.xml><?xml version="1.0" encoding="utf-8"?>
-<p:notes xmlns:a="http://schemas.openxmlformats.org/drawingml/2006/main" xmlns:r="http://schemas.openxmlformats.org/officeDocument/2006/relationships" xmlns:p="http://schemas.openxmlformats.org/presentationml/2006/main">
-  <p:cSld>
-    <p:spTree>
-      <p:nvGrpSpPr>
-        <p:cNvPr id="1" name=""/>
-        <p:cNvGrpSpPr/>
-        <p:nvPr/>
-      </p:nvGrpSpPr>
-      <p:grpSpPr>
-        <a:xfrm>
-          <a:off x="0" y="0"/>
-          <a:ext cx="0" cy="0"/>
-          <a:chOff x="0" y="0"/>
-          <a:chExt cx="0" cy="0"/>
-        </a:xfrm>
-      </p:grpSpPr>
-      <p:sp>
-        <p:nvSpPr>
-          <p:cNvPr id="2" name="Slide Image Placeholder 1"/>
-          <p:cNvSpPr>
-            <a:spLocks noGrp="1" noRot="1" noChangeAspect="1"/>
-          </p:cNvSpPr>
-          <p:nvPr>
-            <p:ph type="sldImg"/>
-          </p:nvPr>
-        </p:nvSpPr>
-        <p:spPr/>
-      </p:sp>
-      <p:sp>
-        <p:nvSpPr>
-          <p:cNvPr id="3" name="Notes Placeholder 2"/>
-          <p:cNvSpPr>
-            <a:spLocks noGrp="1"/>
-          </p:cNvSpPr>
-          <p:nvPr>
-            <p:ph type="body" idx="1"/>
-          </p:nvPr>
-        </p:nvSpPr>
-        <p:spPr/>
-        <p:txBody>
-          <a:bodyPr>
-            <a:normAutofit/>
-          </a:bodyPr>
-          <a:lstStyle/>
-          <a:p>
-            <a:endParaRPr lang="en-IE"/>
-          </a:p>
-        </p:txBody>
-      </p:sp>
-      <p:sp>
-        <p:nvSpPr>
-          <p:cNvPr id="4" name="Slide Number Placeholder 3"/>
-          <p:cNvSpPr>
-            <a:spLocks noGrp="1"/>
-          </p:cNvSpPr>
-          <p:nvPr>
-            <p:ph type="sldNum" sz="quarter" idx="10"/>
-          </p:nvPr>
-        </p:nvSpPr>
-        <p:spPr/>
-        <p:txBody>
-          <a:bodyPr/>
-          <a:lstStyle/>
-          <a:p>
-            <a:fld id="{38BC2457-0B7C-48B9-BDD1-92A4A044B45F}" type="slidenum">
-              <a:rPr lang="en-IE" smtClean="0"/>
-              <a:t>64</a:t>
-            </a:fld>
-            <a:endParaRPr lang="en-IE"/>
-          </a:p>
-        </p:txBody>
-      </p:sp>
-    </p:spTree>
-  </p:cSld>
-  <p:clrMapOvr>
-    <a:masterClrMapping/>
-  </p:clrMapOvr>
-</p:notes>
-</file>
-
-<file path=ppt/notesSlides/notesSlide7.xml><?xml version="1.0" encoding="utf-8"?>
-<p:notes xmlns:a="http://schemas.openxmlformats.org/drawingml/2006/main" xmlns:r="http://schemas.openxmlformats.org/officeDocument/2006/relationships" xmlns:p="http://schemas.openxmlformats.org/presentationml/2006/main">
-  <p:cSld>
-    <p:spTree>
-      <p:nvGrpSpPr>
-        <p:cNvPr id="1" name=""/>
-        <p:cNvGrpSpPr/>
-        <p:nvPr/>
-      </p:nvGrpSpPr>
-      <p:grpSpPr>
-        <a:xfrm>
-          <a:off x="0" y="0"/>
-          <a:ext cx="0" cy="0"/>
-          <a:chOff x="0" y="0"/>
-          <a:chExt cx="0" cy="0"/>
-        </a:xfrm>
-      </p:grpSpPr>
-      <p:sp>
-        <p:nvSpPr>
-          <p:cNvPr id="2" name="Slide Image Placeholder 1"/>
-          <p:cNvSpPr>
-            <a:spLocks noGrp="1" noRot="1" noChangeAspect="1"/>
-          </p:cNvSpPr>
-          <p:nvPr>
-            <p:ph type="sldImg"/>
-          </p:nvPr>
-        </p:nvSpPr>
-        <p:spPr/>
-      </p:sp>
-      <p:sp>
-        <p:nvSpPr>
-          <p:cNvPr id="3" name="Notes Placeholder 2"/>
-          <p:cNvSpPr>
-            <a:spLocks noGrp="1"/>
-          </p:cNvSpPr>
-          <p:nvPr>
-            <p:ph type="body" idx="1"/>
-          </p:nvPr>
-        </p:nvSpPr>
-        <p:spPr/>
-        <p:txBody>
-          <a:bodyPr>
-            <a:normAutofit/>
-          </a:bodyPr>
-          <a:lstStyle/>
-          <a:p>
-            <a:endParaRPr lang="en-IE"/>
-          </a:p>
-        </p:txBody>
-      </p:sp>
-      <p:sp>
-        <p:nvSpPr>
-          <p:cNvPr id="4" name="Slide Number Placeholder 3"/>
-          <p:cNvSpPr>
-            <a:spLocks noGrp="1"/>
-          </p:cNvSpPr>
-          <p:nvPr>
-            <p:ph type="sldNum" sz="quarter" idx="10"/>
-          </p:nvPr>
-        </p:nvSpPr>
-        <p:spPr/>
-        <p:txBody>
-          <a:bodyPr/>
-          <a:lstStyle/>
-          <a:p>
-            <a:fld id="{38BC2457-0B7C-48B9-BDD1-92A4A044B45F}" type="slidenum">
-              <a:rPr lang="en-IE" smtClean="0"/>
-              <a:t>7</a:t>
-            </a:fld>
-            <a:endParaRPr lang="en-IE"/>
-          </a:p>
-        </p:txBody>
-      </p:sp>
-    </p:spTree>
-  </p:cSld>
-  <p:clrMapOvr>
-    <a:masterClrMapping/>
-  </p:clrMapOvr>
-</p:notes>
-</file>
-
-<file path=ppt/notesSlides/notesSlide8.xml><?xml version="1.0" encoding="utf-8"?>
-<p:notes xmlns:a="http://schemas.openxmlformats.org/drawingml/2006/main" xmlns:r="http://schemas.openxmlformats.org/officeDocument/2006/relationships" xmlns:p="http://schemas.openxmlformats.org/presentationml/2006/main">
-  <p:cSld>
-    <p:spTree>
-      <p:nvGrpSpPr>
-        <p:cNvPr id="1" name=""/>
-        <p:cNvGrpSpPr/>
-        <p:nvPr/>
-      </p:nvGrpSpPr>
-      <p:grpSpPr>
-        <a:xfrm>
-          <a:off x="0" y="0"/>
-          <a:ext cx="0" cy="0"/>
-          <a:chOff x="0" y="0"/>
-          <a:chExt cx="0" cy="0"/>
-        </a:xfrm>
-      </p:grpSpPr>
-      <p:sp>
-        <p:nvSpPr>
-          <p:cNvPr id="2" name="Slide Image Placeholder 1"/>
-          <p:cNvSpPr>
-            <a:spLocks noGrp="1" noRot="1" noChangeAspect="1"/>
-          </p:cNvSpPr>
-          <p:nvPr>
-            <p:ph type="sldImg"/>
-          </p:nvPr>
-        </p:nvSpPr>
-        <p:spPr/>
-      </p:sp>
-      <p:sp>
-        <p:nvSpPr>
-          <p:cNvPr id="3" name="Notes Placeholder 2"/>
-          <p:cNvSpPr>
-            <a:spLocks noGrp="1"/>
-          </p:cNvSpPr>
-          <p:nvPr>
-            <p:ph type="body" idx="1"/>
-          </p:nvPr>
-        </p:nvSpPr>
-        <p:spPr/>
-        <p:txBody>
-          <a:bodyPr>
-            <a:normAutofit/>
-          </a:bodyPr>
-          <a:lstStyle/>
-          <a:p>
-            <a:endParaRPr lang="en-IE"/>
-          </a:p>
-        </p:txBody>
-      </p:sp>
-      <p:sp>
-        <p:nvSpPr>
-          <p:cNvPr id="4" name="Slide Number Placeholder 3"/>
-          <p:cNvSpPr>
-            <a:spLocks noGrp="1"/>
-          </p:cNvSpPr>
-          <p:nvPr>
-            <p:ph type="sldNum" sz="quarter" idx="10"/>
-          </p:nvPr>
-        </p:nvSpPr>
-        <p:spPr/>
-        <p:txBody>
-          <a:bodyPr/>
-          <a:lstStyle/>
-          <a:p>
-            <a:fld id="{38BC2457-0B7C-48B9-BDD1-92A4A044B45F}" type="slidenum">
-              <a:rPr lang="en-IE" smtClean="0"/>
-              <a:t>8</a:t>
-            </a:fld>
-            <a:endParaRPr lang="en-IE"/>
-          </a:p>
-        </p:txBody>
-      </p:sp>
-    </p:spTree>
-  </p:cSld>
-  <p:clrMapOvr>
-    <a:masterClrMapping/>
-  </p:clrMapOvr>
-</p:notes>
-</file>
-
-<file path=ppt/notesSlides/notesSlide9.xml><?xml version="1.0" encoding="utf-8"?>
-<p:notes xmlns:a="http://schemas.openxmlformats.org/drawingml/2006/main" xmlns:r="http://schemas.openxmlformats.org/officeDocument/2006/relationships" xmlns:p="http://schemas.openxmlformats.org/presentationml/2006/main">
-  <p:cSld>
-    <p:spTree>
-      <p:nvGrpSpPr>
-        <p:cNvPr id="1" name=""/>
-        <p:cNvGrpSpPr/>
-        <p:nvPr/>
-      </p:nvGrpSpPr>
-      <p:grpSpPr>
-        <a:xfrm>
-          <a:off x="0" y="0"/>
-          <a:ext cx="0" cy="0"/>
-          <a:chOff x="0" y="0"/>
-          <a:chExt cx="0" cy="0"/>
-        </a:xfrm>
-      </p:grpSpPr>
-      <p:sp>
-        <p:nvSpPr>
-          <p:cNvPr id="2" name="Slide Image Placeholder 1"/>
-          <p:cNvSpPr>
-            <a:spLocks noGrp="1" noRot="1" noChangeAspect="1"/>
-          </p:cNvSpPr>
-          <p:nvPr>
-            <p:ph type="sldImg"/>
-          </p:nvPr>
-        </p:nvSpPr>
-        <p:spPr/>
-      </p:sp>
-      <p:sp>
-        <p:nvSpPr>
-          <p:cNvPr id="3" name="Notes Placeholder 2"/>
-          <p:cNvSpPr>
-            <a:spLocks noGrp="1"/>
-          </p:cNvSpPr>
-          <p:nvPr>
-            <p:ph type="body" idx="1"/>
-          </p:nvPr>
-        </p:nvSpPr>
-        <p:spPr/>
-        <p:txBody>
-          <a:bodyPr>
-            <a:normAutofit/>
-          </a:bodyPr>
-          <a:lstStyle/>
-          <a:p>
-            <a:endParaRPr lang="en-IE"/>
-          </a:p>
-        </p:txBody>
-      </p:sp>
-      <p:sp>
-        <p:nvSpPr>
-          <p:cNvPr id="4" name="Slide Number Placeholder 3"/>
-          <p:cNvSpPr>
-            <a:spLocks noGrp="1"/>
-          </p:cNvSpPr>
-          <p:nvPr>
-            <p:ph type="sldNum" sz="quarter" idx="10"/>
-          </p:nvPr>
-        </p:nvSpPr>
-        <p:spPr/>
-        <p:txBody>
-          <a:bodyPr/>
-          <a:lstStyle/>
-          <a:p>
-            <a:fld id="{38BC2457-0B7C-48B9-BDD1-92A4A044B45F}" type="slidenum">
-              <a:rPr lang="en-IE" smtClean="0"/>
+              <a:pPr/>
               <a:t>9</a:t>
             </a:fld>
             <a:endParaRPr lang="en-IE"/>
@@ -5705,7 +5109,7 @@
 </file>
 
 <file path=ppt/slideLayouts/slideLayout1.xml><?xml version="1.0" encoding="utf-8"?>
-<p:sldLayout xmlns:a="http://schemas.openxmlformats.org/drawingml/2006/main" xmlns:r="http://schemas.openxmlformats.org/officeDocument/2006/relationships" xmlns:p="http://schemas.openxmlformats.org/presentationml/2006/main" type="title" preserve="1">
+<p:sldLayout xmlns:a="http://schemas.openxmlformats.org/drawingml/2006/main" xmlns:r="http://schemas.openxmlformats.org/officeDocument/2006/relationships" xmlns:mc="http://schemas.openxmlformats.org/markup-compatibility/2006" xmlns:mv="urn:schemas-microsoft-com:mac:vml" xmlns:p="http://schemas.openxmlformats.org/presentationml/2006/main" mc:Ignorable="mv" mc:PreserveAttributes="mv:*" type="title" preserve="1">
   <p:cSld name="Title Slide">
     <p:spTree>
       <p:nvGrpSpPr>
@@ -5886,7 +5290,7 @@
             <a:fld id="{DF9B0FEE-2562-4ECA-8249-9192E51E4D92}" type="datetimeFigureOut">
               <a:rPr lang="en-IE" smtClean="0"/>
               <a:pPr/>
-              <a:t>27/02/2014</a:t>
+              <a:t>9/21/16</a:t>
             </a:fld>
             <a:endParaRPr lang="en-IE"/>
           </a:p>
@@ -5944,7 +5348,7 @@
 </file>
 
 <file path=ppt/slideLayouts/slideLayout10.xml><?xml version="1.0" encoding="utf-8"?>
-<p:sldLayout xmlns:a="http://schemas.openxmlformats.org/drawingml/2006/main" xmlns:r="http://schemas.openxmlformats.org/officeDocument/2006/relationships" xmlns:p="http://schemas.openxmlformats.org/presentationml/2006/main" type="vertTx" preserve="1">
+<p:sldLayout xmlns:a="http://schemas.openxmlformats.org/drawingml/2006/main" xmlns:r="http://schemas.openxmlformats.org/officeDocument/2006/relationships" xmlns:mc="http://schemas.openxmlformats.org/markup-compatibility/2006" xmlns:mv="urn:schemas-microsoft-com:mac:vml" xmlns:p="http://schemas.openxmlformats.org/presentationml/2006/main" mc:Ignorable="mv" mc:PreserveAttributes="mv:*" type="vertTx" preserve="1">
   <p:cSld name="Title and Vertical Text">
     <p:spTree>
       <p:nvGrpSpPr>
@@ -6053,7 +5457,7 @@
             <a:fld id="{DF9B0FEE-2562-4ECA-8249-9192E51E4D92}" type="datetimeFigureOut">
               <a:rPr lang="en-IE" smtClean="0"/>
               <a:pPr/>
-              <a:t>27/02/2014</a:t>
+              <a:t>9/21/16</a:t>
             </a:fld>
             <a:endParaRPr lang="en-IE"/>
           </a:p>
@@ -6111,7 +5515,7 @@
 </file>
 
 <file path=ppt/slideLayouts/slideLayout11.xml><?xml version="1.0" encoding="utf-8"?>
-<p:sldLayout xmlns:a="http://schemas.openxmlformats.org/drawingml/2006/main" xmlns:r="http://schemas.openxmlformats.org/officeDocument/2006/relationships" xmlns:p="http://schemas.openxmlformats.org/presentationml/2006/main" type="vertTitleAndTx" preserve="1">
+<p:sldLayout xmlns:a="http://schemas.openxmlformats.org/drawingml/2006/main" xmlns:r="http://schemas.openxmlformats.org/officeDocument/2006/relationships" xmlns:mc="http://schemas.openxmlformats.org/markup-compatibility/2006" xmlns:mv="urn:schemas-microsoft-com:mac:vml" xmlns:p="http://schemas.openxmlformats.org/presentationml/2006/main" mc:Ignorable="mv" mc:PreserveAttributes="mv:*" type="vertTitleAndTx" preserve="1">
   <p:cSld name="Vertical Title and Text">
     <p:spTree>
       <p:nvGrpSpPr>
@@ -6230,7 +5634,7 @@
             <a:fld id="{DF9B0FEE-2562-4ECA-8249-9192E51E4D92}" type="datetimeFigureOut">
               <a:rPr lang="en-IE" smtClean="0"/>
               <a:pPr/>
-              <a:t>27/02/2014</a:t>
+              <a:t>9/21/16</a:t>
             </a:fld>
             <a:endParaRPr lang="en-IE"/>
           </a:p>
@@ -6288,7 +5692,7 @@
 </file>
 
 <file path=ppt/slideLayouts/slideLayout2.xml><?xml version="1.0" encoding="utf-8"?>
-<p:sldLayout xmlns:a="http://schemas.openxmlformats.org/drawingml/2006/main" xmlns:r="http://schemas.openxmlformats.org/officeDocument/2006/relationships" xmlns:p="http://schemas.openxmlformats.org/presentationml/2006/main" type="obj" preserve="1">
+<p:sldLayout xmlns:a="http://schemas.openxmlformats.org/drawingml/2006/main" xmlns:r="http://schemas.openxmlformats.org/officeDocument/2006/relationships" xmlns:mc="http://schemas.openxmlformats.org/markup-compatibility/2006" xmlns:mv="urn:schemas-microsoft-com:mac:vml" xmlns:p="http://schemas.openxmlformats.org/presentationml/2006/main" mc:Ignorable="mv" mc:PreserveAttributes="mv:*" type="obj" preserve="1">
   <p:cSld name="Title and Content">
     <p:spTree>
       <p:nvGrpSpPr>
@@ -6397,7 +5801,7 @@
             <a:fld id="{DF9B0FEE-2562-4ECA-8249-9192E51E4D92}" type="datetimeFigureOut">
               <a:rPr lang="en-IE" smtClean="0"/>
               <a:pPr/>
-              <a:t>27/02/2014</a:t>
+              <a:t>9/21/16</a:t>
             </a:fld>
             <a:endParaRPr lang="en-IE"/>
           </a:p>
@@ -6455,7 +5859,7 @@
 </file>
 
 <file path=ppt/slideLayouts/slideLayout3.xml><?xml version="1.0" encoding="utf-8"?>
-<p:sldLayout xmlns:a="http://schemas.openxmlformats.org/drawingml/2006/main" xmlns:r="http://schemas.openxmlformats.org/officeDocument/2006/relationships" xmlns:p="http://schemas.openxmlformats.org/presentationml/2006/main" type="secHead" preserve="1">
+<p:sldLayout xmlns:a="http://schemas.openxmlformats.org/drawingml/2006/main" xmlns:r="http://schemas.openxmlformats.org/officeDocument/2006/relationships" xmlns:mc="http://schemas.openxmlformats.org/markup-compatibility/2006" xmlns:mv="urn:schemas-microsoft-com:mac:vml" xmlns:p="http://schemas.openxmlformats.org/presentationml/2006/main" mc:Ignorable="mv" mc:PreserveAttributes="mv:*" type="secHead" preserve="1">
   <p:cSld name="Section Header">
     <p:spTree>
       <p:nvGrpSpPr>
@@ -6640,7 +6044,7 @@
             <a:fld id="{DF9B0FEE-2562-4ECA-8249-9192E51E4D92}" type="datetimeFigureOut">
               <a:rPr lang="en-IE" smtClean="0"/>
               <a:pPr/>
-              <a:t>27/02/2014</a:t>
+              <a:t>9/21/16</a:t>
             </a:fld>
             <a:endParaRPr lang="en-IE"/>
           </a:p>
@@ -6698,7 +6102,7 @@
 </file>
 
 <file path=ppt/slideLayouts/slideLayout4.xml><?xml version="1.0" encoding="utf-8"?>
-<p:sldLayout xmlns:a="http://schemas.openxmlformats.org/drawingml/2006/main" xmlns:r="http://schemas.openxmlformats.org/officeDocument/2006/relationships" xmlns:p="http://schemas.openxmlformats.org/presentationml/2006/main" type="twoObj" preserve="1">
+<p:sldLayout xmlns:a="http://schemas.openxmlformats.org/drawingml/2006/main" xmlns:r="http://schemas.openxmlformats.org/officeDocument/2006/relationships" xmlns:mc="http://schemas.openxmlformats.org/markup-compatibility/2006" xmlns:mv="urn:schemas-microsoft-com:mac:vml" xmlns:p="http://schemas.openxmlformats.org/presentationml/2006/main" mc:Ignorable="mv" mc:PreserveAttributes="mv:*" type="twoObj" preserve="1">
   <p:cSld name="Two Content">
     <p:spTree>
       <p:nvGrpSpPr>
@@ -6925,7 +6329,7 @@
             <a:fld id="{DF9B0FEE-2562-4ECA-8249-9192E51E4D92}" type="datetimeFigureOut">
               <a:rPr lang="en-IE" smtClean="0"/>
               <a:pPr/>
-              <a:t>27/02/2014</a:t>
+              <a:t>9/21/16</a:t>
             </a:fld>
             <a:endParaRPr lang="en-IE"/>
           </a:p>
@@ -6983,7 +6387,7 @@
 </file>
 
 <file path=ppt/slideLayouts/slideLayout5.xml><?xml version="1.0" encoding="utf-8"?>
-<p:sldLayout xmlns:a="http://schemas.openxmlformats.org/drawingml/2006/main" xmlns:r="http://schemas.openxmlformats.org/officeDocument/2006/relationships" xmlns:p="http://schemas.openxmlformats.org/presentationml/2006/main" type="twoTxTwoObj" preserve="1">
+<p:sldLayout xmlns:a="http://schemas.openxmlformats.org/drawingml/2006/main" xmlns:r="http://schemas.openxmlformats.org/officeDocument/2006/relationships" xmlns:mc="http://schemas.openxmlformats.org/markup-compatibility/2006" xmlns:mv="urn:schemas-microsoft-com:mac:vml" xmlns:p="http://schemas.openxmlformats.org/presentationml/2006/main" mc:Ignorable="mv" mc:PreserveAttributes="mv:*" type="twoTxTwoObj" preserve="1">
   <p:cSld name="Comparison">
     <p:spTree>
       <p:nvGrpSpPr>
@@ -7344,7 +6748,7 @@
             <a:fld id="{DF9B0FEE-2562-4ECA-8249-9192E51E4D92}" type="datetimeFigureOut">
               <a:rPr lang="en-IE" smtClean="0"/>
               <a:pPr/>
-              <a:t>27/02/2014</a:t>
+              <a:t>9/21/16</a:t>
             </a:fld>
             <a:endParaRPr lang="en-IE"/>
           </a:p>
@@ -7402,7 +6806,7 @@
 </file>
 
 <file path=ppt/slideLayouts/slideLayout6.xml><?xml version="1.0" encoding="utf-8"?>
-<p:sldLayout xmlns:a="http://schemas.openxmlformats.org/drawingml/2006/main" xmlns:r="http://schemas.openxmlformats.org/officeDocument/2006/relationships" xmlns:p="http://schemas.openxmlformats.org/presentationml/2006/main" type="titleOnly" preserve="1">
+<p:sldLayout xmlns:a="http://schemas.openxmlformats.org/drawingml/2006/main" xmlns:r="http://schemas.openxmlformats.org/officeDocument/2006/relationships" xmlns:mc="http://schemas.openxmlformats.org/markup-compatibility/2006" xmlns:mv="urn:schemas-microsoft-com:mac:vml" xmlns:p="http://schemas.openxmlformats.org/presentationml/2006/main" mc:Ignorable="mv" mc:PreserveAttributes="mv:*" type="titleOnly" preserve="1">
   <p:cSld name="Title Only">
     <p:spTree>
       <p:nvGrpSpPr>
@@ -7459,7 +6863,7 @@
             <a:fld id="{DF9B0FEE-2562-4ECA-8249-9192E51E4D92}" type="datetimeFigureOut">
               <a:rPr lang="en-IE" smtClean="0"/>
               <a:pPr/>
-              <a:t>27/02/2014</a:t>
+              <a:t>9/21/16</a:t>
             </a:fld>
             <a:endParaRPr lang="en-IE"/>
           </a:p>
@@ -7517,7 +6921,7 @@
 </file>
 
 <file path=ppt/slideLayouts/slideLayout7.xml><?xml version="1.0" encoding="utf-8"?>
-<p:sldLayout xmlns:a="http://schemas.openxmlformats.org/drawingml/2006/main" xmlns:r="http://schemas.openxmlformats.org/officeDocument/2006/relationships" xmlns:p="http://schemas.openxmlformats.org/presentationml/2006/main" type="blank" preserve="1">
+<p:sldLayout xmlns:a="http://schemas.openxmlformats.org/drawingml/2006/main" xmlns:r="http://schemas.openxmlformats.org/officeDocument/2006/relationships" xmlns:mc="http://schemas.openxmlformats.org/markup-compatibility/2006" xmlns:mv="urn:schemas-microsoft-com:mac:vml" xmlns:p="http://schemas.openxmlformats.org/presentationml/2006/main" mc:Ignorable="mv" mc:PreserveAttributes="mv:*" type="blank" preserve="1">
   <p:cSld name="Blank">
     <p:spTree>
       <p:nvGrpSpPr>
@@ -7551,7 +6955,7 @@
             <a:fld id="{DF9B0FEE-2562-4ECA-8249-9192E51E4D92}" type="datetimeFigureOut">
               <a:rPr lang="en-IE" smtClean="0"/>
               <a:pPr/>
-              <a:t>27/02/2014</a:t>
+              <a:t>9/21/16</a:t>
             </a:fld>
             <a:endParaRPr lang="en-IE"/>
           </a:p>
@@ -7609,7 +7013,7 @@
 </file>
 
 <file path=ppt/slideLayouts/slideLayout8.xml><?xml version="1.0" encoding="utf-8"?>
-<p:sldLayout xmlns:a="http://schemas.openxmlformats.org/drawingml/2006/main" xmlns:r="http://schemas.openxmlformats.org/officeDocument/2006/relationships" xmlns:p="http://schemas.openxmlformats.org/presentationml/2006/main" type="objTx" preserve="1">
+<p:sldLayout xmlns:a="http://schemas.openxmlformats.org/drawingml/2006/main" xmlns:r="http://schemas.openxmlformats.org/officeDocument/2006/relationships" xmlns:mc="http://schemas.openxmlformats.org/markup-compatibility/2006" xmlns:mv="urn:schemas-microsoft-com:mac:vml" xmlns:p="http://schemas.openxmlformats.org/presentationml/2006/main" mc:Ignorable="mv" mc:PreserveAttributes="mv:*" type="objTx" preserve="1">
   <p:cSld name="Content with Caption">
     <p:spTree>
       <p:nvGrpSpPr>
@@ -7825,7 +7229,7 @@
             <a:fld id="{DF9B0FEE-2562-4ECA-8249-9192E51E4D92}" type="datetimeFigureOut">
               <a:rPr lang="en-IE" smtClean="0"/>
               <a:pPr/>
-              <a:t>27/02/2014</a:t>
+              <a:t>9/21/16</a:t>
             </a:fld>
             <a:endParaRPr lang="en-IE"/>
           </a:p>
@@ -7883,7 +7287,7 @@
 </file>
 
 <file path=ppt/slideLayouts/slideLayout9.xml><?xml version="1.0" encoding="utf-8"?>
-<p:sldLayout xmlns:a="http://schemas.openxmlformats.org/drawingml/2006/main" xmlns:r="http://schemas.openxmlformats.org/officeDocument/2006/relationships" xmlns:p="http://schemas.openxmlformats.org/presentationml/2006/main" type="picTx" preserve="1">
+<p:sldLayout xmlns:a="http://schemas.openxmlformats.org/drawingml/2006/main" xmlns:r="http://schemas.openxmlformats.org/officeDocument/2006/relationships" xmlns:mc="http://schemas.openxmlformats.org/markup-compatibility/2006" xmlns:mv="urn:schemas-microsoft-com:mac:vml" xmlns:p="http://schemas.openxmlformats.org/presentationml/2006/main" mc:Ignorable="mv" mc:PreserveAttributes="mv:*" type="picTx" preserve="1">
   <p:cSld name="Picture with Caption">
     <p:spTree>
       <p:nvGrpSpPr>
@@ -8075,7 +7479,7 @@
             <a:fld id="{DF9B0FEE-2562-4ECA-8249-9192E51E4D92}" type="datetimeFigureOut">
               <a:rPr lang="en-IE" smtClean="0"/>
               <a:pPr/>
-              <a:t>27/02/2014</a:t>
+              <a:t>9/21/16</a:t>
             </a:fld>
             <a:endParaRPr lang="en-IE"/>
           </a:p>
@@ -8133,7 +7537,7 @@
 </file>
 
 <file path=ppt/slideMasters/slideMaster1.xml><?xml version="1.0" encoding="utf-8"?>
-<p:sldMaster xmlns:a="http://schemas.openxmlformats.org/drawingml/2006/main" xmlns:r="http://schemas.openxmlformats.org/officeDocument/2006/relationships" xmlns:p="http://schemas.openxmlformats.org/presentationml/2006/main">
+<p:sldMaster xmlns:a="http://schemas.openxmlformats.org/drawingml/2006/main" xmlns:r="http://schemas.openxmlformats.org/officeDocument/2006/relationships" xmlns:mc="http://schemas.openxmlformats.org/markup-compatibility/2006" xmlns:mv="urn:schemas-microsoft-com:mac:vml" xmlns:p="http://schemas.openxmlformats.org/presentationml/2006/main" mc:Ignorable="mv" mc:PreserveAttributes="mv:*">
   <p:cSld>
     <p:bg>
       <p:bgRef idx="1001">
@@ -8285,7 +7689,7 @@
             <a:fld id="{DF9B0FEE-2562-4ECA-8249-9192E51E4D92}" type="datetimeFigureOut">
               <a:rPr lang="en-IE" smtClean="0"/>
               <a:pPr/>
-              <a:t>27/02/2014</a:t>
+              <a:t>9/21/16</a:t>
             </a:fld>
             <a:endParaRPr lang="en-IE"/>
           </a:p>
@@ -8640,7 +8044,7 @@
 </file>
 
 <file path=ppt/slides/slide1.xml><?xml version="1.0" encoding="utf-8"?>
-<p:sld xmlns:a="http://schemas.openxmlformats.org/drawingml/2006/main" xmlns:r="http://schemas.openxmlformats.org/officeDocument/2006/relationships" xmlns:p="http://schemas.openxmlformats.org/presentationml/2006/main">
+<p:sld xmlns:a="http://schemas.openxmlformats.org/drawingml/2006/main" xmlns:r="http://schemas.openxmlformats.org/officeDocument/2006/relationships" xmlns:mc="http://schemas.openxmlformats.org/markup-compatibility/2006" xmlns:mv="urn:schemas-microsoft-com:mac:vml" xmlns:p="http://schemas.openxmlformats.org/presentationml/2006/main" mc:Ignorable="mv" mc:PreserveAttributes="mv:*">
   <p:cSld>
     <p:spTree>
       <p:nvGrpSpPr>
@@ -8694,10 +8098,6 @@
           <a:bodyPr/>
           <a:lstStyle/>
           <a:p>
-            <a:r>
-              <a:rPr lang="en-IE" dirty="0" smtClean="0"/>
-              <a:t>Damian Gordon</a:t>
-            </a:r>
             <a:endParaRPr lang="en-IE" dirty="0"/>
           </a:p>
         </p:txBody>
@@ -8718,7 +8118,7 @@
 </file>
 
 <file path=ppt/slides/slide10.xml><?xml version="1.0" encoding="utf-8"?>
-<p:sld xmlns:a="http://schemas.openxmlformats.org/drawingml/2006/main" xmlns:r="http://schemas.openxmlformats.org/officeDocument/2006/relationships" xmlns:p="http://schemas.openxmlformats.org/presentationml/2006/main">
+<p:sld xmlns:a="http://schemas.openxmlformats.org/drawingml/2006/main" xmlns:r="http://schemas.openxmlformats.org/officeDocument/2006/relationships" xmlns:mc="http://schemas.openxmlformats.org/markup-compatibility/2006" xmlns:mv="urn:schemas-microsoft-com:mac:vml" xmlns:p="http://schemas.openxmlformats.org/presentationml/2006/main" mc:Ignorable="mv" mc:PreserveAttributes="mv:*">
   <p:cSld>
     <p:spTree>
       <p:nvGrpSpPr>
@@ -8910,7 +8310,7 @@
 </file>
 
 <file path=ppt/slides/slide11.xml><?xml version="1.0" encoding="utf-8"?>
-<p:sld xmlns:a="http://schemas.openxmlformats.org/drawingml/2006/main" xmlns:r="http://schemas.openxmlformats.org/officeDocument/2006/relationships" xmlns:p="http://schemas.openxmlformats.org/presentationml/2006/main">
+<p:sld xmlns:a="http://schemas.openxmlformats.org/drawingml/2006/main" xmlns:r="http://schemas.openxmlformats.org/officeDocument/2006/relationships" xmlns:mc="http://schemas.openxmlformats.org/markup-compatibility/2006" xmlns:mv="urn:schemas-microsoft-com:mac:vml" xmlns:p="http://schemas.openxmlformats.org/presentationml/2006/main" mc:Ignorable="mv" mc:PreserveAttributes="mv:*">
   <p:cSld>
     <p:spTree>
       <p:nvGrpSpPr>
@@ -8965,7 +8365,7 @@
 </file>
 
 <file path=ppt/slides/slide12.xml><?xml version="1.0" encoding="utf-8"?>
-<p:sld xmlns:a="http://schemas.openxmlformats.org/drawingml/2006/main" xmlns:r="http://schemas.openxmlformats.org/officeDocument/2006/relationships" xmlns:p="http://schemas.openxmlformats.org/presentationml/2006/main">
+<p:sld xmlns:a="http://schemas.openxmlformats.org/drawingml/2006/main" xmlns:r="http://schemas.openxmlformats.org/officeDocument/2006/relationships" xmlns:mc="http://schemas.openxmlformats.org/markup-compatibility/2006" xmlns:mv="urn:schemas-microsoft-com:mac:vml" xmlns:p="http://schemas.openxmlformats.org/presentationml/2006/main" mc:Ignorable="mv" mc:PreserveAttributes="mv:*">
   <p:cSld>
     <p:spTree>
       <p:nvGrpSpPr>
@@ -9049,7 +8449,7 @@
 </file>
 
 <file path=ppt/slides/slide13.xml><?xml version="1.0" encoding="utf-8"?>
-<p:sld xmlns:a="http://schemas.openxmlformats.org/drawingml/2006/main" xmlns:r="http://schemas.openxmlformats.org/officeDocument/2006/relationships" xmlns:p="http://schemas.openxmlformats.org/presentationml/2006/main">
+<p:sld xmlns:a="http://schemas.openxmlformats.org/drawingml/2006/main" xmlns:r="http://schemas.openxmlformats.org/officeDocument/2006/relationships" xmlns:mc="http://schemas.openxmlformats.org/markup-compatibility/2006" xmlns:mv="urn:schemas-microsoft-com:mac:vml" xmlns:p="http://schemas.openxmlformats.org/presentationml/2006/main" mc:Ignorable="mv" mc:PreserveAttributes="mv:*">
   <p:cSld>
     <p:spTree>
       <p:nvGrpSpPr>
@@ -9139,7 +8539,7 @@
 </file>
 
 <file path=ppt/slides/slide14.xml><?xml version="1.0" encoding="utf-8"?>
-<p:sld xmlns:a="http://schemas.openxmlformats.org/drawingml/2006/main" xmlns:r="http://schemas.openxmlformats.org/officeDocument/2006/relationships" xmlns:p="http://schemas.openxmlformats.org/presentationml/2006/main">
+<p:sld xmlns:a="http://schemas.openxmlformats.org/drawingml/2006/main" xmlns:r="http://schemas.openxmlformats.org/officeDocument/2006/relationships" xmlns:mc="http://schemas.openxmlformats.org/markup-compatibility/2006" xmlns:mv="urn:schemas-microsoft-com:mac:vml" xmlns:p="http://schemas.openxmlformats.org/presentationml/2006/main" mc:Ignorable="mv" mc:PreserveAttributes="mv:*">
   <p:cSld>
     <p:spTree>
       <p:nvGrpSpPr>
@@ -9382,7 +8782,7 @@
 </file>
 
 <file path=ppt/slides/slide15.xml><?xml version="1.0" encoding="utf-8"?>
-<p:sld xmlns:a="http://schemas.openxmlformats.org/drawingml/2006/main" xmlns:r="http://schemas.openxmlformats.org/officeDocument/2006/relationships" xmlns:p="http://schemas.openxmlformats.org/presentationml/2006/main">
+<p:sld xmlns:a="http://schemas.openxmlformats.org/drawingml/2006/main" xmlns:r="http://schemas.openxmlformats.org/officeDocument/2006/relationships" xmlns:mc="http://schemas.openxmlformats.org/markup-compatibility/2006" xmlns:mv="urn:schemas-microsoft-com:mac:vml" xmlns:p="http://schemas.openxmlformats.org/presentationml/2006/main" mc:Ignorable="mv" mc:PreserveAttributes="mv:*">
   <p:cSld>
     <p:spTree>
       <p:nvGrpSpPr>
@@ -9581,7 +8981,7 @@
 </file>
 
 <file path=ppt/slides/slide16.xml><?xml version="1.0" encoding="utf-8"?>
-<p:sld xmlns:a="http://schemas.openxmlformats.org/drawingml/2006/main" xmlns:r="http://schemas.openxmlformats.org/officeDocument/2006/relationships" xmlns:p="http://schemas.openxmlformats.org/presentationml/2006/main">
+<p:sld xmlns:a="http://schemas.openxmlformats.org/drawingml/2006/main" xmlns:r="http://schemas.openxmlformats.org/officeDocument/2006/relationships" xmlns:mc="http://schemas.openxmlformats.org/markup-compatibility/2006" xmlns:mv="urn:schemas-microsoft-com:mac:vml" xmlns:p="http://schemas.openxmlformats.org/presentationml/2006/main" mc:Ignorable="mv" mc:PreserveAttributes="mv:*">
   <p:cSld>
     <p:spTree>
       <p:nvGrpSpPr>
@@ -9809,7 +9209,7 @@
 </file>
 
 <file path=ppt/slides/slide17.xml><?xml version="1.0" encoding="utf-8"?>
-<p:sld xmlns:a="http://schemas.openxmlformats.org/drawingml/2006/main" xmlns:r="http://schemas.openxmlformats.org/officeDocument/2006/relationships" xmlns:p="http://schemas.openxmlformats.org/presentationml/2006/main">
+<p:sld xmlns:a="http://schemas.openxmlformats.org/drawingml/2006/main" xmlns:r="http://schemas.openxmlformats.org/officeDocument/2006/relationships" xmlns:mc="http://schemas.openxmlformats.org/markup-compatibility/2006" xmlns:mv="urn:schemas-microsoft-com:mac:vml" xmlns:p="http://schemas.openxmlformats.org/presentationml/2006/main" mc:Ignorable="mv" mc:PreserveAttributes="mv:*">
   <p:cSld>
     <p:spTree>
       <p:nvGrpSpPr>
@@ -10088,7 +9488,7 @@
 </file>
 
 <file path=ppt/slides/slide18.xml><?xml version="1.0" encoding="utf-8"?>
-<p:sld xmlns:a="http://schemas.openxmlformats.org/drawingml/2006/main" xmlns:r="http://schemas.openxmlformats.org/officeDocument/2006/relationships" xmlns:p="http://schemas.openxmlformats.org/presentationml/2006/main">
+<p:sld xmlns:a="http://schemas.openxmlformats.org/drawingml/2006/main" xmlns:r="http://schemas.openxmlformats.org/officeDocument/2006/relationships" xmlns:mc="http://schemas.openxmlformats.org/markup-compatibility/2006" xmlns:mv="urn:schemas-microsoft-com:mac:vml" xmlns:p="http://schemas.openxmlformats.org/presentationml/2006/main" mc:Ignorable="mv" mc:PreserveAttributes="mv:*">
   <p:cSld>
     <p:spTree>
       <p:nvGrpSpPr>
@@ -10143,7 +9543,7 @@
 </file>
 
 <file path=ppt/slides/slide19.xml><?xml version="1.0" encoding="utf-8"?>
-<p:sld xmlns:a="http://schemas.openxmlformats.org/drawingml/2006/main" xmlns:r="http://schemas.openxmlformats.org/officeDocument/2006/relationships" xmlns:p="http://schemas.openxmlformats.org/presentationml/2006/main">
+<p:sld xmlns:a="http://schemas.openxmlformats.org/drawingml/2006/main" xmlns:r="http://schemas.openxmlformats.org/officeDocument/2006/relationships" xmlns:mc="http://schemas.openxmlformats.org/markup-compatibility/2006" xmlns:mv="urn:schemas-microsoft-com:mac:vml" xmlns:p="http://schemas.openxmlformats.org/presentationml/2006/main" mc:Ignorable="mv" mc:PreserveAttributes="mv:*">
   <p:cSld>
     <p:spTree>
       <p:nvGrpSpPr>
@@ -10221,7 +9621,7 @@
 </file>
 
 <file path=ppt/slides/slide2.xml><?xml version="1.0" encoding="utf-8"?>
-<p:sld xmlns:a="http://schemas.openxmlformats.org/drawingml/2006/main" xmlns:r="http://schemas.openxmlformats.org/officeDocument/2006/relationships" xmlns:p="http://schemas.openxmlformats.org/presentationml/2006/main">
+<p:sld xmlns:a="http://schemas.openxmlformats.org/drawingml/2006/main" xmlns:r="http://schemas.openxmlformats.org/officeDocument/2006/relationships" xmlns:mc="http://schemas.openxmlformats.org/markup-compatibility/2006" xmlns:mv="urn:schemas-microsoft-com:mac:vml" xmlns:p="http://schemas.openxmlformats.org/presentationml/2006/main" mc:Ignorable="mv" mc:PreserveAttributes="mv:*">
   <p:cSld>
     <p:spTree>
       <p:nvGrpSpPr>
@@ -10298,7 +9698,7 @@
 </file>
 
 <file path=ppt/slides/slide20.xml><?xml version="1.0" encoding="utf-8"?>
-<p:sld xmlns:a="http://schemas.openxmlformats.org/drawingml/2006/main" xmlns:r="http://schemas.openxmlformats.org/officeDocument/2006/relationships" xmlns:p="http://schemas.openxmlformats.org/presentationml/2006/main">
+<p:sld xmlns:a="http://schemas.openxmlformats.org/drawingml/2006/main" xmlns:r="http://schemas.openxmlformats.org/officeDocument/2006/relationships" xmlns:mc="http://schemas.openxmlformats.org/markup-compatibility/2006" xmlns:mv="urn:schemas-microsoft-com:mac:vml" xmlns:p="http://schemas.openxmlformats.org/presentationml/2006/main" mc:Ignorable="mv" mc:PreserveAttributes="mv:*">
   <p:cSld>
     <p:spTree>
       <p:nvGrpSpPr>
@@ -10382,7 +9782,7 @@
 </file>
 
 <file path=ppt/slides/slide21.xml><?xml version="1.0" encoding="utf-8"?>
-<p:sld xmlns:a="http://schemas.openxmlformats.org/drawingml/2006/main" xmlns:r="http://schemas.openxmlformats.org/officeDocument/2006/relationships" xmlns:p="http://schemas.openxmlformats.org/presentationml/2006/main">
+<p:sld xmlns:a="http://schemas.openxmlformats.org/drawingml/2006/main" xmlns:r="http://schemas.openxmlformats.org/officeDocument/2006/relationships" xmlns:mc="http://schemas.openxmlformats.org/markup-compatibility/2006" xmlns:mv="urn:schemas-microsoft-com:mac:vml" xmlns:p="http://schemas.openxmlformats.org/presentationml/2006/main" mc:Ignorable="mv" mc:PreserveAttributes="mv:*">
   <p:cSld>
     <p:spTree>
       <p:nvGrpSpPr>
@@ -10514,7 +9914,7 @@
 </file>
 
 <file path=ppt/slides/slide22.xml><?xml version="1.0" encoding="utf-8"?>
-<p:sld xmlns:a="http://schemas.openxmlformats.org/drawingml/2006/main" xmlns:r="http://schemas.openxmlformats.org/officeDocument/2006/relationships" xmlns:p="http://schemas.openxmlformats.org/presentationml/2006/main">
+<p:sld xmlns:a="http://schemas.openxmlformats.org/drawingml/2006/main" xmlns:r="http://schemas.openxmlformats.org/officeDocument/2006/relationships" xmlns:mc="http://schemas.openxmlformats.org/markup-compatibility/2006" xmlns:mv="urn:schemas-microsoft-com:mac:vml" xmlns:p="http://schemas.openxmlformats.org/presentationml/2006/main" mc:Ignorable="mv" mc:PreserveAttributes="mv:*">
   <p:cSld>
     <p:spTree>
       <p:nvGrpSpPr>
@@ -10697,7 +10097,7 @@
 </file>
 
 <file path=ppt/slides/slide23.xml><?xml version="1.0" encoding="utf-8"?>
-<p:sld xmlns:a="http://schemas.openxmlformats.org/drawingml/2006/main" xmlns:r="http://schemas.openxmlformats.org/officeDocument/2006/relationships" xmlns:p="http://schemas.openxmlformats.org/presentationml/2006/main">
+<p:sld xmlns:a="http://schemas.openxmlformats.org/drawingml/2006/main" xmlns:r="http://schemas.openxmlformats.org/officeDocument/2006/relationships" xmlns:mc="http://schemas.openxmlformats.org/markup-compatibility/2006" xmlns:mv="urn:schemas-microsoft-com:mac:vml" xmlns:p="http://schemas.openxmlformats.org/presentationml/2006/main" mc:Ignorable="mv" mc:PreserveAttributes="mv:*">
   <p:cSld>
     <p:spTree>
       <p:nvGrpSpPr>
@@ -10829,7 +10229,7 @@
 </file>
 
 <file path=ppt/slides/slide24.xml><?xml version="1.0" encoding="utf-8"?>
-<p:sld xmlns:a="http://schemas.openxmlformats.org/drawingml/2006/main" xmlns:r="http://schemas.openxmlformats.org/officeDocument/2006/relationships" xmlns:p="http://schemas.openxmlformats.org/presentationml/2006/main">
+<p:sld xmlns:a="http://schemas.openxmlformats.org/drawingml/2006/main" xmlns:r="http://schemas.openxmlformats.org/officeDocument/2006/relationships" xmlns:mc="http://schemas.openxmlformats.org/markup-compatibility/2006" xmlns:mv="urn:schemas-microsoft-com:mac:vml" xmlns:p="http://schemas.openxmlformats.org/presentationml/2006/main" mc:Ignorable="mv" mc:PreserveAttributes="mv:*">
   <p:cSld>
     <p:spTree>
       <p:nvGrpSpPr>
@@ -11105,7 +10505,7 @@
 </file>
 
 <file path=ppt/slides/slide25.xml><?xml version="1.0" encoding="utf-8"?>
-<p:sld xmlns:a="http://schemas.openxmlformats.org/drawingml/2006/main" xmlns:r="http://schemas.openxmlformats.org/officeDocument/2006/relationships" xmlns:p="http://schemas.openxmlformats.org/presentationml/2006/main">
+<p:sld xmlns:a="http://schemas.openxmlformats.org/drawingml/2006/main" xmlns:r="http://schemas.openxmlformats.org/officeDocument/2006/relationships" xmlns:mc="http://schemas.openxmlformats.org/markup-compatibility/2006" xmlns:mv="urn:schemas-microsoft-com:mac:vml" xmlns:p="http://schemas.openxmlformats.org/presentationml/2006/main" mc:Ignorable="mv" mc:PreserveAttributes="mv:*">
   <p:cSld>
     <p:spTree>
       <p:nvGrpSpPr>
@@ -11432,7 +10832,7 @@
 </file>
 
 <file path=ppt/slides/slide26.xml><?xml version="1.0" encoding="utf-8"?>
-<p:sld xmlns:a="http://schemas.openxmlformats.org/drawingml/2006/main" xmlns:r="http://schemas.openxmlformats.org/officeDocument/2006/relationships" xmlns:p="http://schemas.openxmlformats.org/presentationml/2006/main">
+<p:sld xmlns:a="http://schemas.openxmlformats.org/drawingml/2006/main" xmlns:r="http://schemas.openxmlformats.org/officeDocument/2006/relationships" xmlns:mc="http://schemas.openxmlformats.org/markup-compatibility/2006" xmlns:mv="urn:schemas-microsoft-com:mac:vml" xmlns:p="http://schemas.openxmlformats.org/presentationml/2006/main" mc:Ignorable="mv" mc:PreserveAttributes="mv:*">
   <p:cSld>
     <p:spTree>
       <p:nvGrpSpPr>
@@ -11487,7 +10887,7 @@
 </file>
 
 <file path=ppt/slides/slide27.xml><?xml version="1.0" encoding="utf-8"?>
-<p:sld xmlns:a="http://schemas.openxmlformats.org/drawingml/2006/main" xmlns:r="http://schemas.openxmlformats.org/officeDocument/2006/relationships" xmlns:p="http://schemas.openxmlformats.org/presentationml/2006/main">
+<p:sld xmlns:a="http://schemas.openxmlformats.org/drawingml/2006/main" xmlns:r="http://schemas.openxmlformats.org/officeDocument/2006/relationships" xmlns:mc="http://schemas.openxmlformats.org/markup-compatibility/2006" xmlns:mv="urn:schemas-microsoft-com:mac:vml" xmlns:p="http://schemas.openxmlformats.org/presentationml/2006/main" mc:Ignorable="mv" mc:PreserveAttributes="mv:*">
   <p:cSld>
     <p:spTree>
       <p:nvGrpSpPr>
@@ -11558,7 +10958,7 @@
 </file>
 
 <file path=ppt/slides/slide28.xml><?xml version="1.0" encoding="utf-8"?>
-<p:sld xmlns:a="http://schemas.openxmlformats.org/drawingml/2006/main" xmlns:r="http://schemas.openxmlformats.org/officeDocument/2006/relationships" xmlns:p="http://schemas.openxmlformats.org/presentationml/2006/main">
+<p:sld xmlns:a="http://schemas.openxmlformats.org/drawingml/2006/main" xmlns:r="http://schemas.openxmlformats.org/officeDocument/2006/relationships" xmlns:mc="http://schemas.openxmlformats.org/markup-compatibility/2006" xmlns:mv="urn:schemas-microsoft-com:mac:vml" xmlns:p="http://schemas.openxmlformats.org/presentationml/2006/main" mc:Ignorable="mv" mc:PreserveAttributes="mv:*">
   <p:cSld>
     <p:spTree>
       <p:nvGrpSpPr>
@@ -11637,7 +11037,7 @@
 </file>
 
 <file path=ppt/slides/slide29.xml><?xml version="1.0" encoding="utf-8"?>
-<p:sld xmlns:a="http://schemas.openxmlformats.org/drawingml/2006/main" xmlns:r="http://schemas.openxmlformats.org/officeDocument/2006/relationships" xmlns:p="http://schemas.openxmlformats.org/presentationml/2006/main">
+<p:sld xmlns:a="http://schemas.openxmlformats.org/drawingml/2006/main" xmlns:r="http://schemas.openxmlformats.org/officeDocument/2006/relationships" xmlns:mc="http://schemas.openxmlformats.org/markup-compatibility/2006" xmlns:mv="urn:schemas-microsoft-com:mac:vml" xmlns:p="http://schemas.openxmlformats.org/presentationml/2006/main" mc:Ignorable="mv" mc:PreserveAttributes="mv:*">
   <p:cSld>
     <p:spTree>
       <p:nvGrpSpPr>
@@ -11722,7 +11122,7 @@
 </file>
 
 <file path=ppt/slides/slide3.xml><?xml version="1.0" encoding="utf-8"?>
-<p:sld xmlns:a="http://schemas.openxmlformats.org/drawingml/2006/main" xmlns:r="http://schemas.openxmlformats.org/officeDocument/2006/relationships" xmlns:p="http://schemas.openxmlformats.org/presentationml/2006/main">
+<p:sld xmlns:a="http://schemas.openxmlformats.org/drawingml/2006/main" xmlns:r="http://schemas.openxmlformats.org/officeDocument/2006/relationships" xmlns:mc="http://schemas.openxmlformats.org/markup-compatibility/2006" xmlns:mv="urn:schemas-microsoft-com:mac:vml" xmlns:p="http://schemas.openxmlformats.org/presentationml/2006/main" mc:Ignorable="mv" mc:PreserveAttributes="mv:*">
   <p:cSld>
     <p:spTree>
       <p:nvGrpSpPr>
@@ -11819,7 +11219,7 @@
 </file>
 
 <file path=ppt/slides/slide30.xml><?xml version="1.0" encoding="utf-8"?>
-<p:sld xmlns:a="http://schemas.openxmlformats.org/drawingml/2006/main" xmlns:r="http://schemas.openxmlformats.org/officeDocument/2006/relationships" xmlns:p="http://schemas.openxmlformats.org/presentationml/2006/main">
+<p:sld xmlns:a="http://schemas.openxmlformats.org/drawingml/2006/main" xmlns:r="http://schemas.openxmlformats.org/officeDocument/2006/relationships" xmlns:mc="http://schemas.openxmlformats.org/markup-compatibility/2006" xmlns:mv="urn:schemas-microsoft-com:mac:vml" xmlns:p="http://schemas.openxmlformats.org/presentationml/2006/main" mc:Ignorable="mv" mc:PreserveAttributes="mv:*">
   <p:cSld>
     <p:spTree>
       <p:nvGrpSpPr>
@@ -11932,7 +11332,7 @@
 </file>
 
 <file path=ppt/slides/slide31.xml><?xml version="1.0" encoding="utf-8"?>
-<p:sld xmlns:a="http://schemas.openxmlformats.org/drawingml/2006/main" xmlns:r="http://schemas.openxmlformats.org/officeDocument/2006/relationships" xmlns:p="http://schemas.openxmlformats.org/presentationml/2006/main">
+<p:sld xmlns:a="http://schemas.openxmlformats.org/drawingml/2006/main" xmlns:r="http://schemas.openxmlformats.org/officeDocument/2006/relationships" xmlns:mc="http://schemas.openxmlformats.org/markup-compatibility/2006" xmlns:mv="urn:schemas-microsoft-com:mac:vml" xmlns:p="http://schemas.openxmlformats.org/presentationml/2006/main" mc:Ignorable="mv" mc:PreserveAttributes="mv:*">
   <p:cSld>
     <p:spTree>
       <p:nvGrpSpPr>
@@ -12096,7 +11496,7 @@
 </file>
 
 <file path=ppt/slides/slide32.xml><?xml version="1.0" encoding="utf-8"?>
-<p:sld xmlns:a="http://schemas.openxmlformats.org/drawingml/2006/main" xmlns:r="http://schemas.openxmlformats.org/officeDocument/2006/relationships" xmlns:p="http://schemas.openxmlformats.org/presentationml/2006/main">
+<p:sld xmlns:a="http://schemas.openxmlformats.org/drawingml/2006/main" xmlns:r="http://schemas.openxmlformats.org/officeDocument/2006/relationships" xmlns:mc="http://schemas.openxmlformats.org/markup-compatibility/2006" xmlns:mv="urn:schemas-microsoft-com:mac:vml" xmlns:p="http://schemas.openxmlformats.org/presentationml/2006/main" mc:Ignorable="mv" mc:PreserveAttributes="mv:*">
   <p:cSld>
     <p:spTree>
       <p:nvGrpSpPr>
@@ -12185,14 +11585,7 @@
                 <a:latin typeface="Courier New" pitchFamily="49" charset="0"/>
                 <a:cs typeface="Courier New" pitchFamily="49" charset="0"/>
               </a:rPr>
-              <a:t>WHILE(A </a:t>
-            </a:r>
-            <a:r>
-              <a:rPr lang="en-IE" smtClean="0">
-                <a:latin typeface="Courier New" pitchFamily="49" charset="0"/>
-                <a:cs typeface="Courier New" pitchFamily="49" charset="0"/>
-              </a:rPr>
-              <a:t>&lt; </a:t>
+              <a:t>WHILE(A &lt; </a:t>
             </a:r>
             <a:r>
               <a:rPr lang="en-IE" dirty="0" smtClean="0">
@@ -12253,7 +11646,7 @@
 </file>
 
 <file path=ppt/slides/slide33.xml><?xml version="1.0" encoding="utf-8"?>
-<p:sld xmlns:a="http://schemas.openxmlformats.org/drawingml/2006/main" xmlns:r="http://schemas.openxmlformats.org/officeDocument/2006/relationships" xmlns:p="http://schemas.openxmlformats.org/presentationml/2006/main">
+<p:sld xmlns:a="http://schemas.openxmlformats.org/drawingml/2006/main" xmlns:r="http://schemas.openxmlformats.org/officeDocument/2006/relationships" xmlns:mc="http://schemas.openxmlformats.org/markup-compatibility/2006" xmlns:mv="urn:schemas-microsoft-com:mac:vml" xmlns:p="http://schemas.openxmlformats.org/presentationml/2006/main" mc:Ignorable="mv" mc:PreserveAttributes="mv:*">
   <p:cSld>
     <p:spTree>
       <p:nvGrpSpPr>
@@ -12325,7 +11718,7 @@
 </file>
 
 <file path=ppt/slides/slide34.xml><?xml version="1.0" encoding="utf-8"?>
-<p:sld xmlns:a="http://schemas.openxmlformats.org/drawingml/2006/main" xmlns:r="http://schemas.openxmlformats.org/officeDocument/2006/relationships" xmlns:p="http://schemas.openxmlformats.org/presentationml/2006/main">
+<p:sld xmlns:a="http://schemas.openxmlformats.org/drawingml/2006/main" xmlns:r="http://schemas.openxmlformats.org/officeDocument/2006/relationships" xmlns:mc="http://schemas.openxmlformats.org/markup-compatibility/2006" xmlns:mv="urn:schemas-microsoft-com:mac:vml" xmlns:p="http://schemas.openxmlformats.org/presentationml/2006/main" mc:Ignorable="mv" mc:PreserveAttributes="mv:*">
   <p:cSld>
     <p:spTree>
       <p:nvGrpSpPr>
@@ -12401,7 +11794,7 @@
 </file>
 
 <file path=ppt/slides/slide35.xml><?xml version="1.0" encoding="utf-8"?>
-<p:sld xmlns:a="http://schemas.openxmlformats.org/drawingml/2006/main" xmlns:r="http://schemas.openxmlformats.org/officeDocument/2006/relationships" xmlns:p="http://schemas.openxmlformats.org/presentationml/2006/main">
+<p:sld xmlns:a="http://schemas.openxmlformats.org/drawingml/2006/main" xmlns:r="http://schemas.openxmlformats.org/officeDocument/2006/relationships" xmlns:mc="http://schemas.openxmlformats.org/markup-compatibility/2006" xmlns:mv="urn:schemas-microsoft-com:mac:vml" xmlns:p="http://schemas.openxmlformats.org/presentationml/2006/main" mc:Ignorable="mv" mc:PreserveAttributes="mv:*">
   <p:cSld>
     <p:spTree>
       <p:nvGrpSpPr>
@@ -12608,7 +12001,7 @@
 </file>
 
 <file path=ppt/slides/slide36.xml><?xml version="1.0" encoding="utf-8"?>
-<p:sld xmlns:a="http://schemas.openxmlformats.org/drawingml/2006/main" xmlns:r="http://schemas.openxmlformats.org/officeDocument/2006/relationships" xmlns:p="http://schemas.openxmlformats.org/presentationml/2006/main">
+<p:sld xmlns:a="http://schemas.openxmlformats.org/drawingml/2006/main" xmlns:r="http://schemas.openxmlformats.org/officeDocument/2006/relationships" xmlns:mc="http://schemas.openxmlformats.org/markup-compatibility/2006" xmlns:mv="urn:schemas-microsoft-com:mac:vml" xmlns:p="http://schemas.openxmlformats.org/presentationml/2006/main" mc:Ignorable="mv" mc:PreserveAttributes="mv:*">
   <p:cSld>
     <p:spTree>
       <p:nvGrpSpPr>
@@ -12680,7 +12073,7 @@
 </file>
 
 <file path=ppt/slides/slide37.xml><?xml version="1.0" encoding="utf-8"?>
-<p:sld xmlns:a="http://schemas.openxmlformats.org/drawingml/2006/main" xmlns:r="http://schemas.openxmlformats.org/officeDocument/2006/relationships" xmlns:p="http://schemas.openxmlformats.org/presentationml/2006/main">
+<p:sld xmlns:a="http://schemas.openxmlformats.org/drawingml/2006/main" xmlns:r="http://schemas.openxmlformats.org/officeDocument/2006/relationships" xmlns:mc="http://schemas.openxmlformats.org/markup-compatibility/2006" xmlns:mv="urn:schemas-microsoft-com:mac:vml" xmlns:p="http://schemas.openxmlformats.org/presentationml/2006/main" mc:Ignorable="mv" mc:PreserveAttributes="mv:*">
   <p:cSld>
     <p:spTree>
       <p:nvGrpSpPr>
@@ -12767,7 +12160,7 @@
 </file>
 
 <file path=ppt/slides/slide38.xml><?xml version="1.0" encoding="utf-8"?>
-<p:sld xmlns:a="http://schemas.openxmlformats.org/drawingml/2006/main" xmlns:r="http://schemas.openxmlformats.org/officeDocument/2006/relationships" xmlns:p="http://schemas.openxmlformats.org/presentationml/2006/main">
+<p:sld xmlns:a="http://schemas.openxmlformats.org/drawingml/2006/main" xmlns:r="http://schemas.openxmlformats.org/officeDocument/2006/relationships" xmlns:mc="http://schemas.openxmlformats.org/markup-compatibility/2006" xmlns:mv="urn:schemas-microsoft-com:mac:vml" xmlns:p="http://schemas.openxmlformats.org/presentationml/2006/main" mc:Ignorable="mv" mc:PreserveAttributes="mv:*">
   <p:cSld>
     <p:spTree>
       <p:nvGrpSpPr>
@@ -12957,7 +12350,7 @@
 </file>
 
 <file path=ppt/slides/slide39.xml><?xml version="1.0" encoding="utf-8"?>
-<p:sld xmlns:a="http://schemas.openxmlformats.org/drawingml/2006/main" xmlns:r="http://schemas.openxmlformats.org/officeDocument/2006/relationships" xmlns:p="http://schemas.openxmlformats.org/presentationml/2006/main">
+<p:sld xmlns:a="http://schemas.openxmlformats.org/drawingml/2006/main" xmlns:r="http://schemas.openxmlformats.org/officeDocument/2006/relationships" xmlns:mc="http://schemas.openxmlformats.org/markup-compatibility/2006" xmlns:mv="urn:schemas-microsoft-com:mac:vml" xmlns:p="http://schemas.openxmlformats.org/presentationml/2006/main" mc:Ignorable="mv" mc:PreserveAttributes="mv:*">
   <p:cSld>
     <p:spTree>
       <p:nvGrpSpPr>
@@ -13174,7 +12567,7 @@
 </file>
 
 <file path=ppt/slides/slide4.xml><?xml version="1.0" encoding="utf-8"?>
-<p:sld xmlns:a="http://schemas.openxmlformats.org/drawingml/2006/main" xmlns:r="http://schemas.openxmlformats.org/officeDocument/2006/relationships" xmlns:p="http://schemas.openxmlformats.org/presentationml/2006/main">
+<p:sld xmlns:a="http://schemas.openxmlformats.org/drawingml/2006/main" xmlns:r="http://schemas.openxmlformats.org/officeDocument/2006/relationships" xmlns:mc="http://schemas.openxmlformats.org/markup-compatibility/2006" xmlns:mv="urn:schemas-microsoft-com:mac:vml" xmlns:p="http://schemas.openxmlformats.org/presentationml/2006/main" mc:Ignorable="mv" mc:PreserveAttributes="mv:*">
   <p:cSld>
     <p:spTree>
       <p:nvGrpSpPr>
@@ -13285,7 +12678,7 @@
 </file>
 
 <file path=ppt/slides/slide40.xml><?xml version="1.0" encoding="utf-8"?>
-<p:sld xmlns:a="http://schemas.openxmlformats.org/drawingml/2006/main" xmlns:r="http://schemas.openxmlformats.org/officeDocument/2006/relationships" xmlns:p="http://schemas.openxmlformats.org/presentationml/2006/main">
+<p:sld xmlns:a="http://schemas.openxmlformats.org/drawingml/2006/main" xmlns:r="http://schemas.openxmlformats.org/officeDocument/2006/relationships" xmlns:mc="http://schemas.openxmlformats.org/markup-compatibility/2006" xmlns:mv="urn:schemas-microsoft-com:mac:vml" xmlns:p="http://schemas.openxmlformats.org/presentationml/2006/main" mc:Ignorable="mv" mc:PreserveAttributes="mv:*">
   <p:cSld>
     <p:spTree>
       <p:nvGrpSpPr>
@@ -13585,7 +12978,7 @@
 </file>
 
 <file path=ppt/slides/slide41.xml><?xml version="1.0" encoding="utf-8"?>
-<p:sld xmlns:a="http://schemas.openxmlformats.org/drawingml/2006/main" xmlns:r="http://schemas.openxmlformats.org/officeDocument/2006/relationships" xmlns:p="http://schemas.openxmlformats.org/presentationml/2006/main">
+<p:sld xmlns:a="http://schemas.openxmlformats.org/drawingml/2006/main" xmlns:r="http://schemas.openxmlformats.org/officeDocument/2006/relationships" xmlns:mc="http://schemas.openxmlformats.org/markup-compatibility/2006" xmlns:mv="urn:schemas-microsoft-com:mac:vml" xmlns:p="http://schemas.openxmlformats.org/presentationml/2006/main" mc:Ignorable="mv" mc:PreserveAttributes="mv:*">
   <p:cSld>
     <p:spTree>
       <p:nvGrpSpPr>
@@ -13936,7 +13329,7 @@
 </file>
 
 <file path=ppt/slides/slide42.xml><?xml version="1.0" encoding="utf-8"?>
-<p:sld xmlns:a="http://schemas.openxmlformats.org/drawingml/2006/main" xmlns:r="http://schemas.openxmlformats.org/officeDocument/2006/relationships" xmlns:p="http://schemas.openxmlformats.org/presentationml/2006/main">
+<p:sld xmlns:a="http://schemas.openxmlformats.org/drawingml/2006/main" xmlns:r="http://schemas.openxmlformats.org/officeDocument/2006/relationships" xmlns:mc="http://schemas.openxmlformats.org/markup-compatibility/2006" xmlns:mv="urn:schemas-microsoft-com:mac:vml" xmlns:p="http://schemas.openxmlformats.org/presentationml/2006/main" mc:Ignorable="mv" mc:PreserveAttributes="mv:*">
   <p:cSld>
     <p:spTree>
       <p:nvGrpSpPr>
@@ -13991,7 +13384,7 @@
 </file>
 
 <file path=ppt/slides/slide43.xml><?xml version="1.0" encoding="utf-8"?>
-<p:sld xmlns:a="http://schemas.openxmlformats.org/drawingml/2006/main" xmlns:r="http://schemas.openxmlformats.org/officeDocument/2006/relationships" xmlns:p="http://schemas.openxmlformats.org/presentationml/2006/main">
+<p:sld xmlns:a="http://schemas.openxmlformats.org/drawingml/2006/main" xmlns:r="http://schemas.openxmlformats.org/officeDocument/2006/relationships" xmlns:mc="http://schemas.openxmlformats.org/markup-compatibility/2006" xmlns:mv="urn:schemas-microsoft-com:mac:vml" xmlns:p="http://schemas.openxmlformats.org/presentationml/2006/main" mc:Ignorable="mv" mc:PreserveAttributes="mv:*">
   <p:cSld>
     <p:spTree>
       <p:nvGrpSpPr>
@@ -14081,7 +13474,7 @@
 </file>
 
 <file path=ppt/slides/slide44.xml><?xml version="1.0" encoding="utf-8"?>
-<p:sld xmlns:a="http://schemas.openxmlformats.org/drawingml/2006/main" xmlns:r="http://schemas.openxmlformats.org/officeDocument/2006/relationships" xmlns:p="http://schemas.openxmlformats.org/presentationml/2006/main">
+<p:sld xmlns:a="http://schemas.openxmlformats.org/drawingml/2006/main" xmlns:r="http://schemas.openxmlformats.org/officeDocument/2006/relationships" xmlns:mc="http://schemas.openxmlformats.org/markup-compatibility/2006" xmlns:mv="urn:schemas-microsoft-com:mac:vml" xmlns:p="http://schemas.openxmlformats.org/presentationml/2006/main" mc:Ignorable="mv" mc:PreserveAttributes="mv:*">
   <p:cSld>
     <p:spTree>
       <p:nvGrpSpPr>
@@ -14268,7 +13661,7 @@
 </file>
 
 <file path=ppt/slides/slide45.xml><?xml version="1.0" encoding="utf-8"?>
-<p:sld xmlns:a="http://schemas.openxmlformats.org/drawingml/2006/main" xmlns:r="http://schemas.openxmlformats.org/officeDocument/2006/relationships" xmlns:p="http://schemas.openxmlformats.org/presentationml/2006/main">
+<p:sld xmlns:a="http://schemas.openxmlformats.org/drawingml/2006/main" xmlns:r="http://schemas.openxmlformats.org/officeDocument/2006/relationships" xmlns:mc="http://schemas.openxmlformats.org/markup-compatibility/2006" xmlns:mv="urn:schemas-microsoft-com:mac:vml" xmlns:p="http://schemas.openxmlformats.org/presentationml/2006/main" mc:Ignorable="mv" mc:PreserveAttributes="mv:*">
   <p:cSld>
     <p:spTree>
       <p:nvGrpSpPr>
@@ -14358,7 +13751,7 @@
 </file>
 
 <file path=ppt/slides/slide46.xml><?xml version="1.0" encoding="utf-8"?>
-<p:sld xmlns:a="http://schemas.openxmlformats.org/drawingml/2006/main" xmlns:r="http://schemas.openxmlformats.org/officeDocument/2006/relationships" xmlns:p="http://schemas.openxmlformats.org/presentationml/2006/main">
+<p:sld xmlns:a="http://schemas.openxmlformats.org/drawingml/2006/main" xmlns:r="http://schemas.openxmlformats.org/officeDocument/2006/relationships" xmlns:mc="http://schemas.openxmlformats.org/markup-compatibility/2006" xmlns:mv="urn:schemas-microsoft-com:mac:vml" xmlns:p="http://schemas.openxmlformats.org/presentationml/2006/main" mc:Ignorable="mv" mc:PreserveAttributes="mv:*">
   <p:cSld>
     <p:spTree>
       <p:nvGrpSpPr>
@@ -14574,7 +13967,7 @@
 </file>
 
 <file path=ppt/slides/slide47.xml><?xml version="1.0" encoding="utf-8"?>
-<p:sld xmlns:a="http://schemas.openxmlformats.org/drawingml/2006/main" xmlns:r="http://schemas.openxmlformats.org/officeDocument/2006/relationships" xmlns:p="http://schemas.openxmlformats.org/presentationml/2006/main">
+<p:sld xmlns:a="http://schemas.openxmlformats.org/drawingml/2006/main" xmlns:r="http://schemas.openxmlformats.org/officeDocument/2006/relationships" xmlns:mc="http://schemas.openxmlformats.org/markup-compatibility/2006" xmlns:mv="urn:schemas-microsoft-com:mac:vml" xmlns:p="http://schemas.openxmlformats.org/presentationml/2006/main" mc:Ignorable="mv" mc:PreserveAttributes="mv:*">
   <p:cSld>
     <p:spTree>
       <p:nvGrpSpPr>
@@ -14664,7 +14057,7 @@
 </file>
 
 <file path=ppt/slides/slide48.xml><?xml version="1.0" encoding="utf-8"?>
-<p:sld xmlns:a="http://schemas.openxmlformats.org/drawingml/2006/main" xmlns:r="http://schemas.openxmlformats.org/officeDocument/2006/relationships" xmlns:p="http://schemas.openxmlformats.org/presentationml/2006/main">
+<p:sld xmlns:a="http://schemas.openxmlformats.org/drawingml/2006/main" xmlns:r="http://schemas.openxmlformats.org/officeDocument/2006/relationships" xmlns:mc="http://schemas.openxmlformats.org/markup-compatibility/2006" xmlns:mv="urn:schemas-microsoft-com:mac:vml" xmlns:p="http://schemas.openxmlformats.org/presentationml/2006/main" mc:Ignorable="mv" mc:PreserveAttributes="mv:*">
   <p:cSld>
     <p:spTree>
       <p:nvGrpSpPr>
@@ -14953,7 +14346,7 @@
 </file>
 
 <file path=ppt/slides/slide49.xml><?xml version="1.0" encoding="utf-8"?>
-<p:sld xmlns:a="http://schemas.openxmlformats.org/drawingml/2006/main" xmlns:r="http://schemas.openxmlformats.org/officeDocument/2006/relationships" xmlns:p="http://schemas.openxmlformats.org/presentationml/2006/main">
+<p:sld xmlns:a="http://schemas.openxmlformats.org/drawingml/2006/main" xmlns:r="http://schemas.openxmlformats.org/officeDocument/2006/relationships" xmlns:mc="http://schemas.openxmlformats.org/markup-compatibility/2006" xmlns:mv="urn:schemas-microsoft-com:mac:vml" xmlns:p="http://schemas.openxmlformats.org/presentationml/2006/main" mc:Ignorable="mv" mc:PreserveAttributes="mv:*">
   <p:cSld>
     <p:spTree>
       <p:nvGrpSpPr>
@@ -15043,7 +14436,7 @@
 </file>
 
 <file path=ppt/slides/slide5.xml><?xml version="1.0" encoding="utf-8"?>
-<p:sld xmlns:a="http://schemas.openxmlformats.org/drawingml/2006/main" xmlns:r="http://schemas.openxmlformats.org/officeDocument/2006/relationships" xmlns:p="http://schemas.openxmlformats.org/presentationml/2006/main">
+<p:sld xmlns:a="http://schemas.openxmlformats.org/drawingml/2006/main" xmlns:r="http://schemas.openxmlformats.org/officeDocument/2006/relationships" xmlns:mc="http://schemas.openxmlformats.org/markup-compatibility/2006" xmlns:mv="urn:schemas-microsoft-com:mac:vml" xmlns:p="http://schemas.openxmlformats.org/presentationml/2006/main" mc:Ignorable="mv" mc:PreserveAttributes="mv:*">
   <p:cSld>
     <p:spTree>
       <p:nvGrpSpPr>
@@ -15178,7 +14571,7 @@
 </file>
 
 <file path=ppt/slides/slide50.xml><?xml version="1.0" encoding="utf-8"?>
-<p:sld xmlns:a="http://schemas.openxmlformats.org/drawingml/2006/main" xmlns:r="http://schemas.openxmlformats.org/officeDocument/2006/relationships" xmlns:p="http://schemas.openxmlformats.org/presentationml/2006/main">
+<p:sld xmlns:a="http://schemas.openxmlformats.org/drawingml/2006/main" xmlns:r="http://schemas.openxmlformats.org/officeDocument/2006/relationships" xmlns:mc="http://schemas.openxmlformats.org/markup-compatibility/2006" xmlns:mv="urn:schemas-microsoft-com:mac:vml" xmlns:p="http://schemas.openxmlformats.org/presentationml/2006/main" mc:Ignorable="mv" mc:PreserveAttributes="mv:*">
   <p:cSld>
     <p:spTree>
       <p:nvGrpSpPr>
@@ -15477,7 +14870,7 @@
 </file>
 
 <file path=ppt/slides/slide51.xml><?xml version="1.0" encoding="utf-8"?>
-<p:sld xmlns:a="http://schemas.openxmlformats.org/drawingml/2006/main" xmlns:r="http://schemas.openxmlformats.org/officeDocument/2006/relationships" xmlns:p="http://schemas.openxmlformats.org/presentationml/2006/main">
+<p:sld xmlns:a="http://schemas.openxmlformats.org/drawingml/2006/main" xmlns:r="http://schemas.openxmlformats.org/officeDocument/2006/relationships" xmlns:mc="http://schemas.openxmlformats.org/markup-compatibility/2006" xmlns:mv="urn:schemas-microsoft-com:mac:vml" xmlns:p="http://schemas.openxmlformats.org/presentationml/2006/main" mc:Ignorable="mv" mc:PreserveAttributes="mv:*">
   <p:cSld>
     <p:spTree>
       <p:nvGrpSpPr>
@@ -15581,7 +14974,7 @@
 </file>
 
 <file path=ppt/slides/slide52.xml><?xml version="1.0" encoding="utf-8"?>
-<p:sld xmlns:a="http://schemas.openxmlformats.org/drawingml/2006/main" xmlns:r="http://schemas.openxmlformats.org/officeDocument/2006/relationships" xmlns:p="http://schemas.openxmlformats.org/presentationml/2006/main">
+<p:sld xmlns:a="http://schemas.openxmlformats.org/drawingml/2006/main" xmlns:r="http://schemas.openxmlformats.org/officeDocument/2006/relationships" xmlns:mc="http://schemas.openxmlformats.org/markup-compatibility/2006" xmlns:mv="urn:schemas-microsoft-com:mac:vml" xmlns:p="http://schemas.openxmlformats.org/presentationml/2006/main" mc:Ignorable="mv" mc:PreserveAttributes="mv:*">
   <p:cSld>
     <p:spTree>
       <p:nvGrpSpPr>
@@ -15966,7 +15359,7 @@
 </file>
 
 <file path=ppt/slides/slide53.xml><?xml version="1.0" encoding="utf-8"?>
-<p:sld xmlns:a="http://schemas.openxmlformats.org/drawingml/2006/main" xmlns:r="http://schemas.openxmlformats.org/officeDocument/2006/relationships" xmlns:p="http://schemas.openxmlformats.org/presentationml/2006/main">
+<p:sld xmlns:a="http://schemas.openxmlformats.org/drawingml/2006/main" xmlns:r="http://schemas.openxmlformats.org/officeDocument/2006/relationships" xmlns:mc="http://schemas.openxmlformats.org/markup-compatibility/2006" xmlns:mv="urn:schemas-microsoft-com:mac:vml" xmlns:p="http://schemas.openxmlformats.org/presentationml/2006/main" mc:Ignorable="mv" mc:PreserveAttributes="mv:*">
   <p:cSld>
     <p:spTree>
       <p:nvGrpSpPr>
@@ -16056,7 +15449,7 @@
 </file>
 
 <file path=ppt/slides/slide54.xml><?xml version="1.0" encoding="utf-8"?>
-<p:sld xmlns:a="http://schemas.openxmlformats.org/drawingml/2006/main" xmlns:r="http://schemas.openxmlformats.org/officeDocument/2006/relationships" xmlns:p="http://schemas.openxmlformats.org/presentationml/2006/main">
+<p:sld xmlns:a="http://schemas.openxmlformats.org/drawingml/2006/main" xmlns:r="http://schemas.openxmlformats.org/officeDocument/2006/relationships" xmlns:mc="http://schemas.openxmlformats.org/markup-compatibility/2006" xmlns:mv="urn:schemas-microsoft-com:mac:vml" xmlns:p="http://schemas.openxmlformats.org/presentationml/2006/main" mc:Ignorable="mv" mc:PreserveAttributes="mv:*">
   <p:cSld>
     <p:spTree>
       <p:nvGrpSpPr>
@@ -16320,7 +15713,7 @@
 </file>
 
 <file path=ppt/slides/slide55.xml><?xml version="1.0" encoding="utf-8"?>
-<p:sld xmlns:a="http://schemas.openxmlformats.org/drawingml/2006/main" xmlns:r="http://schemas.openxmlformats.org/officeDocument/2006/relationships" xmlns:p="http://schemas.openxmlformats.org/presentationml/2006/main">
+<p:sld xmlns:a="http://schemas.openxmlformats.org/drawingml/2006/main" xmlns:r="http://schemas.openxmlformats.org/officeDocument/2006/relationships" xmlns:mc="http://schemas.openxmlformats.org/markup-compatibility/2006" xmlns:mv="urn:schemas-microsoft-com:mac:vml" xmlns:p="http://schemas.openxmlformats.org/presentationml/2006/main" mc:Ignorable="mv" mc:PreserveAttributes="mv:*">
   <p:cSld>
     <p:spTree>
       <p:nvGrpSpPr>
@@ -16410,7 +15803,7 @@
 </file>
 
 <file path=ppt/slides/slide56.xml><?xml version="1.0" encoding="utf-8"?>
-<p:sld xmlns:a="http://schemas.openxmlformats.org/drawingml/2006/main" xmlns:r="http://schemas.openxmlformats.org/officeDocument/2006/relationships" xmlns:p="http://schemas.openxmlformats.org/presentationml/2006/main">
+<p:sld xmlns:a="http://schemas.openxmlformats.org/drawingml/2006/main" xmlns:r="http://schemas.openxmlformats.org/officeDocument/2006/relationships" xmlns:mc="http://schemas.openxmlformats.org/markup-compatibility/2006" xmlns:mv="urn:schemas-microsoft-com:mac:vml" xmlns:p="http://schemas.openxmlformats.org/presentationml/2006/main" mc:Ignorable="mv" mc:PreserveAttributes="mv:*">
   <p:cSld>
     <p:spTree>
       <p:nvGrpSpPr>
@@ -16686,7 +16079,7 @@
 </file>
 
 <file path=ppt/slides/slide57.xml><?xml version="1.0" encoding="utf-8"?>
-<p:sld xmlns:a="http://schemas.openxmlformats.org/drawingml/2006/main" xmlns:r="http://schemas.openxmlformats.org/officeDocument/2006/relationships" xmlns:p="http://schemas.openxmlformats.org/presentationml/2006/main">
+<p:sld xmlns:a="http://schemas.openxmlformats.org/drawingml/2006/main" xmlns:r="http://schemas.openxmlformats.org/officeDocument/2006/relationships" xmlns:mc="http://schemas.openxmlformats.org/markup-compatibility/2006" xmlns:mv="urn:schemas-microsoft-com:mac:vml" xmlns:p="http://schemas.openxmlformats.org/presentationml/2006/main" mc:Ignorable="mv" mc:PreserveAttributes="mv:*">
   <p:cSld>
     <p:spTree>
       <p:nvGrpSpPr>
@@ -16704,7 +16097,7 @@
       </p:grpSpPr>
       <p:sp>
         <p:nvSpPr>
-          <p:cNvPr id="2" name="Title 1"/>
+          <p:cNvPr id="11266" name="Title 1"/>
           <p:cNvSpPr>
             <a:spLocks noGrp="1"/>
           </p:cNvSpPr>
@@ -16718,49 +16111,106 @@
           <a:lstStyle/>
           <a:p>
             <a:r>
-              <a:rPr lang="en-IE" dirty="0" err="1" smtClean="0"/>
+              <a:rPr lang="en-US"/>
+              <a:t>Advantages of pseudo code</a:t>
+            </a:r>
+          </a:p>
+        </p:txBody>
+      </p:sp>
+      <p:sp>
+        <p:nvSpPr>
+          <p:cNvPr id="11267" name="Content Placeholder 2"/>
+          <p:cNvSpPr>
+            <a:spLocks noGrp="1"/>
+          </p:cNvSpPr>
+          <p:nvPr>
+            <p:ph sz="half" idx="1"/>
+          </p:nvPr>
+        </p:nvSpPr>
+        <p:spPr/>
+        <p:txBody>
+          <a:bodyPr/>
+          <a:lstStyle/>
+          <a:p>
+            <a:r>
+              <a:rPr lang="en-US" dirty="0"/>
+              <a:t>Writing of </a:t>
+            </a:r>
+            <a:r>
+              <a:rPr lang="en-US" dirty="0" err="1"/>
+              <a:t>pseudocode</a:t>
+            </a:r>
+            <a:r>
+              <a:rPr lang="en-US" dirty="0"/>
+              <a:t> involves much less time and effort than drawing an equivalent flowchart.</a:t>
+            </a:r>
+          </a:p>
+          <a:p>
+            <a:r>
+              <a:rPr lang="en-US" dirty="0"/>
+              <a:t>Converting a pseudo code to a programming language is </a:t>
+            </a:r>
+            <a:r>
+              <a:rPr lang="en-US" dirty="0" smtClean="0"/>
+              <a:t>much </a:t>
+            </a:r>
+            <a:r>
+              <a:rPr lang="en-US" dirty="0"/>
+              <a:t>easier as compared to converting a flowchart.</a:t>
+            </a:r>
+          </a:p>
+        </p:txBody>
+      </p:sp>
+      <p:sp>
+        <p:nvSpPr>
+          <p:cNvPr id="11268" name="Content Placeholder 3"/>
+          <p:cNvSpPr>
+            <a:spLocks noGrp="1"/>
+          </p:cNvSpPr>
+          <p:nvPr>
+            <p:ph sz="half" idx="2"/>
+          </p:nvPr>
+        </p:nvSpPr>
+        <p:spPr/>
+        <p:txBody>
+          <a:bodyPr/>
+          <a:lstStyle/>
+          <a:p>
+            <a:r>
+              <a:rPr lang="en-US" dirty="0"/>
+              <a:t>It is easier to modify the </a:t>
+            </a:r>
+            <a:r>
+              <a:rPr lang="en-US" dirty="0" err="1"/>
+              <a:t>pseudocode</a:t>
+            </a:r>
+            <a:r>
+              <a:rPr lang="en-US" dirty="0"/>
+              <a:t> of a </a:t>
+            </a:r>
+            <a:r>
+              <a:rPr lang="en-US" dirty="0" smtClean="0"/>
+              <a:t>program </a:t>
+            </a:r>
+            <a:r>
+              <a:rPr lang="en-US" dirty="0"/>
+              <a:t>when program modifications are necessary</a:t>
+            </a:r>
+            <a:r>
+              <a:rPr lang="en-US" dirty="0" smtClean="0"/>
+              <a:t>.</a:t>
+            </a:r>
+          </a:p>
+          <a:p>
+            <a:r>
+              <a:rPr lang="en-US" dirty="0" err="1" smtClean="0"/>
               <a:t>Pseudocode</a:t>
             </a:r>
-            <a:endParaRPr lang="en-IE" dirty="0"/>
-          </a:p>
-        </p:txBody>
-      </p:sp>
-      <p:sp>
-        <p:nvSpPr>
-          <p:cNvPr id="3" name="Content Placeholder 2"/>
-          <p:cNvSpPr>
-            <a:spLocks noGrp="1"/>
-          </p:cNvSpPr>
-          <p:nvPr>
-            <p:ph idx="1"/>
-          </p:nvPr>
-        </p:nvSpPr>
-        <p:spPr>
-          <a:xfrm>
-            <a:off x="457200" y="1600200"/>
-            <a:ext cx="7571184" cy="4525963"/>
-          </a:xfrm>
-        </p:spPr>
-        <p:txBody>
-          <a:bodyPr/>
-          <a:lstStyle/>
-          <a:p>
-            <a:r>
-              <a:rPr lang="en-IE" dirty="0" smtClean="0"/>
-              <a:t>So let’s say we want to express the following algorithm:</a:t>
-            </a:r>
-          </a:p>
-          <a:p>
-            <a:pPr lvl="1"/>
-            <a:r>
-              <a:rPr lang="en-IE" sz="2400" i="1" dirty="0" smtClean="0"/>
-              <a:t>Read in a number and check if it’s a prime number</a:t>
-            </a:r>
-            <a:r>
-              <a:rPr lang="en-IE" sz="2000" i="1" dirty="0" smtClean="0"/>
-              <a:t>. </a:t>
-            </a:r>
-            <a:endParaRPr lang="en-IE" sz="2000" i="1" dirty="0"/>
+            <a:r>
+              <a:rPr lang="en-US" dirty="0" smtClean="0"/>
+              <a:t> is language independent.</a:t>
+            </a:r>
+            <a:endParaRPr lang="en-US" dirty="0"/>
           </a:p>
         </p:txBody>
       </p:sp>
@@ -16780,7 +16230,7 @@
 </file>
 
 <file path=ppt/slides/slide58.xml><?xml version="1.0" encoding="utf-8"?>
-<p:sld xmlns:a="http://schemas.openxmlformats.org/drawingml/2006/main" xmlns:r="http://schemas.openxmlformats.org/officeDocument/2006/relationships" xmlns:p="http://schemas.openxmlformats.org/presentationml/2006/main">
+<p:sld xmlns:a="http://schemas.openxmlformats.org/drawingml/2006/main" xmlns:r="http://schemas.openxmlformats.org/officeDocument/2006/relationships" xmlns:mc="http://schemas.openxmlformats.org/markup-compatibility/2006" xmlns:mv="urn:schemas-microsoft-com:mac:vml" xmlns:p="http://schemas.openxmlformats.org/presentationml/2006/main" mc:Ignorable="mv" mc:PreserveAttributes="mv:*">
   <p:cSld>
     <p:spTree>
       <p:nvGrpSpPr>
@@ -16798,7 +16248,7 @@
       </p:grpSpPr>
       <p:sp>
         <p:nvSpPr>
-          <p:cNvPr id="2" name="Title 1"/>
+          <p:cNvPr id="12290" name="Title 1"/>
           <p:cNvSpPr>
             <a:spLocks noGrp="1"/>
           </p:cNvSpPr>
@@ -16812,164 +16262,76 @@
           <a:lstStyle/>
           <a:p>
             <a:r>
-              <a:rPr lang="en-IE" dirty="0" err="1" smtClean="0"/>
-              <a:t>Pseudocode</a:t>
-            </a:r>
-            <a:endParaRPr lang="en-IE" dirty="0"/>
-          </a:p>
-        </p:txBody>
-      </p:sp>
-      <p:sp>
-        <p:nvSpPr>
-          <p:cNvPr id="3" name="Content Placeholder 2"/>
-          <p:cNvSpPr>
-            <a:spLocks noGrp="1"/>
-          </p:cNvSpPr>
-          <p:nvPr>
-            <p:ph idx="1"/>
-          </p:nvPr>
-        </p:nvSpPr>
-        <p:spPr>
-          <a:xfrm>
-            <a:off x="457200" y="1600200"/>
-            <a:ext cx="7571184" cy="4525963"/>
-          </a:xfrm>
-        </p:spPr>
-        <p:txBody>
-          <a:bodyPr/>
-          <a:lstStyle/>
-          <a:p>
-            <a:r>
-              <a:rPr lang="en-IE" dirty="0" smtClean="0"/>
-              <a:t>So let’s say we want to express the following algorithm:</a:t>
-            </a:r>
-          </a:p>
-          <a:p>
-            <a:pPr lvl="1"/>
-            <a:r>
-              <a:rPr lang="en-IE" sz="2400" i="1" dirty="0" smtClean="0"/>
-              <a:t>Read in a number and check if it’s a prime number</a:t>
-            </a:r>
-            <a:r>
-              <a:rPr lang="en-IE" sz="2000" i="1" dirty="0" smtClean="0"/>
-              <a:t>.</a:t>
-            </a:r>
-          </a:p>
-          <a:p>
-            <a:pPr lvl="1"/>
-            <a:r>
-              <a:rPr lang="en-IE" sz="2000" i="1" dirty="0" smtClean="0"/>
-              <a:t>What’s a prime number? </a:t>
-            </a:r>
-            <a:endParaRPr lang="en-IE" sz="2000" i="1" dirty="0"/>
-          </a:p>
-        </p:txBody>
-      </p:sp>
-    </p:spTree>
-  </p:cSld>
-  <p:clrMapOvr>
-    <a:masterClrMapping/>
-  </p:clrMapOvr>
-  <p:timing>
-    <p:tnLst>
-      <p:par>
-        <p:cTn id="1" dur="indefinite" restart="never" nodeType="tmRoot"/>
-      </p:par>
-    </p:tnLst>
-  </p:timing>
-</p:sld>
-</file>
-
-<file path=ppt/slides/slide59.xml><?xml version="1.0" encoding="utf-8"?>
-<p:sld xmlns:a="http://schemas.openxmlformats.org/drawingml/2006/main" xmlns:r="http://schemas.openxmlformats.org/officeDocument/2006/relationships" xmlns:p="http://schemas.openxmlformats.org/presentationml/2006/main">
-  <p:cSld>
-    <p:spTree>
-      <p:nvGrpSpPr>
-        <p:cNvPr id="1" name=""/>
-        <p:cNvGrpSpPr/>
-        <p:nvPr/>
-      </p:nvGrpSpPr>
-      <p:grpSpPr>
-        <a:xfrm>
-          <a:off x="0" y="0"/>
-          <a:ext cx="0" cy="0"/>
-          <a:chOff x="0" y="0"/>
-          <a:chExt cx="0" cy="0"/>
-        </a:xfrm>
-      </p:grpSpPr>
-      <p:sp>
-        <p:nvSpPr>
-          <p:cNvPr id="2" name="Title 1"/>
-          <p:cNvSpPr>
-            <a:spLocks noGrp="1"/>
-          </p:cNvSpPr>
-          <p:nvPr>
-            <p:ph type="title"/>
-          </p:nvPr>
-        </p:nvSpPr>
-        <p:spPr/>
-        <p:txBody>
-          <a:bodyPr/>
-          <a:lstStyle/>
-          <a:p>
-            <a:r>
-              <a:rPr lang="en-IE" dirty="0" err="1" smtClean="0"/>
-              <a:t>Pseudocode</a:t>
-            </a:r>
-            <a:endParaRPr lang="en-IE" dirty="0"/>
-          </a:p>
-        </p:txBody>
-      </p:sp>
-      <p:sp>
-        <p:nvSpPr>
-          <p:cNvPr id="3" name="Content Placeholder 2"/>
-          <p:cNvSpPr>
-            <a:spLocks noGrp="1"/>
-          </p:cNvSpPr>
-          <p:nvPr>
-            <p:ph idx="1"/>
-          </p:nvPr>
-        </p:nvSpPr>
-        <p:spPr>
-          <a:xfrm>
-            <a:off x="457200" y="1600200"/>
-            <a:ext cx="7571184" cy="4525963"/>
-          </a:xfrm>
-        </p:spPr>
-        <p:txBody>
-          <a:bodyPr/>
-          <a:lstStyle/>
-          <a:p>
-            <a:r>
-              <a:rPr lang="en-IE" dirty="0" smtClean="0"/>
-              <a:t>So let’s say we want to express the following algorithm:</a:t>
-            </a:r>
-          </a:p>
-          <a:p>
-            <a:pPr lvl="1"/>
-            <a:r>
-              <a:rPr lang="en-IE" sz="2400" i="1" dirty="0" smtClean="0"/>
-              <a:t>Read in a number and check if it’s a prime number</a:t>
-            </a:r>
-            <a:r>
-              <a:rPr lang="en-IE" sz="2000" i="1" dirty="0" smtClean="0"/>
-              <a:t>.</a:t>
-            </a:r>
-          </a:p>
-          <a:p>
-            <a:pPr lvl="1"/>
-            <a:r>
-              <a:rPr lang="en-IE" sz="2000" i="1" dirty="0" smtClean="0"/>
-              <a:t>What’s a prime number?</a:t>
-            </a:r>
-          </a:p>
-          <a:p>
-            <a:pPr lvl="1"/>
-            <a:r>
-              <a:rPr lang="en-IE" sz="2000" i="1" dirty="0" smtClean="0"/>
-              <a:t>A number that’s only divisible by itself and 1, e.g. 7. </a:t>
-            </a:r>
-            <a:endParaRPr lang="en-IE" sz="2000" i="1" dirty="0"/>
+              <a:rPr lang="en-US"/>
+              <a:t>Limitations of Pseudocode</a:t>
+            </a:r>
+          </a:p>
+        </p:txBody>
+      </p:sp>
+      <p:sp>
+        <p:nvSpPr>
+          <p:cNvPr id="12291" name="Content Placeholder 2"/>
+          <p:cNvSpPr>
+            <a:spLocks noGrp="1"/>
+          </p:cNvSpPr>
+          <p:nvPr>
+            <p:ph sz="half" idx="1"/>
+          </p:nvPr>
+        </p:nvSpPr>
+        <p:spPr/>
+        <p:txBody>
+          <a:bodyPr>
+            <a:normAutofit lnSpcReduction="10000"/>
+          </a:bodyPr>
+          <a:lstStyle/>
+          <a:p>
+            <a:r>
+              <a:rPr lang="en-US"/>
+              <a:t>In case of pseudo code, a graphic representa- tion of program logic is not available.</a:t>
+            </a:r>
+          </a:p>
+          <a:p>
+            <a:r>
+              <a:rPr lang="en-US"/>
+              <a:t>There are no standard rules to follow in using pseudocode.</a:t>
+            </a:r>
+          </a:p>
+          <a:p>
+            <a:r>
+              <a:rPr lang="en-US"/>
+              <a:t>Different programmers use their own style of writing pseudocode</a:t>
+            </a:r>
+          </a:p>
+        </p:txBody>
+      </p:sp>
+      <p:sp>
+        <p:nvSpPr>
+          <p:cNvPr id="12292" name="Content Placeholder 3"/>
+          <p:cNvSpPr>
+            <a:spLocks noGrp="1"/>
+          </p:cNvSpPr>
+          <p:nvPr>
+            <p:ph sz="half" idx="2"/>
+          </p:nvPr>
+        </p:nvSpPr>
+        <p:spPr/>
+        <p:txBody>
+          <a:bodyPr>
+            <a:normAutofit lnSpcReduction="10000"/>
+          </a:bodyPr>
+          <a:lstStyle/>
+          <a:p>
+            <a:r>
+              <a:rPr lang="en-US" dirty="0"/>
+              <a:t>communication problems occur due to lack of standardization.</a:t>
+            </a:r>
+            <a:endParaRPr lang="en-US" dirty="0" smtClean="0"/>
+          </a:p>
+          <a:p>
+            <a:pPr>
+              <a:buNone/>
+            </a:pPr>
+            <a:endParaRPr lang="en-US" dirty="0"/>
           </a:p>
         </p:txBody>
       </p:sp>
@@ -16989,7 +16351,7 @@
 </file>
 
 <file path=ppt/slides/slide6.xml><?xml version="1.0" encoding="utf-8"?>
-<p:sld xmlns:a="http://schemas.openxmlformats.org/drawingml/2006/main" xmlns:r="http://schemas.openxmlformats.org/officeDocument/2006/relationships" xmlns:p="http://schemas.openxmlformats.org/presentationml/2006/main">
+<p:sld xmlns:a="http://schemas.openxmlformats.org/drawingml/2006/main" xmlns:r="http://schemas.openxmlformats.org/officeDocument/2006/relationships" xmlns:mc="http://schemas.openxmlformats.org/markup-compatibility/2006" xmlns:mv="urn:schemas-microsoft-com:mac:vml" xmlns:p="http://schemas.openxmlformats.org/presentationml/2006/main" mc:Ignorable="mv" mc:PreserveAttributes="mv:*">
   <p:cSld>
     <p:spTree>
       <p:nvGrpSpPr>
@@ -17093,895 +16455,6 @@
           </a:p>
           <a:p>
             <a:endParaRPr lang="en-IE" dirty="0" smtClean="0"/>
-          </a:p>
-        </p:txBody>
-      </p:sp>
-    </p:spTree>
-  </p:cSld>
-  <p:clrMapOvr>
-    <a:masterClrMapping/>
-  </p:clrMapOvr>
-  <p:timing>
-    <p:tnLst>
-      <p:par>
-        <p:cTn id="1" dur="indefinite" restart="never" nodeType="tmRoot"/>
-      </p:par>
-    </p:tnLst>
-  </p:timing>
-</p:sld>
-</file>
-
-<file path=ppt/slides/slide60.xml><?xml version="1.0" encoding="utf-8"?>
-<p:sld xmlns:a="http://schemas.openxmlformats.org/drawingml/2006/main" xmlns:r="http://schemas.openxmlformats.org/officeDocument/2006/relationships" xmlns:p="http://schemas.openxmlformats.org/presentationml/2006/main">
-  <p:cSld>
-    <p:spTree>
-      <p:nvGrpSpPr>
-        <p:cNvPr id="1" name=""/>
-        <p:cNvGrpSpPr/>
-        <p:nvPr/>
-      </p:nvGrpSpPr>
-      <p:grpSpPr>
-        <a:xfrm>
-          <a:off x="0" y="0"/>
-          <a:ext cx="0" cy="0"/>
-          <a:chOff x="0" y="0"/>
-          <a:chExt cx="0" cy="0"/>
-        </a:xfrm>
-      </p:grpSpPr>
-      <p:sp>
-        <p:nvSpPr>
-          <p:cNvPr id="2" name="Title 1"/>
-          <p:cNvSpPr>
-            <a:spLocks noGrp="1"/>
-          </p:cNvSpPr>
-          <p:nvPr>
-            <p:ph type="title"/>
-          </p:nvPr>
-        </p:nvSpPr>
-        <p:spPr/>
-        <p:txBody>
-          <a:bodyPr/>
-          <a:lstStyle/>
-          <a:p>
-            <a:r>
-              <a:rPr lang="en-IE" dirty="0" err="1" smtClean="0"/>
-              <a:t>Pseudocode</a:t>
-            </a:r>
-            <a:endParaRPr lang="en-IE" dirty="0"/>
-          </a:p>
-        </p:txBody>
-      </p:sp>
-      <p:sp>
-        <p:nvSpPr>
-          <p:cNvPr id="3" name="Content Placeholder 2"/>
-          <p:cNvSpPr>
-            <a:spLocks noGrp="1"/>
-          </p:cNvSpPr>
-          <p:nvPr>
-            <p:ph idx="1"/>
-          </p:nvPr>
-        </p:nvSpPr>
-        <p:spPr>
-          <a:xfrm>
-            <a:off x="457200" y="1600200"/>
-            <a:ext cx="7571184" cy="4525963"/>
-          </a:xfrm>
-        </p:spPr>
-        <p:txBody>
-          <a:bodyPr/>
-          <a:lstStyle/>
-          <a:p>
-            <a:r>
-              <a:rPr lang="en-IE" dirty="0" smtClean="0"/>
-              <a:t>So let’s say we want to express the following algorithm:</a:t>
-            </a:r>
-          </a:p>
-          <a:p>
-            <a:pPr lvl="1"/>
-            <a:r>
-              <a:rPr lang="en-IE" sz="2400" i="1" dirty="0" smtClean="0"/>
-              <a:t>Read in a number and check if it’s a prime number</a:t>
-            </a:r>
-            <a:r>
-              <a:rPr lang="en-IE" sz="2000" i="1" dirty="0" smtClean="0"/>
-              <a:t>.</a:t>
-            </a:r>
-          </a:p>
-          <a:p>
-            <a:pPr lvl="1"/>
-            <a:r>
-              <a:rPr lang="en-IE" sz="2000" i="1" dirty="0" smtClean="0"/>
-              <a:t>What’s a prime number?</a:t>
-            </a:r>
-          </a:p>
-          <a:p>
-            <a:pPr lvl="1"/>
-            <a:r>
-              <a:rPr lang="en-IE" sz="2000" i="1" dirty="0" smtClean="0"/>
-              <a:t>A number that’s only divisible by itself and 1, e.g. 7. </a:t>
-            </a:r>
-          </a:p>
-          <a:p>
-            <a:pPr lvl="1"/>
-            <a:r>
-              <a:rPr lang="en-IE" sz="2000" i="1" dirty="0" smtClean="0"/>
-              <a:t>Or to put it another way, every number other than itself and 1 gives a remainder, e.g. For 7, if 6, 5, 4, 3, and 2 give a remainder then 7 is prime.</a:t>
-            </a:r>
-            <a:endParaRPr lang="en-IE" sz="2000" i="1" dirty="0"/>
-          </a:p>
-        </p:txBody>
-      </p:sp>
-    </p:spTree>
-  </p:cSld>
-  <p:clrMapOvr>
-    <a:masterClrMapping/>
-  </p:clrMapOvr>
-  <p:timing>
-    <p:tnLst>
-      <p:par>
-        <p:cTn id="1" dur="indefinite" restart="never" nodeType="tmRoot"/>
-      </p:par>
-    </p:tnLst>
-  </p:timing>
-</p:sld>
-</file>
-
-<file path=ppt/slides/slide61.xml><?xml version="1.0" encoding="utf-8"?>
-<p:sld xmlns:a="http://schemas.openxmlformats.org/drawingml/2006/main" xmlns:r="http://schemas.openxmlformats.org/officeDocument/2006/relationships" xmlns:p="http://schemas.openxmlformats.org/presentationml/2006/main">
-  <p:cSld>
-    <p:spTree>
-      <p:nvGrpSpPr>
-        <p:cNvPr id="1" name=""/>
-        <p:cNvGrpSpPr/>
-        <p:nvPr/>
-      </p:nvGrpSpPr>
-      <p:grpSpPr>
-        <a:xfrm>
-          <a:off x="0" y="0"/>
-          <a:ext cx="0" cy="0"/>
-          <a:chOff x="0" y="0"/>
-          <a:chExt cx="0" cy="0"/>
-        </a:xfrm>
-      </p:grpSpPr>
-      <p:sp>
-        <p:nvSpPr>
-          <p:cNvPr id="2" name="Title 1"/>
-          <p:cNvSpPr>
-            <a:spLocks noGrp="1"/>
-          </p:cNvSpPr>
-          <p:nvPr>
-            <p:ph type="title"/>
-          </p:nvPr>
-        </p:nvSpPr>
-        <p:spPr/>
-        <p:txBody>
-          <a:bodyPr/>
-          <a:lstStyle/>
-          <a:p>
-            <a:r>
-              <a:rPr lang="en-IE" dirty="0" err="1" smtClean="0"/>
-              <a:t>Pseudocode</a:t>
-            </a:r>
-            <a:endParaRPr lang="en-IE" dirty="0"/>
-          </a:p>
-        </p:txBody>
-      </p:sp>
-      <p:sp>
-        <p:nvSpPr>
-          <p:cNvPr id="3" name="Content Placeholder 2"/>
-          <p:cNvSpPr>
-            <a:spLocks noGrp="1"/>
-          </p:cNvSpPr>
-          <p:nvPr>
-            <p:ph idx="1"/>
-          </p:nvPr>
-        </p:nvSpPr>
-        <p:spPr>
-          <a:xfrm>
-            <a:off x="457200" y="1600200"/>
-            <a:ext cx="7571184" cy="4525963"/>
-          </a:xfrm>
-        </p:spPr>
-        <p:txBody>
-          <a:bodyPr/>
-          <a:lstStyle/>
-          <a:p>
-            <a:r>
-              <a:rPr lang="en-IE" dirty="0" smtClean="0"/>
-              <a:t>So let’s say we want to express the following algorithm:</a:t>
-            </a:r>
-          </a:p>
-          <a:p>
-            <a:pPr lvl="1"/>
-            <a:r>
-              <a:rPr lang="en-IE" sz="2400" i="1" dirty="0" smtClean="0"/>
-              <a:t>Read in a number and check if it’s a prime number</a:t>
-            </a:r>
-            <a:r>
-              <a:rPr lang="en-IE" sz="2000" i="1" dirty="0" smtClean="0"/>
-              <a:t>.</a:t>
-            </a:r>
-          </a:p>
-          <a:p>
-            <a:pPr lvl="1"/>
-            <a:r>
-              <a:rPr lang="en-IE" sz="2000" i="1" dirty="0" smtClean="0"/>
-              <a:t>What’s a prime number?</a:t>
-            </a:r>
-          </a:p>
-          <a:p>
-            <a:pPr lvl="1"/>
-            <a:r>
-              <a:rPr lang="en-IE" sz="2000" i="1" dirty="0" smtClean="0"/>
-              <a:t>A number that’s only divisible by itself and 1, e.g. 7. </a:t>
-            </a:r>
-          </a:p>
-          <a:p>
-            <a:pPr lvl="1"/>
-            <a:r>
-              <a:rPr lang="en-IE" sz="2000" i="1" dirty="0" smtClean="0"/>
-              <a:t>Or to put it another way, every number other than itself and 1 gives a remainder, e.g. For 7, if 6, 5, 4, 3, and 2 give a remainder then 7 is prime.</a:t>
-            </a:r>
-          </a:p>
-          <a:p>
-            <a:pPr lvl="1"/>
-            <a:r>
-              <a:rPr lang="en-IE" sz="2000" i="1" dirty="0" smtClean="0"/>
-              <a:t>So all we need to do is divide 7 by all numbers less than it but greater than one, and if any of them have no remainder, we know it’s not prime.</a:t>
-            </a:r>
-            <a:endParaRPr lang="en-IE" sz="2000" i="1" dirty="0"/>
-          </a:p>
-        </p:txBody>
-      </p:sp>
-    </p:spTree>
-  </p:cSld>
-  <p:clrMapOvr>
-    <a:masterClrMapping/>
-  </p:clrMapOvr>
-  <p:timing>
-    <p:tnLst>
-      <p:par>
-        <p:cTn id="1" dur="indefinite" restart="never" nodeType="tmRoot"/>
-      </p:par>
-    </p:tnLst>
-  </p:timing>
-</p:sld>
-</file>
-
-<file path=ppt/slides/slide62.xml><?xml version="1.0" encoding="utf-8"?>
-<p:sld xmlns:a="http://schemas.openxmlformats.org/drawingml/2006/main" xmlns:r="http://schemas.openxmlformats.org/officeDocument/2006/relationships" xmlns:p="http://schemas.openxmlformats.org/presentationml/2006/main">
-  <p:cSld>
-    <p:spTree>
-      <p:nvGrpSpPr>
-        <p:cNvPr id="1" name=""/>
-        <p:cNvGrpSpPr/>
-        <p:nvPr/>
-      </p:nvGrpSpPr>
-      <p:grpSpPr>
-        <a:xfrm>
-          <a:off x="0" y="0"/>
-          <a:ext cx="0" cy="0"/>
-          <a:chOff x="0" y="0"/>
-          <a:chExt cx="0" cy="0"/>
-        </a:xfrm>
-      </p:grpSpPr>
-      <p:sp>
-        <p:nvSpPr>
-          <p:cNvPr id="2" name="Title 1"/>
-          <p:cNvSpPr>
-            <a:spLocks noGrp="1"/>
-          </p:cNvSpPr>
-          <p:nvPr>
-            <p:ph type="title"/>
-          </p:nvPr>
-        </p:nvSpPr>
-        <p:spPr/>
-        <p:txBody>
-          <a:bodyPr/>
-          <a:lstStyle/>
-          <a:p>
-            <a:r>
-              <a:rPr lang="en-IE" dirty="0" err="1" smtClean="0"/>
-              <a:t>Pseudocode</a:t>
-            </a:r>
-            <a:endParaRPr lang="en-IE" dirty="0"/>
-          </a:p>
-        </p:txBody>
-      </p:sp>
-      <p:sp>
-        <p:nvSpPr>
-          <p:cNvPr id="3" name="Content Placeholder 2"/>
-          <p:cNvSpPr>
-            <a:spLocks noGrp="1"/>
-          </p:cNvSpPr>
-          <p:nvPr>
-            <p:ph idx="1"/>
-          </p:nvPr>
-        </p:nvSpPr>
-        <p:spPr>
-          <a:xfrm>
-            <a:off x="457200" y="1600200"/>
-            <a:ext cx="7571184" cy="4525963"/>
-          </a:xfrm>
-        </p:spPr>
-        <p:txBody>
-          <a:bodyPr/>
-          <a:lstStyle/>
-          <a:p>
-            <a:r>
-              <a:rPr lang="en-IE" dirty="0" smtClean="0"/>
-              <a:t>So, </a:t>
-            </a:r>
-          </a:p>
-          <a:p>
-            <a:r>
-              <a:rPr lang="en-IE" dirty="0" smtClean="0"/>
-              <a:t>If the number is 7, as long as 6, 5, 4, 3, and 2 give a remainder, 7 is prime.</a:t>
-            </a:r>
-          </a:p>
-          <a:p>
-            <a:r>
-              <a:rPr lang="en-IE" dirty="0" smtClean="0"/>
-              <a:t>If the number is 9, we know that 8, 7, 6, 5, and 4, all give remainders, but 3 does not give a remainder, it goes evenly into 9 so we can say 9 is not prime</a:t>
-            </a:r>
-          </a:p>
-        </p:txBody>
-      </p:sp>
-    </p:spTree>
-  </p:cSld>
-  <p:clrMapOvr>
-    <a:masterClrMapping/>
-  </p:clrMapOvr>
-  <p:timing>
-    <p:tnLst>
-      <p:par>
-        <p:cTn id="1" dur="indefinite" restart="never" nodeType="tmRoot"/>
-      </p:par>
-    </p:tnLst>
-  </p:timing>
-</p:sld>
-</file>
-
-<file path=ppt/slides/slide63.xml><?xml version="1.0" encoding="utf-8"?>
-<p:sld xmlns:a="http://schemas.openxmlformats.org/drawingml/2006/main" xmlns:r="http://schemas.openxmlformats.org/officeDocument/2006/relationships" xmlns:p="http://schemas.openxmlformats.org/presentationml/2006/main">
-  <p:cSld>
-    <p:spTree>
-      <p:nvGrpSpPr>
-        <p:cNvPr id="1" name=""/>
-        <p:cNvGrpSpPr/>
-        <p:nvPr/>
-      </p:nvGrpSpPr>
-      <p:grpSpPr>
-        <a:xfrm>
-          <a:off x="0" y="0"/>
-          <a:ext cx="0" cy="0"/>
-          <a:chOff x="0" y="0"/>
-          <a:chExt cx="0" cy="0"/>
-        </a:xfrm>
-      </p:grpSpPr>
-      <p:sp>
-        <p:nvSpPr>
-          <p:cNvPr id="2" name="Title 1"/>
-          <p:cNvSpPr>
-            <a:spLocks noGrp="1"/>
-          </p:cNvSpPr>
-          <p:nvPr>
-            <p:ph type="title"/>
-          </p:nvPr>
-        </p:nvSpPr>
-        <p:spPr/>
-        <p:txBody>
-          <a:bodyPr/>
-          <a:lstStyle/>
-          <a:p>
-            <a:r>
-              <a:rPr lang="en-IE" dirty="0" err="1" smtClean="0"/>
-              <a:t>Pseudocode</a:t>
-            </a:r>
-            <a:endParaRPr lang="en-IE" dirty="0"/>
-          </a:p>
-        </p:txBody>
-      </p:sp>
-      <p:sp>
-        <p:nvSpPr>
-          <p:cNvPr id="3" name="Content Placeholder 2"/>
-          <p:cNvSpPr>
-            <a:spLocks noGrp="1"/>
-          </p:cNvSpPr>
-          <p:nvPr>
-            <p:ph idx="1"/>
-          </p:nvPr>
-        </p:nvSpPr>
-        <p:spPr>
-          <a:xfrm>
-            <a:off x="457200" y="1600200"/>
-            <a:ext cx="7571184" cy="4525963"/>
-          </a:xfrm>
-        </p:spPr>
-        <p:txBody>
-          <a:bodyPr/>
-          <a:lstStyle/>
-          <a:p>
-            <a:r>
-              <a:rPr lang="en-IE" dirty="0" smtClean="0"/>
-              <a:t>So remember, </a:t>
-            </a:r>
-          </a:p>
-          <a:p>
-            <a:pPr lvl="1"/>
-            <a:r>
-              <a:rPr lang="en-IE" dirty="0" smtClean="0"/>
-              <a:t>if the number is 7, as long as 6, 5, 4, 3, and 2 give a remainder, 7 is prime.</a:t>
-            </a:r>
-          </a:p>
-          <a:p>
-            <a:r>
-              <a:rPr lang="en-IE" dirty="0" smtClean="0"/>
-              <a:t>So, in general, </a:t>
-            </a:r>
-          </a:p>
-          <a:p>
-            <a:pPr lvl="1"/>
-            <a:r>
-              <a:rPr lang="en-IE" dirty="0" smtClean="0"/>
-              <a:t>if the number is A, as long as A-1, A-2, A-3, A-4, ... 2 give a remainder, A is prime.</a:t>
-            </a:r>
-          </a:p>
-        </p:txBody>
-      </p:sp>
-    </p:spTree>
-  </p:cSld>
-  <p:clrMapOvr>
-    <a:masterClrMapping/>
-  </p:clrMapOvr>
-  <p:timing>
-    <p:tnLst>
-      <p:par>
-        <p:cTn id="1" dur="indefinite" restart="never" nodeType="tmRoot"/>
-      </p:par>
-    </p:tnLst>
-  </p:timing>
-</p:sld>
-</file>
-
-<file path=ppt/slides/slide64.xml><?xml version="1.0" encoding="utf-8"?>
-<p:sld xmlns:a="http://schemas.openxmlformats.org/drawingml/2006/main" xmlns:r="http://schemas.openxmlformats.org/officeDocument/2006/relationships" xmlns:p="http://schemas.openxmlformats.org/presentationml/2006/main">
-  <p:cSld>
-    <p:spTree>
-      <p:nvGrpSpPr>
-        <p:cNvPr id="1" name=""/>
-        <p:cNvGrpSpPr/>
-        <p:nvPr/>
-      </p:nvGrpSpPr>
-      <p:grpSpPr>
-        <a:xfrm>
-          <a:off x="0" y="0"/>
-          <a:ext cx="0" cy="0"/>
-          <a:chOff x="0" y="0"/>
-          <a:chExt cx="0" cy="0"/>
-        </a:xfrm>
-      </p:grpSpPr>
-      <p:sp>
-        <p:nvSpPr>
-          <p:cNvPr id="4" name="Rounded Rectangle 3"/>
-          <p:cNvSpPr/>
-          <p:nvPr/>
-        </p:nvSpPr>
-        <p:spPr>
-          <a:xfrm>
-            <a:off x="251520" y="1484784"/>
-            <a:ext cx="6552728" cy="5184576"/>
-          </a:xfrm>
-          <a:prstGeom prst="roundRect">
-            <a:avLst/>
-          </a:prstGeom>
-          <a:solidFill>
-            <a:schemeClr val="accent3">
-              <a:lumMod val="60000"/>
-              <a:lumOff val="40000"/>
-            </a:schemeClr>
-          </a:solidFill>
-          <a:ln>
-            <a:solidFill>
-              <a:schemeClr val="tx1"/>
-            </a:solidFill>
-          </a:ln>
-        </p:spPr>
-        <p:style>
-          <a:lnRef idx="2">
-            <a:schemeClr val="accent1">
-              <a:shade val="50000"/>
-            </a:schemeClr>
-          </a:lnRef>
-          <a:fillRef idx="1">
-            <a:schemeClr val="accent1"/>
-          </a:fillRef>
-          <a:effectRef idx="0">
-            <a:schemeClr val="accent1"/>
-          </a:effectRef>
-          <a:fontRef idx="minor">
-            <a:schemeClr val="lt1"/>
-          </a:fontRef>
-        </p:style>
-        <p:txBody>
-          <a:bodyPr rtlCol="0" anchor="ctr"/>
-          <a:lstStyle/>
-          <a:p>
-            <a:pPr algn="ctr"/>
-            <a:endParaRPr lang="en-IE"/>
-          </a:p>
-        </p:txBody>
-      </p:sp>
-      <p:sp>
-        <p:nvSpPr>
-          <p:cNvPr id="2" name="Title 1"/>
-          <p:cNvSpPr>
-            <a:spLocks noGrp="1"/>
-          </p:cNvSpPr>
-          <p:nvPr>
-            <p:ph type="title"/>
-          </p:nvPr>
-        </p:nvSpPr>
-        <p:spPr/>
-        <p:txBody>
-          <a:bodyPr/>
-          <a:lstStyle/>
-          <a:p>
-            <a:r>
-              <a:rPr lang="en-IE" dirty="0" err="1" smtClean="0"/>
-              <a:t>Pseudocode</a:t>
-            </a:r>
-            <a:endParaRPr lang="en-IE" dirty="0"/>
-          </a:p>
-        </p:txBody>
-      </p:sp>
-      <p:sp>
-        <p:nvSpPr>
-          <p:cNvPr id="3" name="Content Placeholder 2"/>
-          <p:cNvSpPr>
-            <a:spLocks noGrp="1"/>
-          </p:cNvSpPr>
-          <p:nvPr>
-            <p:ph idx="1"/>
-          </p:nvPr>
-        </p:nvSpPr>
-        <p:spPr>
-          <a:xfrm>
-            <a:off x="457200" y="1600200"/>
-            <a:ext cx="7571184" cy="4525963"/>
-          </a:xfrm>
-        </p:spPr>
-        <p:txBody>
-          <a:bodyPr>
-            <a:noAutofit/>
-          </a:bodyPr>
-          <a:lstStyle/>
-          <a:p>
-            <a:pPr>
-              <a:buNone/>
-            </a:pPr>
-            <a:r>
-              <a:rPr lang="en-IE" sz="1800" b="1" dirty="0" smtClean="0">
-                <a:latin typeface="Courier New" pitchFamily="49" charset="0"/>
-                <a:cs typeface="Courier New" pitchFamily="49" charset="0"/>
-              </a:rPr>
-              <a:t>PROGRAM</a:t>
-            </a:r>
-            <a:r>
-              <a:rPr lang="en-IE" sz="1800" dirty="0" smtClean="0">
-                <a:latin typeface="Courier New" pitchFamily="49" charset="0"/>
-                <a:cs typeface="Courier New" pitchFamily="49" charset="0"/>
-              </a:rPr>
-              <a:t> Prime:</a:t>
-            </a:r>
-          </a:p>
-          <a:p>
-            <a:pPr>
-              <a:buNone/>
-            </a:pPr>
-            <a:r>
-              <a:rPr lang="en-IE" sz="1800" dirty="0" smtClean="0">
-                <a:latin typeface="Courier New" pitchFamily="49" charset="0"/>
-                <a:cs typeface="Courier New" pitchFamily="49" charset="0"/>
-              </a:rPr>
-              <a:t>    Read A;</a:t>
-            </a:r>
-          </a:p>
-          <a:p>
-            <a:pPr>
-              <a:buNone/>
-            </a:pPr>
-            <a:r>
-              <a:rPr lang="en-IE" sz="1800" dirty="0" smtClean="0">
-                <a:latin typeface="Courier New" pitchFamily="49" charset="0"/>
-                <a:cs typeface="Courier New" pitchFamily="49" charset="0"/>
-              </a:rPr>
-              <a:t>    B = A - 1;</a:t>
-            </a:r>
-          </a:p>
-          <a:p>
-            <a:pPr>
-              <a:buNone/>
-            </a:pPr>
-            <a:r>
-              <a:rPr lang="en-IE" sz="1800" dirty="0" smtClean="0">
-                <a:latin typeface="Courier New" pitchFamily="49" charset="0"/>
-                <a:cs typeface="Courier New" pitchFamily="49" charset="0"/>
-              </a:rPr>
-              <a:t>    </a:t>
-            </a:r>
-            <a:r>
-              <a:rPr lang="en-IE" sz="1800" dirty="0" err="1" smtClean="0">
-                <a:latin typeface="Courier New" pitchFamily="49" charset="0"/>
-                <a:cs typeface="Courier New" pitchFamily="49" charset="0"/>
-              </a:rPr>
-              <a:t>IsPrime</a:t>
-            </a:r>
-            <a:r>
-              <a:rPr lang="en-IE" sz="1800" dirty="0" smtClean="0">
-                <a:latin typeface="Courier New" pitchFamily="49" charset="0"/>
-                <a:cs typeface="Courier New" pitchFamily="49" charset="0"/>
-              </a:rPr>
-              <a:t>=True;</a:t>
-            </a:r>
-          </a:p>
-          <a:p>
-            <a:pPr>
-              <a:buNone/>
-            </a:pPr>
-            <a:r>
-              <a:rPr lang="en-IE" sz="1800" dirty="0" smtClean="0">
-                <a:latin typeface="Courier New" pitchFamily="49" charset="0"/>
-                <a:cs typeface="Courier New" pitchFamily="49" charset="0"/>
-              </a:rPr>
-              <a:t>    </a:t>
-            </a:r>
-            <a:r>
-              <a:rPr lang="en-IE" sz="1800" b="1" dirty="0" smtClean="0">
-                <a:latin typeface="Courier New" pitchFamily="49" charset="0"/>
-                <a:cs typeface="Courier New" pitchFamily="49" charset="0"/>
-              </a:rPr>
-              <a:t>WHILE</a:t>
-            </a:r>
-            <a:r>
-              <a:rPr lang="en-IE" sz="1800" dirty="0" smtClean="0">
-                <a:latin typeface="Courier New" pitchFamily="49" charset="0"/>
-                <a:cs typeface="Courier New" pitchFamily="49" charset="0"/>
-              </a:rPr>
-              <a:t> (B != 1)</a:t>
-            </a:r>
-          </a:p>
-          <a:p>
-            <a:pPr>
-              <a:buNone/>
-            </a:pPr>
-            <a:r>
-              <a:rPr lang="en-IE" sz="1800" dirty="0" smtClean="0">
-                <a:latin typeface="Courier New" pitchFamily="49" charset="0"/>
-                <a:cs typeface="Courier New" pitchFamily="49" charset="0"/>
-              </a:rPr>
-              <a:t>    </a:t>
-            </a:r>
-            <a:r>
-              <a:rPr lang="en-IE" sz="1800" b="1" dirty="0" smtClean="0">
-                <a:latin typeface="Courier New" pitchFamily="49" charset="0"/>
-                <a:cs typeface="Courier New" pitchFamily="49" charset="0"/>
-              </a:rPr>
-              <a:t>DO  IF </a:t>
-            </a:r>
-            <a:r>
-              <a:rPr lang="en-IE" sz="1800" dirty="0" smtClean="0">
-                <a:latin typeface="Courier New" pitchFamily="49" charset="0"/>
-                <a:cs typeface="Courier New" pitchFamily="49" charset="0"/>
-              </a:rPr>
-              <a:t>(A/B gives no remainder)</a:t>
-            </a:r>
-          </a:p>
-          <a:p>
-            <a:pPr>
-              <a:buNone/>
-            </a:pPr>
-            <a:r>
-              <a:rPr lang="en-IE" sz="1800" dirty="0" smtClean="0">
-                <a:latin typeface="Courier New" pitchFamily="49" charset="0"/>
-                <a:cs typeface="Courier New" pitchFamily="49" charset="0"/>
-              </a:rPr>
-              <a:t>            </a:t>
-            </a:r>
-            <a:r>
-              <a:rPr lang="en-IE" sz="1800" b="1" dirty="0" smtClean="0">
-                <a:latin typeface="Courier New" pitchFamily="49" charset="0"/>
-                <a:cs typeface="Courier New" pitchFamily="49" charset="0"/>
-              </a:rPr>
-              <a:t>THEN</a:t>
-            </a:r>
-            <a:r>
-              <a:rPr lang="en-IE" sz="1800" dirty="0" smtClean="0">
-                <a:latin typeface="Courier New" pitchFamily="49" charset="0"/>
-                <a:cs typeface="Courier New" pitchFamily="49" charset="0"/>
-              </a:rPr>
-              <a:t> </a:t>
-            </a:r>
-            <a:r>
-              <a:rPr lang="en-IE" sz="1800" dirty="0" err="1" smtClean="0">
-                <a:latin typeface="Courier New" pitchFamily="49" charset="0"/>
-                <a:cs typeface="Courier New" pitchFamily="49" charset="0"/>
-              </a:rPr>
-              <a:t>IsPrime</a:t>
-            </a:r>
-            <a:r>
-              <a:rPr lang="en-IE" sz="1800" dirty="0" smtClean="0">
-                <a:latin typeface="Courier New" pitchFamily="49" charset="0"/>
-                <a:cs typeface="Courier New" pitchFamily="49" charset="0"/>
-              </a:rPr>
-              <a:t>= False;</a:t>
-            </a:r>
-          </a:p>
-          <a:p>
-            <a:pPr>
-              <a:buNone/>
-            </a:pPr>
-            <a:r>
-              <a:rPr lang="en-IE" sz="1800" dirty="0" smtClean="0">
-                <a:latin typeface="Courier New" pitchFamily="49" charset="0"/>
-                <a:cs typeface="Courier New" pitchFamily="49" charset="0"/>
-              </a:rPr>
-              <a:t>        </a:t>
-            </a:r>
-            <a:r>
-              <a:rPr lang="en-IE" sz="1800" b="1" dirty="0" smtClean="0">
-                <a:latin typeface="Courier New" pitchFamily="49" charset="0"/>
-                <a:cs typeface="Courier New" pitchFamily="49" charset="0"/>
-              </a:rPr>
-              <a:t>ENDIF;</a:t>
-            </a:r>
-          </a:p>
-          <a:p>
-            <a:pPr>
-              <a:buNone/>
-            </a:pPr>
-            <a:r>
-              <a:rPr lang="en-IE" sz="1800" dirty="0" smtClean="0">
-                <a:latin typeface="Courier New" pitchFamily="49" charset="0"/>
-                <a:cs typeface="Courier New" pitchFamily="49" charset="0"/>
-              </a:rPr>
-              <a:t>        B = B – 1;             </a:t>
-            </a:r>
-          </a:p>
-          <a:p>
-            <a:pPr>
-              <a:buNone/>
-            </a:pPr>
-            <a:r>
-              <a:rPr lang="en-IE" sz="1800" b="1" dirty="0" smtClean="0">
-                <a:latin typeface="Courier New" pitchFamily="49" charset="0"/>
-                <a:cs typeface="Courier New" pitchFamily="49" charset="0"/>
-              </a:rPr>
-              <a:t>    ENDWHILE;</a:t>
-            </a:r>
-          </a:p>
-          <a:p>
-            <a:pPr>
-              <a:buNone/>
-            </a:pPr>
-            <a:r>
-              <a:rPr lang="en-IE" sz="1800" dirty="0" smtClean="0">
-                <a:latin typeface="Courier New" pitchFamily="49" charset="0"/>
-                <a:cs typeface="Courier New" pitchFamily="49" charset="0"/>
-              </a:rPr>
-              <a:t>    </a:t>
-            </a:r>
-            <a:r>
-              <a:rPr lang="en-IE" sz="1800" b="1" dirty="0" smtClean="0">
-                <a:latin typeface="Courier New" pitchFamily="49" charset="0"/>
-                <a:cs typeface="Courier New" pitchFamily="49" charset="0"/>
-              </a:rPr>
-              <a:t>IF</a:t>
-            </a:r>
-            <a:r>
-              <a:rPr lang="en-IE" sz="1800" dirty="0" smtClean="0">
-                <a:latin typeface="Courier New" pitchFamily="49" charset="0"/>
-                <a:cs typeface="Courier New" pitchFamily="49" charset="0"/>
-              </a:rPr>
-              <a:t> (</a:t>
-            </a:r>
-            <a:r>
-              <a:rPr lang="en-IE" sz="1800" dirty="0" err="1" smtClean="0">
-                <a:latin typeface="Courier New" pitchFamily="49" charset="0"/>
-                <a:cs typeface="Courier New" pitchFamily="49" charset="0"/>
-              </a:rPr>
-              <a:t>IsPrime</a:t>
-            </a:r>
-            <a:r>
-              <a:rPr lang="en-IE" sz="1800" dirty="0" smtClean="0">
-                <a:latin typeface="Courier New" pitchFamily="49" charset="0"/>
-                <a:cs typeface="Courier New" pitchFamily="49" charset="0"/>
-              </a:rPr>
-              <a:t> == true)</a:t>
-            </a:r>
-          </a:p>
-          <a:p>
-            <a:pPr>
-              <a:buNone/>
-            </a:pPr>
-            <a:r>
-              <a:rPr lang="en-IE" sz="1800" dirty="0" smtClean="0">
-                <a:latin typeface="Courier New" pitchFamily="49" charset="0"/>
-                <a:cs typeface="Courier New" pitchFamily="49" charset="0"/>
-              </a:rPr>
-              <a:t>        </a:t>
-            </a:r>
-            <a:r>
-              <a:rPr lang="en-IE" sz="1800" b="1" dirty="0" smtClean="0">
-                <a:latin typeface="Courier New" pitchFamily="49" charset="0"/>
-                <a:cs typeface="Courier New" pitchFamily="49" charset="0"/>
-              </a:rPr>
-              <a:t> THEN</a:t>
-            </a:r>
-            <a:r>
-              <a:rPr lang="en-IE" sz="1800" dirty="0" smtClean="0">
-                <a:latin typeface="Courier New" pitchFamily="49" charset="0"/>
-                <a:cs typeface="Courier New" pitchFamily="49" charset="0"/>
-              </a:rPr>
-              <a:t> Print “Prime”;</a:t>
-            </a:r>
-          </a:p>
-          <a:p>
-            <a:pPr>
-              <a:buNone/>
-            </a:pPr>
-            <a:r>
-              <a:rPr lang="en-IE" sz="1800" dirty="0" smtClean="0">
-                <a:latin typeface="Courier New" pitchFamily="49" charset="0"/>
-                <a:cs typeface="Courier New" pitchFamily="49" charset="0"/>
-              </a:rPr>
-              <a:t>         </a:t>
-            </a:r>
-            <a:r>
-              <a:rPr lang="en-IE" sz="1800" b="1" dirty="0" smtClean="0">
-                <a:latin typeface="Courier New" pitchFamily="49" charset="0"/>
-                <a:cs typeface="Courier New" pitchFamily="49" charset="0"/>
-              </a:rPr>
-              <a:t>ELSE</a:t>
-            </a:r>
-            <a:r>
-              <a:rPr lang="en-IE" sz="1800" dirty="0" smtClean="0">
-                <a:latin typeface="Courier New" pitchFamily="49" charset="0"/>
-                <a:cs typeface="Courier New" pitchFamily="49" charset="0"/>
-              </a:rPr>
-              <a:t> Print “Not Prime”;</a:t>
-            </a:r>
-          </a:p>
-          <a:p>
-            <a:pPr>
-              <a:buNone/>
-            </a:pPr>
-            <a:r>
-              <a:rPr lang="en-IE" sz="1800" dirty="0" smtClean="0">
-                <a:latin typeface="Courier New" pitchFamily="49" charset="0"/>
-                <a:cs typeface="Courier New" pitchFamily="49" charset="0"/>
-              </a:rPr>
-              <a:t>    </a:t>
-            </a:r>
-            <a:r>
-              <a:rPr lang="en-IE" sz="1800" b="1" dirty="0" smtClean="0">
-                <a:latin typeface="Courier New" pitchFamily="49" charset="0"/>
-                <a:cs typeface="Courier New" pitchFamily="49" charset="0"/>
-              </a:rPr>
-              <a:t>ENDIF;</a:t>
-            </a:r>
-          </a:p>
-          <a:p>
-            <a:pPr>
-              <a:buNone/>
-            </a:pPr>
-            <a:r>
-              <a:rPr lang="en-IE" sz="1800" b="1" dirty="0" smtClean="0">
-                <a:latin typeface="Courier New" pitchFamily="49" charset="0"/>
-                <a:cs typeface="Courier New" pitchFamily="49" charset="0"/>
-              </a:rPr>
-              <a:t>END.</a:t>
-            </a:r>
           </a:p>
         </p:txBody>
       </p:sp>
@@ -18001,7 +16474,7 @@
 </file>
 
 <file path=ppt/slides/slide7.xml><?xml version="1.0" encoding="utf-8"?>
-<p:sld xmlns:a="http://schemas.openxmlformats.org/drawingml/2006/main" xmlns:r="http://schemas.openxmlformats.org/officeDocument/2006/relationships" xmlns:p="http://schemas.openxmlformats.org/presentationml/2006/main">
+<p:sld xmlns:a="http://schemas.openxmlformats.org/drawingml/2006/main" xmlns:r="http://schemas.openxmlformats.org/officeDocument/2006/relationships" xmlns:mc="http://schemas.openxmlformats.org/markup-compatibility/2006" xmlns:mv="urn:schemas-microsoft-com:mac:vml" xmlns:p="http://schemas.openxmlformats.org/presentationml/2006/main" mc:Ignorable="mv" mc:PreserveAttributes="mv:*">
   <p:cSld>
     <p:spTree>
       <p:nvGrpSpPr>
@@ -18213,7 +16686,7 @@
 </file>
 
 <file path=ppt/slides/slide8.xml><?xml version="1.0" encoding="utf-8"?>
-<p:sld xmlns:a="http://schemas.openxmlformats.org/drawingml/2006/main" xmlns:r="http://schemas.openxmlformats.org/officeDocument/2006/relationships" xmlns:p="http://schemas.openxmlformats.org/presentationml/2006/main">
+<p:sld xmlns:a="http://schemas.openxmlformats.org/drawingml/2006/main" xmlns:r="http://schemas.openxmlformats.org/officeDocument/2006/relationships" xmlns:mc="http://schemas.openxmlformats.org/markup-compatibility/2006" xmlns:mv="urn:schemas-microsoft-com:mac:vml" xmlns:p="http://schemas.openxmlformats.org/presentationml/2006/main" mc:Ignorable="mv" mc:PreserveAttributes="mv:*">
   <p:cSld>
     <p:spTree>
       <p:nvGrpSpPr>
@@ -18310,7 +16783,7 @@
 </file>
 
 <file path=ppt/slides/slide9.xml><?xml version="1.0" encoding="utf-8"?>
-<p:sld xmlns:a="http://schemas.openxmlformats.org/drawingml/2006/main" xmlns:r="http://schemas.openxmlformats.org/officeDocument/2006/relationships" xmlns:p="http://schemas.openxmlformats.org/presentationml/2006/main">
+<p:sld xmlns:a="http://schemas.openxmlformats.org/drawingml/2006/main" xmlns:r="http://schemas.openxmlformats.org/officeDocument/2006/relationships" xmlns:mc="http://schemas.openxmlformats.org/markup-compatibility/2006" xmlns:mv="urn:schemas-microsoft-com:mac:vml" xmlns:p="http://schemas.openxmlformats.org/presentationml/2006/main" mc:Ignorable="mv" mc:PreserveAttributes="mv:*">
   <p:cSld>
     <p:spTree>
       <p:nvGrpSpPr>
